--- a/2026-02-10/report.pptx
+++ b/2026-02-10/report.pptx
@@ -4863,7 +4863,7 @@
               </a:defRPr>
             </a:pPr>
             <a:r>
-              <a:t>TechCrunch: https://techcrunch.com/2026/02/05/openai-launches-new-agentic-coding-model-only-minutes-after-anthropic-drops-its-own/</a:t>
+              <a:t>IBM: https://www.ibm.com/think/news/ai-tech-trends-predictions-2026</a:t>
             </a:r>
           </a:p>
           <a:p>
@@ -4911,7 +4911,7 @@
               </a:defRPr>
             </a:pPr>
             <a:r>
-              <a:t>MIT Sloan Management Review: https://sloanreview.mit.edu/article/five-trends-in-ai-and-data-science-for-2026/</a:t>
+              <a:t>MIT Technology Review: https://www.technologyreview.com/2026/01/12/1130027/generative-coding-ai-software-2026-breakthrough-technology</a:t>
             </a:r>
           </a:p>
           <a:p>
@@ -4943,7 +4943,7 @@
               </a:defRPr>
             </a:pPr>
             <a:r>
-              <a:t>LLM Stats: https://llm-stats.com/llm-updates</a:t>
+              <a:t>TechCrunch: https://techcrunch.com/2026/02/05/openai-launches-new-agentic-coding-model-only-minutes-after-anthropic-drops-its-own/</a:t>
             </a:r>
           </a:p>
           <a:p>
@@ -4959,7 +4959,7 @@
               </a:defRPr>
             </a:pPr>
             <a:r>
-              <a:t>IBM: https://www.ibm.com/think/news/ai-tech-trends-predictions-2026</a:t>
+              <a:t>MIT Technology Review: https://www.technologyreview.com/2026/01/05/1130662/whats-next-for-ai-in-2026/</a:t>
             </a:r>
           </a:p>
           <a:p>
@@ -4975,7 +4975,7 @@
               </a:defRPr>
             </a:pPr>
             <a:r>
-              <a:t>Tech Startups: https://techstartups.com/2026/02/05/top-startup-and-tech-funding-news-february-5-2025/</a:t>
+              <a:t>LLM Stats: https://llm-stats.com/llm-updates</a:t>
             </a:r>
           </a:p>
           <a:p>
@@ -4991,7 +4991,7 @@
               </a:defRPr>
             </a:pPr>
             <a:r>
-              <a:t>MIT Technology Review: https://www.technologyreview.com/2026/01/12/1130027/generative-coding-ai-software-2026-breakthrough-technology</a:t>
+              <a:t>MIT Sloan Management Review: https://sloanreview.mit.edu/article/five-trends-in-ai-and-data-science-for-2026/</a:t>
             </a:r>
           </a:p>
           <a:p>
@@ -5007,7 +5007,7 @@
               </a:defRPr>
             </a:pPr>
             <a:r>
-              <a:t>MIT Technology Review: https://www.technologyreview.com/2026/01/05/1130662/whats-next-for-ai-in-2026/</a:t>
+              <a:t>Tech Startups: https://techstartups.com/2026/02/05/top-startup-and-tech-funding-news-february-5-2025/</a:t>
             </a:r>
           </a:p>
         </p:txBody>

--- a/2026-02-10/report.pptx
+++ b/2026-02-10/report.pptx
@@ -4863,7 +4863,7 @@
               </a:defRPr>
             </a:pPr>
             <a:r>
-              <a:t>IBM: https://www.ibm.com/think/news/ai-tech-trends-predictions-2026</a:t>
+              <a:t>MIT Technology Review: https://www.technologyreview.com/2026/01/12/1130027/generative-coding-ai-software-2026-breakthrough-technology</a:t>
             </a:r>
           </a:p>
           <a:p>
@@ -4879,7 +4879,7 @@
               </a:defRPr>
             </a:pPr>
             <a:r>
-              <a:t>Axios: https://www.axios.com/2026/02/06/amazon-microsoft-meta-ai-investment</a:t>
+              <a:t>LLM Stats: https://llm-stats.com/llm-updates</a:t>
             </a:r>
           </a:p>
           <a:p>
@@ -4895,7 +4895,7 @@
               </a:defRPr>
             </a:pPr>
             <a:r>
-              <a:t>CNN Business: https://www.cnn.com/2026/02/05/tech/anthropic-opus-update-software-stocks</a:t>
+              <a:t>Axios: https://www.axios.com/2026/02/06/amazon-microsoft-meta-ai-investment</a:t>
             </a:r>
           </a:p>
           <a:p>
@@ -4911,7 +4911,7 @@
               </a:defRPr>
             </a:pPr>
             <a:r>
-              <a:t>MIT Technology Review: https://www.technologyreview.com/2026/01/12/1130027/generative-coding-ai-software-2026-breakthrough-technology</a:t>
+              <a:t>National Law Review: https://natlawreview.com/article/2026-outlook-artificial-intelligence</a:t>
             </a:r>
           </a:p>
           <a:p>
@@ -4927,7 +4927,7 @@
               </a:defRPr>
             </a:pPr>
             <a:r>
-              <a:t>National Law Review: https://natlawreview.com/article/2026-outlook-artificial-intelligence</a:t>
+              <a:t>Tech Startups: https://techstartups.com/2026/02/05/top-startup-and-tech-funding-news-february-5-2025/</a:t>
             </a:r>
           </a:p>
           <a:p>
@@ -4943,7 +4943,7 @@
               </a:defRPr>
             </a:pPr>
             <a:r>
-              <a:t>TechCrunch: https://techcrunch.com/2026/02/05/openai-launches-new-agentic-coding-model-only-minutes-after-anthropic-drops-its-own/</a:t>
+              <a:t>MIT Sloan Management Review: https://sloanreview.mit.edu/article/five-trends-in-ai-and-data-science-for-2026/</a:t>
             </a:r>
           </a:p>
           <a:p>
@@ -4959,7 +4959,7 @@
               </a:defRPr>
             </a:pPr>
             <a:r>
-              <a:t>MIT Technology Review: https://www.technologyreview.com/2026/01/05/1130662/whats-next-for-ai-in-2026/</a:t>
+              <a:t>TechCrunch: https://techcrunch.com/2026/02/05/openai-launches-new-agentic-coding-model-only-minutes-after-anthropic-drops-its-own/</a:t>
             </a:r>
           </a:p>
           <a:p>
@@ -4975,7 +4975,7 @@
               </a:defRPr>
             </a:pPr>
             <a:r>
-              <a:t>LLM Stats: https://llm-stats.com/llm-updates</a:t>
+              <a:t>MIT Technology Review: https://www.technologyreview.com/2026/01/05/1130662/whats-next-for-ai-in-2026/</a:t>
             </a:r>
           </a:p>
           <a:p>
@@ -4991,7 +4991,7 @@
               </a:defRPr>
             </a:pPr>
             <a:r>
-              <a:t>MIT Sloan Management Review: https://sloanreview.mit.edu/article/five-trends-in-ai-and-data-science-for-2026/</a:t>
+              <a:t>CNN Business: https://www.cnn.com/2026/02/05/tech/anthropic-opus-update-software-stocks</a:t>
             </a:r>
           </a:p>
           <a:p>
@@ -5007,7 +5007,7 @@
               </a:defRPr>
             </a:pPr>
             <a:r>
-              <a:t>Tech Startups: https://techstartups.com/2026/02/05/top-startup-and-tech-funding-news-february-5-2025/</a:t>
+              <a:t>IBM: https://www.ibm.com/think/news/ai-tech-trends-predictions-2026</a:t>
             </a:r>
           </a:p>
         </p:txBody>

--- a/2026-02-10/report.pptx
+++ b/2026-02-10/report.pptx
@@ -14,6 +14,12 @@
     <p:sldId id="262" r:id="rId13"/>
     <p:sldId id="263" r:id="rId14"/>
     <p:sldId id="264" r:id="rId15"/>
+    <p:sldId id="265" r:id="rId16"/>
+    <p:sldId id="266" r:id="rId17"/>
+    <p:sldId id="267" r:id="rId18"/>
+    <p:sldId id="268" r:id="rId19"/>
+    <p:sldId id="269" r:id="rId20"/>
+    <p:sldId id="270" r:id="rId21"/>
   </p:sldIdLst>
   <p:sldSz cx="12191695" cy="6858000" type="screen4x3"/>
   <p:notesSz cx="6858000" cy="9144000"/>
@@ -3141,14 +3147,57 @@
       </p:sp>
       <p:sp>
         <p:nvSpPr>
-          <p:cNvPr id="3" name="TextBox 2"/>
+          <p:cNvPr id="3" name="Rectangle 2"/>
+          <p:cNvSpPr/>
+          <p:nvPr/>
+        </p:nvSpPr>
+        <p:spPr>
+          <a:xfrm>
+            <a:off x="914400" y="2834640"/>
+            <a:ext cx="10362895" cy="54864"/>
+          </a:xfrm>
+          <a:prstGeom prst="rect">
+            <a:avLst/>
+          </a:prstGeom>
+          <a:solidFill>
+            <a:srgbClr val="FF961C"/>
+          </a:solidFill>
+          <a:ln>
+            <a:noFill/>
+          </a:ln>
+        </p:spPr>
+        <p:style>
+          <a:lnRef idx="1">
+            <a:schemeClr val="accent1"/>
+          </a:lnRef>
+          <a:fillRef idx="3">
+            <a:schemeClr val="accent1"/>
+          </a:fillRef>
+          <a:effectRef idx="2">
+            <a:schemeClr val="accent1"/>
+          </a:effectRef>
+          <a:fontRef idx="minor">
+            <a:schemeClr val="lt1"/>
+          </a:fontRef>
+        </p:style>
+        <p:txBody>
+          <a:bodyPr rtlCol="0" anchor="ctr"/>
+          <a:lstStyle/>
+          <a:p>
+            <a:pPr algn="ctr"/>
+          </a:p>
+        </p:txBody>
+      </p:sp>
+      <p:sp>
+        <p:nvSpPr>
+          <p:cNvPr id="4" name="TextBox 3"/>
           <p:cNvSpPr txBox="1"/>
           <p:nvPr/>
         </p:nvSpPr>
         <p:spPr>
           <a:xfrm>
-            <a:off x="914400" y="1828800"/>
-            <a:ext cx="10058400" cy="1828800"/>
+            <a:off x="914400" y="1371600"/>
+            <a:ext cx="10362895" cy="1371600"/>
           </a:xfrm>
           <a:prstGeom prst="rect">
             <a:avLst/>
@@ -3161,8 +3210,8 @@
           </a:bodyPr>
           <a:lstStyle/>
           <a:p>
-            <a:pPr algn="ctr">
-              <a:defRPr sz="4400" b="1">
+            <a:pPr algn="l">
+              <a:defRPr sz="5200" b="1">
                 <a:solidFill>
                   <a:srgbClr val="FFFFFF"/>
                 </a:solidFill>
@@ -3177,14 +3226,14 @@
       </p:sp>
       <p:sp>
         <p:nvSpPr>
-          <p:cNvPr id="4" name="TextBox 3"/>
+          <p:cNvPr id="5" name="TextBox 4"/>
           <p:cNvSpPr txBox="1"/>
           <p:nvPr/>
         </p:nvSpPr>
         <p:spPr>
           <a:xfrm>
-            <a:off x="914400" y="3657600"/>
-            <a:ext cx="10058400" cy="914400"/>
+            <a:off x="914400" y="3108960"/>
+            <a:ext cx="10362895" cy="914400"/>
           </a:xfrm>
           <a:prstGeom prst="rect">
             <a:avLst/>
@@ -3197,8 +3246,8 @@
           </a:bodyPr>
           <a:lstStyle/>
           <a:p>
-            <a:pPr algn="ctr">
-              <a:defRPr sz="2800" b="0">
+            <a:pPr algn="l">
+              <a:defRPr sz="3600" b="0">
                 <a:solidFill>
                   <a:srgbClr val="FFFFFF"/>
                 </a:solidFill>
@@ -3213,14 +3262,14 @@
       </p:sp>
       <p:sp>
         <p:nvSpPr>
-          <p:cNvPr id="5" name="TextBox 4"/>
+          <p:cNvPr id="6" name="TextBox 5"/>
           <p:cNvSpPr txBox="1"/>
           <p:nvPr/>
         </p:nvSpPr>
         <p:spPr>
           <a:xfrm>
-            <a:off x="914400" y="4572000"/>
-            <a:ext cx="10058400" cy="914400"/>
+            <a:off x="914400" y="4114800"/>
+            <a:ext cx="10362895" cy="731520"/>
           </a:xfrm>
           <a:prstGeom prst="rect">
             <a:avLst/>
@@ -3233,16 +3282,1175 @@
           </a:bodyPr>
           <a:lstStyle/>
           <a:p>
+            <a:pPr algn="l">
+              <a:defRPr sz="2000" b="0">
+                <a:solidFill>
+                  <a:srgbClr val="5BA4D9"/>
+                </a:solidFill>
+                <a:latin typeface="Meiryo"/>
+              </a:defRPr>
+            </a:pPr>
+            <a:r>
+              <a:t>11 件のニュース  |  OpenAI, Anthropic, Microsoft, Other</a:t>
+            </a:r>
+          </a:p>
+        </p:txBody>
+      </p:sp>
+    </p:spTree>
+  </p:cSld>
+  <p:clrMapOvr>
+    <a:masterClrMapping/>
+  </p:clrMapOvr>
+</p:sld>
+</file>
+
+<file path=ppt/slides/slide10.xml><?xml version="1.0" encoding="utf-8"?>
+<p:sld xmlns:a="http://schemas.openxmlformats.org/drawingml/2006/main" xmlns:p="http://schemas.openxmlformats.org/presentationml/2006/main" xmlns:r="http://schemas.openxmlformats.org/officeDocument/2006/relationships">
+  <p:cSld>
+    <p:spTree>
+      <p:nvGrpSpPr>
+        <p:cNvPr id="1" name=""/>
+        <p:cNvGrpSpPr/>
+        <p:nvPr/>
+      </p:nvGrpSpPr>
+      <p:grpSpPr/>
+      <p:sp>
+        <p:nvSpPr>
+          <p:cNvPr id="2" name="Rectangle 1"/>
+          <p:cNvSpPr/>
+          <p:nvPr/>
+        </p:nvSpPr>
+        <p:spPr>
+          <a:xfrm>
+            <a:off x="0" y="0"/>
+            <a:ext cx="12191695" cy="777240"/>
+          </a:xfrm>
+          <a:prstGeom prst="rect">
+            <a:avLst/>
+          </a:prstGeom>
+          <a:solidFill>
+            <a:srgbClr val="005BAB"/>
+          </a:solidFill>
+          <a:ln>
+            <a:noFill/>
+          </a:ln>
+        </p:spPr>
+        <p:style>
+          <a:lnRef idx="1">
+            <a:schemeClr val="accent1"/>
+          </a:lnRef>
+          <a:fillRef idx="3">
+            <a:schemeClr val="accent1"/>
+          </a:fillRef>
+          <a:effectRef idx="2">
+            <a:schemeClr val="accent1"/>
+          </a:effectRef>
+          <a:fontRef idx="minor">
+            <a:schemeClr val="lt1"/>
+          </a:fontRef>
+        </p:style>
+        <p:txBody>
+          <a:bodyPr rtlCol="0" anchor="ctr"/>
+          <a:lstStyle/>
+          <a:p>
+            <a:pPr algn="ctr"/>
+          </a:p>
+        </p:txBody>
+      </p:sp>
+      <p:sp>
+        <p:nvSpPr>
+          <p:cNvPr id="3" name="TextBox 2"/>
+          <p:cNvSpPr txBox="1"/>
+          <p:nvPr/>
+        </p:nvSpPr>
+        <p:spPr>
+          <a:xfrm>
+            <a:off x="548640" y="137160"/>
+            <a:ext cx="11094415" cy="502920"/>
+          </a:xfrm>
+          <a:prstGeom prst="rect">
+            <a:avLst/>
+          </a:prstGeom>
+          <a:noFill/>
+        </p:spPr>
+        <p:txBody>
+          <a:bodyPr wrap="square">
+            <a:spAutoFit/>
+          </a:bodyPr>
+          <a:lstStyle/>
+          <a:p>
+            <a:pPr>
+              <a:defRPr sz="2800" b="1">
+                <a:solidFill>
+                  <a:srgbClr val="FFFFFF"/>
+                </a:solidFill>
+                <a:latin typeface="Meiryo"/>
+              </a:defRPr>
+            </a:pPr>
+            <a:r>
+              <a:t>日本市場動向</a:t>
+            </a:r>
+          </a:p>
+        </p:txBody>
+      </p:sp>
+      <p:sp>
+        <p:nvSpPr>
+          <p:cNvPr id="4" name="TextBox 3"/>
+          <p:cNvSpPr txBox="1"/>
+          <p:nvPr/>
+        </p:nvSpPr>
+        <p:spPr>
+          <a:xfrm>
+            <a:off x="548640" y="6446520"/>
+            <a:ext cx="11094415" cy="320040"/>
+          </a:xfrm>
+          <a:prstGeom prst="rect">
+            <a:avLst/>
+          </a:prstGeom>
+          <a:noFill/>
+        </p:spPr>
+        <p:txBody>
+          <a:bodyPr wrap="none">
+            <a:spAutoFit/>
+          </a:bodyPr>
+          <a:lstStyle/>
+          <a:p>
+            <a:pPr algn="r">
+              <a:defRPr sz="1000">
+                <a:solidFill>
+                  <a:srgbClr val="959595"/>
+                </a:solidFill>
+                <a:latin typeface="Meiryo"/>
+              </a:defRPr>
+            </a:pPr>
+            <a:r>
+              <a:t>AI News Daily Deck  |  2026-02-10  |  Page 9</a:t>
+            </a:r>
+          </a:p>
+        </p:txBody>
+      </p:sp>
+      <p:sp>
+        <p:nvSpPr>
+          <p:cNvPr id="5" name="TextBox 4"/>
+          <p:cNvSpPr txBox="1"/>
+          <p:nvPr/>
+        </p:nvSpPr>
+        <p:spPr>
+          <a:xfrm>
+            <a:off x="548640" y="1051560"/>
+            <a:ext cx="11094415" cy="4937760"/>
+          </a:xfrm>
+          <a:prstGeom prst="rect">
+            <a:avLst/>
+          </a:prstGeom>
+          <a:noFill/>
+        </p:spPr>
+        <p:txBody>
+          <a:bodyPr wrap="square">
+            <a:normAutofit/>
+          </a:bodyPr>
+          <a:lstStyle/>
+          <a:p>
+            <a:pPr algn="l">
+              <a:defRPr sz="1800" b="0">
+                <a:solidFill>
+                  <a:srgbClr val="1A1A2E"/>
+                </a:solidFill>
+                <a:latin typeface="Meiryo"/>
+              </a:defRPr>
+            </a:pPr>
+            <a:r>
+              <a:t>日本企業は2026年2月時点でAI投資と実装で米中に大きく後れを取っている。ビッグテックの7000億ドル投資に対し、日本企業の投資規模は桁違いに小さく、独自AIモデル開発でも存在感を示せていない。特にエージェント型AI、量子コンピューティング、AIコード生成などの最先端領域での遅れが顕著。カリフォルニア州やコロラド州のAI規制法は日本の法整備にも影響を与える可能性があり、グローバル展開する日本企業は複数地域の規制対応が必須に。エッジAI・オンデバイスAI領域では、日本の電機メーカーやモバイルチップメーカーが強みを発揮できる可能性があり、ここが突破口となる。AI人材不足も深刻で、AI科学研究パートナー活用による生産性向上が急務。</a:t>
+            </a:r>
+          </a:p>
+        </p:txBody>
+      </p:sp>
+    </p:spTree>
+  </p:cSld>
+  <p:clrMapOvr>
+    <a:masterClrMapping/>
+  </p:clrMapOvr>
+</p:sld>
+</file>
+
+<file path=ppt/slides/slide11.xml><?xml version="1.0" encoding="utf-8"?>
+<p:sld xmlns:a="http://schemas.openxmlformats.org/drawingml/2006/main" xmlns:p="http://schemas.openxmlformats.org/presentationml/2006/main" xmlns:r="http://schemas.openxmlformats.org/officeDocument/2006/relationships">
+  <p:cSld>
+    <p:spTree>
+      <p:nvGrpSpPr>
+        <p:cNvPr id="1" name=""/>
+        <p:cNvGrpSpPr/>
+        <p:nvPr/>
+      </p:nvGrpSpPr>
+      <p:grpSpPr/>
+      <p:sp>
+        <p:nvSpPr>
+          <p:cNvPr id="2" name="Rectangle 1"/>
+          <p:cNvSpPr/>
+          <p:nvPr/>
+        </p:nvSpPr>
+        <p:spPr>
+          <a:xfrm>
+            <a:off x="0" y="0"/>
+            <a:ext cx="12191695" cy="777240"/>
+          </a:xfrm>
+          <a:prstGeom prst="rect">
+            <a:avLst/>
+          </a:prstGeom>
+          <a:solidFill>
+            <a:srgbClr val="005BAB"/>
+          </a:solidFill>
+          <a:ln>
+            <a:noFill/>
+          </a:ln>
+        </p:spPr>
+        <p:style>
+          <a:lnRef idx="1">
+            <a:schemeClr val="accent1"/>
+          </a:lnRef>
+          <a:fillRef idx="3">
+            <a:schemeClr val="accent1"/>
+          </a:fillRef>
+          <a:effectRef idx="2">
+            <a:schemeClr val="accent1"/>
+          </a:effectRef>
+          <a:fontRef idx="minor">
+            <a:schemeClr val="lt1"/>
+          </a:fontRef>
+        </p:style>
+        <p:txBody>
+          <a:bodyPr rtlCol="0" anchor="ctr"/>
+          <a:lstStyle/>
+          <a:p>
+            <a:pPr algn="ctr"/>
+          </a:p>
+        </p:txBody>
+      </p:sp>
+      <p:sp>
+        <p:nvSpPr>
+          <p:cNvPr id="3" name="TextBox 2"/>
+          <p:cNvSpPr txBox="1"/>
+          <p:nvPr/>
+        </p:nvSpPr>
+        <p:spPr>
+          <a:xfrm>
+            <a:off x="548640" y="137160"/>
+            <a:ext cx="11094415" cy="502920"/>
+          </a:xfrm>
+          <a:prstGeom prst="rect">
+            <a:avLst/>
+          </a:prstGeom>
+          <a:noFill/>
+        </p:spPr>
+        <p:txBody>
+          <a:bodyPr wrap="square">
+            <a:spAutoFit/>
+          </a:bodyPr>
+          <a:lstStyle/>
+          <a:p>
+            <a:pPr>
+              <a:defRPr sz="2800" b="1">
+                <a:solidFill>
+                  <a:srgbClr val="FFFFFF"/>
+                </a:solidFill>
+                <a:latin typeface="Meiryo"/>
+              </a:defRPr>
+            </a:pPr>
+            <a:r>
+              <a:t>企業別ニュース件数</a:t>
+            </a:r>
+          </a:p>
+        </p:txBody>
+      </p:sp>
+      <p:sp>
+        <p:nvSpPr>
+          <p:cNvPr id="4" name="TextBox 3"/>
+          <p:cNvSpPr txBox="1"/>
+          <p:nvPr/>
+        </p:nvSpPr>
+        <p:spPr>
+          <a:xfrm>
+            <a:off x="548640" y="6446520"/>
+            <a:ext cx="11094415" cy="320040"/>
+          </a:xfrm>
+          <a:prstGeom prst="rect">
+            <a:avLst/>
+          </a:prstGeom>
+          <a:noFill/>
+        </p:spPr>
+        <p:txBody>
+          <a:bodyPr wrap="none">
+            <a:spAutoFit/>
+          </a:bodyPr>
+          <a:lstStyle/>
+          <a:p>
+            <a:pPr algn="r">
+              <a:defRPr sz="1000">
+                <a:solidFill>
+                  <a:srgbClr val="959595"/>
+                </a:solidFill>
+                <a:latin typeface="Meiryo"/>
+              </a:defRPr>
+            </a:pPr>
+            <a:r>
+              <a:t>AI News Daily Deck  |  2026-02-10  |  Page 10</a:t>
+            </a:r>
+          </a:p>
+        </p:txBody>
+      </p:sp>
+      <p:pic>
+        <p:nvPicPr>
+          <p:cNvPr id="5" name="Picture 4" descr="company_bar.png"/>
+          <p:cNvPicPr>
+            <a:picLocks noChangeAspect="1"/>
+          </p:cNvPicPr>
+          <p:nvPr/>
+        </p:nvPicPr>
+        <p:blipFill>
+          <a:blip r:embed="rId2"/>
+          <a:stretch>
+            <a:fillRect/>
+          </a:stretch>
+        </p:blipFill>
+        <p:spPr>
+          <a:xfrm>
+            <a:off x="1295247" y="1097280"/>
+            <a:ext cx="9601200" cy="4846320"/>
+          </a:xfrm>
+          <a:prstGeom prst="rect">
+            <a:avLst/>
+          </a:prstGeom>
+        </p:spPr>
+      </p:pic>
+    </p:spTree>
+  </p:cSld>
+  <p:clrMapOvr>
+    <a:masterClrMapping/>
+  </p:clrMapOvr>
+</p:sld>
+</file>
+
+<file path=ppt/slides/slide12.xml><?xml version="1.0" encoding="utf-8"?>
+<p:sld xmlns:a="http://schemas.openxmlformats.org/drawingml/2006/main" xmlns:p="http://schemas.openxmlformats.org/presentationml/2006/main" xmlns:r="http://schemas.openxmlformats.org/officeDocument/2006/relationships">
+  <p:cSld>
+    <p:spTree>
+      <p:nvGrpSpPr>
+        <p:cNvPr id="1" name=""/>
+        <p:cNvGrpSpPr/>
+        <p:nvPr/>
+      </p:nvGrpSpPr>
+      <p:grpSpPr/>
+      <p:sp>
+        <p:nvSpPr>
+          <p:cNvPr id="2" name="Rectangle 1"/>
+          <p:cNvSpPr/>
+          <p:nvPr/>
+        </p:nvSpPr>
+        <p:spPr>
+          <a:xfrm>
+            <a:off x="0" y="0"/>
+            <a:ext cx="12191695" cy="777240"/>
+          </a:xfrm>
+          <a:prstGeom prst="rect">
+            <a:avLst/>
+          </a:prstGeom>
+          <a:solidFill>
+            <a:srgbClr val="005BAB"/>
+          </a:solidFill>
+          <a:ln>
+            <a:noFill/>
+          </a:ln>
+        </p:spPr>
+        <p:style>
+          <a:lnRef idx="1">
+            <a:schemeClr val="accent1"/>
+          </a:lnRef>
+          <a:fillRef idx="3">
+            <a:schemeClr val="accent1"/>
+          </a:fillRef>
+          <a:effectRef idx="2">
+            <a:schemeClr val="accent1"/>
+          </a:effectRef>
+          <a:fontRef idx="minor">
+            <a:schemeClr val="lt1"/>
+          </a:fontRef>
+        </p:style>
+        <p:txBody>
+          <a:bodyPr rtlCol="0" anchor="ctr"/>
+          <a:lstStyle/>
+          <a:p>
+            <a:pPr algn="ctr"/>
+          </a:p>
+        </p:txBody>
+      </p:sp>
+      <p:sp>
+        <p:nvSpPr>
+          <p:cNvPr id="3" name="TextBox 2"/>
+          <p:cNvSpPr txBox="1"/>
+          <p:nvPr/>
+        </p:nvSpPr>
+        <p:spPr>
+          <a:xfrm>
+            <a:off x="548640" y="137160"/>
+            <a:ext cx="11094415" cy="502920"/>
+          </a:xfrm>
+          <a:prstGeom prst="rect">
+            <a:avLst/>
+          </a:prstGeom>
+          <a:noFill/>
+        </p:spPr>
+        <p:txBody>
+          <a:bodyPr wrap="square">
+            <a:spAutoFit/>
+          </a:bodyPr>
+          <a:lstStyle/>
+          <a:p>
+            <a:pPr>
+              <a:defRPr sz="2800" b="1">
+                <a:solidFill>
+                  <a:srgbClr val="FFFFFF"/>
+                </a:solidFill>
+                <a:latin typeface="Meiryo"/>
+              </a:defRPr>
+            </a:pPr>
+            <a:r>
+              <a:t>分野別ニューストレンド</a:t>
+            </a:r>
+          </a:p>
+        </p:txBody>
+      </p:sp>
+      <p:sp>
+        <p:nvSpPr>
+          <p:cNvPr id="4" name="TextBox 3"/>
+          <p:cNvSpPr txBox="1"/>
+          <p:nvPr/>
+        </p:nvSpPr>
+        <p:spPr>
+          <a:xfrm>
+            <a:off x="548640" y="6446520"/>
+            <a:ext cx="11094415" cy="320040"/>
+          </a:xfrm>
+          <a:prstGeom prst="rect">
+            <a:avLst/>
+          </a:prstGeom>
+          <a:noFill/>
+        </p:spPr>
+        <p:txBody>
+          <a:bodyPr wrap="none">
+            <a:spAutoFit/>
+          </a:bodyPr>
+          <a:lstStyle/>
+          <a:p>
+            <a:pPr algn="r">
+              <a:defRPr sz="1000">
+                <a:solidFill>
+                  <a:srgbClr val="959595"/>
+                </a:solidFill>
+                <a:latin typeface="Meiryo"/>
+              </a:defRPr>
+            </a:pPr>
+            <a:r>
+              <a:t>AI News Daily Deck  |  2026-02-10  |  Page 11</a:t>
+            </a:r>
+          </a:p>
+        </p:txBody>
+      </p:sp>
+      <p:pic>
+        <p:nvPicPr>
+          <p:cNvPr id="5" name="Picture 4" descr="category_radar.png"/>
+          <p:cNvPicPr>
+            <a:picLocks noChangeAspect="1"/>
+          </p:cNvPicPr>
+          <p:nvPr/>
+        </p:nvPicPr>
+        <p:blipFill>
+          <a:blip r:embed="rId2"/>
+          <a:stretch>
+            <a:fillRect/>
+          </a:stretch>
+        </p:blipFill>
+        <p:spPr>
+          <a:xfrm>
+            <a:off x="1295247" y="1097280"/>
+            <a:ext cx="9601200" cy="4846320"/>
+          </a:xfrm>
+          <a:prstGeom prst="rect">
+            <a:avLst/>
+          </a:prstGeom>
+        </p:spPr>
+      </p:pic>
+    </p:spTree>
+  </p:cSld>
+  <p:clrMapOvr>
+    <a:masterClrMapping/>
+  </p:clrMapOvr>
+</p:sld>
+</file>
+
+<file path=ppt/slides/slide13.xml><?xml version="1.0" encoding="utf-8"?>
+<p:sld xmlns:a="http://schemas.openxmlformats.org/drawingml/2006/main" xmlns:p="http://schemas.openxmlformats.org/presentationml/2006/main" xmlns:r="http://schemas.openxmlformats.org/officeDocument/2006/relationships">
+  <p:cSld>
+    <p:spTree>
+      <p:nvGrpSpPr>
+        <p:cNvPr id="1" name=""/>
+        <p:cNvGrpSpPr/>
+        <p:nvPr/>
+      </p:nvGrpSpPr>
+      <p:grpSpPr/>
+      <p:sp>
+        <p:nvSpPr>
+          <p:cNvPr id="2" name="Rectangle 1"/>
+          <p:cNvSpPr/>
+          <p:nvPr/>
+        </p:nvSpPr>
+        <p:spPr>
+          <a:xfrm>
+            <a:off x="0" y="0"/>
+            <a:ext cx="12191695" cy="777240"/>
+          </a:xfrm>
+          <a:prstGeom prst="rect">
+            <a:avLst/>
+          </a:prstGeom>
+          <a:solidFill>
+            <a:srgbClr val="005BAB"/>
+          </a:solidFill>
+          <a:ln>
+            <a:noFill/>
+          </a:ln>
+        </p:spPr>
+        <p:style>
+          <a:lnRef idx="1">
+            <a:schemeClr val="accent1"/>
+          </a:lnRef>
+          <a:fillRef idx="3">
+            <a:schemeClr val="accent1"/>
+          </a:fillRef>
+          <a:effectRef idx="2">
+            <a:schemeClr val="accent1"/>
+          </a:effectRef>
+          <a:fontRef idx="minor">
+            <a:schemeClr val="lt1"/>
+          </a:fontRef>
+        </p:style>
+        <p:txBody>
+          <a:bodyPr rtlCol="0" anchor="ctr"/>
+          <a:lstStyle/>
+          <a:p>
+            <a:pPr algn="ctr"/>
+          </a:p>
+        </p:txBody>
+      </p:sp>
+      <p:sp>
+        <p:nvSpPr>
+          <p:cNvPr id="3" name="TextBox 2"/>
+          <p:cNvSpPr txBox="1"/>
+          <p:nvPr/>
+        </p:nvSpPr>
+        <p:spPr>
+          <a:xfrm>
+            <a:off x="548640" y="137160"/>
+            <a:ext cx="11094415" cy="502920"/>
+          </a:xfrm>
+          <a:prstGeom prst="rect">
+            <a:avLst/>
+          </a:prstGeom>
+          <a:noFill/>
+        </p:spPr>
+        <p:txBody>
+          <a:bodyPr wrap="square">
+            <a:spAutoFit/>
+          </a:bodyPr>
+          <a:lstStyle/>
+          <a:p>
+            <a:pPr>
+              <a:defRPr sz="2800" b="1">
+                <a:solidFill>
+                  <a:srgbClr val="FFFFFF"/>
+                </a:solidFill>
+                <a:latin typeface="Meiryo"/>
+              </a:defRPr>
+            </a:pPr>
+            <a:r>
+              <a:t>キーワード分布</a:t>
+            </a:r>
+          </a:p>
+        </p:txBody>
+      </p:sp>
+      <p:sp>
+        <p:nvSpPr>
+          <p:cNvPr id="4" name="TextBox 3"/>
+          <p:cNvSpPr txBox="1"/>
+          <p:nvPr/>
+        </p:nvSpPr>
+        <p:spPr>
+          <a:xfrm>
+            <a:off x="548640" y="6446520"/>
+            <a:ext cx="11094415" cy="320040"/>
+          </a:xfrm>
+          <a:prstGeom prst="rect">
+            <a:avLst/>
+          </a:prstGeom>
+          <a:noFill/>
+        </p:spPr>
+        <p:txBody>
+          <a:bodyPr wrap="none">
+            <a:spAutoFit/>
+          </a:bodyPr>
+          <a:lstStyle/>
+          <a:p>
+            <a:pPr algn="r">
+              <a:defRPr sz="1000">
+                <a:solidFill>
+                  <a:srgbClr val="959595"/>
+                </a:solidFill>
+                <a:latin typeface="Meiryo"/>
+              </a:defRPr>
+            </a:pPr>
+            <a:r>
+              <a:t>AI News Daily Deck  |  2026-02-10  |  Page 12</a:t>
+            </a:r>
+          </a:p>
+        </p:txBody>
+      </p:sp>
+      <p:pic>
+        <p:nvPicPr>
+          <p:cNvPr id="5" name="Picture 4" descr="wordcloud.png"/>
+          <p:cNvPicPr>
+            <a:picLocks noChangeAspect="1"/>
+          </p:cNvPicPr>
+          <p:nvPr/>
+        </p:nvPicPr>
+        <p:blipFill>
+          <a:blip r:embed="rId2"/>
+          <a:stretch>
+            <a:fillRect/>
+          </a:stretch>
+        </p:blipFill>
+        <p:spPr>
+          <a:xfrm>
+            <a:off x="1295247" y="1097280"/>
+            <a:ext cx="9601200" cy="4846320"/>
+          </a:xfrm>
+          <a:prstGeom prst="rect">
+            <a:avLst/>
+          </a:prstGeom>
+        </p:spPr>
+      </p:pic>
+    </p:spTree>
+  </p:cSld>
+  <p:clrMapOvr>
+    <a:masterClrMapping/>
+  </p:clrMapOvr>
+</p:sld>
+</file>
+
+<file path=ppt/slides/slide14.xml><?xml version="1.0" encoding="utf-8"?>
+<p:sld xmlns:a="http://schemas.openxmlformats.org/drawingml/2006/main" xmlns:p="http://schemas.openxmlformats.org/presentationml/2006/main" xmlns:r="http://schemas.openxmlformats.org/officeDocument/2006/relationships">
+  <p:cSld>
+    <p:spTree>
+      <p:nvGrpSpPr>
+        <p:cNvPr id="1" name=""/>
+        <p:cNvGrpSpPr/>
+        <p:nvPr/>
+      </p:nvGrpSpPr>
+      <p:grpSpPr/>
+      <p:sp>
+        <p:nvSpPr>
+          <p:cNvPr id="2" name="Rectangle 1"/>
+          <p:cNvSpPr/>
+          <p:nvPr/>
+        </p:nvSpPr>
+        <p:spPr>
+          <a:xfrm>
+            <a:off x="0" y="0"/>
+            <a:ext cx="12191695" cy="777240"/>
+          </a:xfrm>
+          <a:prstGeom prst="rect">
+            <a:avLst/>
+          </a:prstGeom>
+          <a:solidFill>
+            <a:srgbClr val="005BAB"/>
+          </a:solidFill>
+          <a:ln>
+            <a:noFill/>
+          </a:ln>
+        </p:spPr>
+        <p:style>
+          <a:lnRef idx="1">
+            <a:schemeClr val="accent1"/>
+          </a:lnRef>
+          <a:fillRef idx="3">
+            <a:schemeClr val="accent1"/>
+          </a:fillRef>
+          <a:effectRef idx="2">
+            <a:schemeClr val="accent1"/>
+          </a:effectRef>
+          <a:fontRef idx="minor">
+            <a:schemeClr val="lt1"/>
+          </a:fontRef>
+        </p:style>
+        <p:txBody>
+          <a:bodyPr rtlCol="0" anchor="ctr"/>
+          <a:lstStyle/>
+          <a:p>
+            <a:pPr algn="ctr"/>
+          </a:p>
+        </p:txBody>
+      </p:sp>
+      <p:sp>
+        <p:nvSpPr>
+          <p:cNvPr id="3" name="TextBox 2"/>
+          <p:cNvSpPr txBox="1"/>
+          <p:nvPr/>
+        </p:nvSpPr>
+        <p:spPr>
+          <a:xfrm>
+            <a:off x="548640" y="137160"/>
+            <a:ext cx="11094415" cy="502920"/>
+          </a:xfrm>
+          <a:prstGeom prst="rect">
+            <a:avLst/>
+          </a:prstGeom>
+          <a:noFill/>
+        </p:spPr>
+        <p:txBody>
+          <a:bodyPr wrap="square">
+            <a:spAutoFit/>
+          </a:bodyPr>
+          <a:lstStyle/>
+          <a:p>
+            <a:pPr>
+              <a:defRPr sz="2800" b="1">
+                <a:solidFill>
+                  <a:srgbClr val="FFFFFF"/>
+                </a:solidFill>
+                <a:latin typeface="Meiryo"/>
+              </a:defRPr>
+            </a:pPr>
+            <a:r>
+              <a:t>ニュース重要度</a:t>
+            </a:r>
+          </a:p>
+        </p:txBody>
+      </p:sp>
+      <p:sp>
+        <p:nvSpPr>
+          <p:cNvPr id="4" name="TextBox 3"/>
+          <p:cNvSpPr txBox="1"/>
+          <p:nvPr/>
+        </p:nvSpPr>
+        <p:spPr>
+          <a:xfrm>
+            <a:off x="548640" y="6446520"/>
+            <a:ext cx="11094415" cy="320040"/>
+          </a:xfrm>
+          <a:prstGeom prst="rect">
+            <a:avLst/>
+          </a:prstGeom>
+          <a:noFill/>
+        </p:spPr>
+        <p:txBody>
+          <a:bodyPr wrap="none">
+            <a:spAutoFit/>
+          </a:bodyPr>
+          <a:lstStyle/>
+          <a:p>
+            <a:pPr algn="r">
+              <a:defRPr sz="1000">
+                <a:solidFill>
+                  <a:srgbClr val="959595"/>
+                </a:solidFill>
+                <a:latin typeface="Meiryo"/>
+              </a:defRPr>
+            </a:pPr>
+            <a:r>
+              <a:t>AI News Daily Deck  |  2026-02-10  |  Page 13</a:t>
+            </a:r>
+          </a:p>
+        </p:txBody>
+      </p:sp>
+      <p:pic>
+        <p:nvPicPr>
+          <p:cNvPr id="5" name="Picture 4" descr="importance_timeline.png"/>
+          <p:cNvPicPr>
+            <a:picLocks noChangeAspect="1"/>
+          </p:cNvPicPr>
+          <p:nvPr/>
+        </p:nvPicPr>
+        <p:blipFill>
+          <a:blip r:embed="rId2"/>
+          <a:stretch>
+            <a:fillRect/>
+          </a:stretch>
+        </p:blipFill>
+        <p:spPr>
+          <a:xfrm>
+            <a:off x="1295247" y="1097280"/>
+            <a:ext cx="9601200" cy="4846320"/>
+          </a:xfrm>
+          <a:prstGeom prst="rect">
+            <a:avLst/>
+          </a:prstGeom>
+        </p:spPr>
+      </p:pic>
+    </p:spTree>
+  </p:cSld>
+  <p:clrMapOvr>
+    <a:masterClrMapping/>
+  </p:clrMapOvr>
+</p:sld>
+</file>
+
+<file path=ppt/slides/slide15.xml><?xml version="1.0" encoding="utf-8"?>
+<p:sld xmlns:a="http://schemas.openxmlformats.org/drawingml/2006/main" xmlns:p="http://schemas.openxmlformats.org/presentationml/2006/main" xmlns:r="http://schemas.openxmlformats.org/officeDocument/2006/relationships">
+  <p:cSld>
+    <p:spTree>
+      <p:nvGrpSpPr>
+        <p:cNvPr id="1" name=""/>
+        <p:cNvGrpSpPr/>
+        <p:nvPr/>
+      </p:nvGrpSpPr>
+      <p:grpSpPr/>
+      <p:sp>
+        <p:nvSpPr>
+          <p:cNvPr id="2" name="Rectangle 1"/>
+          <p:cNvSpPr/>
+          <p:nvPr/>
+        </p:nvSpPr>
+        <p:spPr>
+          <a:xfrm>
+            <a:off x="0" y="0"/>
+            <a:ext cx="12191695" cy="777240"/>
+          </a:xfrm>
+          <a:prstGeom prst="rect">
+            <a:avLst/>
+          </a:prstGeom>
+          <a:solidFill>
+            <a:srgbClr val="005BAB"/>
+          </a:solidFill>
+          <a:ln>
+            <a:noFill/>
+          </a:ln>
+        </p:spPr>
+        <p:style>
+          <a:lnRef idx="1">
+            <a:schemeClr val="accent1"/>
+          </a:lnRef>
+          <a:fillRef idx="3">
+            <a:schemeClr val="accent1"/>
+          </a:fillRef>
+          <a:effectRef idx="2">
+            <a:schemeClr val="accent1"/>
+          </a:effectRef>
+          <a:fontRef idx="minor">
+            <a:schemeClr val="lt1"/>
+          </a:fontRef>
+        </p:style>
+        <p:txBody>
+          <a:bodyPr rtlCol="0" anchor="ctr"/>
+          <a:lstStyle/>
+          <a:p>
+            <a:pPr algn="ctr"/>
+          </a:p>
+        </p:txBody>
+      </p:sp>
+      <p:sp>
+        <p:nvSpPr>
+          <p:cNvPr id="3" name="TextBox 2"/>
+          <p:cNvSpPr txBox="1"/>
+          <p:nvPr/>
+        </p:nvSpPr>
+        <p:spPr>
+          <a:xfrm>
+            <a:off x="548640" y="137160"/>
+            <a:ext cx="11094415" cy="502920"/>
+          </a:xfrm>
+          <a:prstGeom prst="rect">
+            <a:avLst/>
+          </a:prstGeom>
+          <a:noFill/>
+        </p:spPr>
+        <p:txBody>
+          <a:bodyPr wrap="square">
+            <a:spAutoFit/>
+          </a:bodyPr>
+          <a:lstStyle/>
+          <a:p>
+            <a:pPr>
+              <a:defRPr sz="2800" b="1">
+                <a:solidFill>
+                  <a:srgbClr val="FFFFFF"/>
+                </a:solidFill>
+                <a:latin typeface="Meiryo"/>
+              </a:defRPr>
+            </a:pPr>
+            <a:r>
+              <a:t>Sources (引用元一覧)</a:t>
+            </a:r>
+          </a:p>
+        </p:txBody>
+      </p:sp>
+      <p:sp>
+        <p:nvSpPr>
+          <p:cNvPr id="4" name="TextBox 3"/>
+          <p:cNvSpPr txBox="1"/>
+          <p:nvPr/>
+        </p:nvSpPr>
+        <p:spPr>
+          <a:xfrm>
+            <a:off x="548640" y="6446520"/>
+            <a:ext cx="11094415" cy="320040"/>
+          </a:xfrm>
+          <a:prstGeom prst="rect">
+            <a:avLst/>
+          </a:prstGeom>
+          <a:noFill/>
+        </p:spPr>
+        <p:txBody>
+          <a:bodyPr wrap="none">
+            <a:spAutoFit/>
+          </a:bodyPr>
+          <a:lstStyle/>
+          <a:p>
+            <a:pPr algn="r">
+              <a:defRPr sz="1000">
+                <a:solidFill>
+                  <a:srgbClr val="959595"/>
+                </a:solidFill>
+                <a:latin typeface="Meiryo"/>
+              </a:defRPr>
+            </a:pPr>
+            <a:r>
+              <a:t>AI News Daily Deck  |  2026-02-10  |  Page 14</a:t>
+            </a:r>
+          </a:p>
+        </p:txBody>
+      </p:sp>
+      <p:sp>
+        <p:nvSpPr>
+          <p:cNvPr id="5" name="TextBox 4"/>
+          <p:cNvSpPr txBox="1"/>
+          <p:nvPr/>
+        </p:nvSpPr>
+        <p:spPr>
+          <a:xfrm>
+            <a:off x="548640" y="1051560"/>
+            <a:ext cx="11094415" cy="4937760"/>
+          </a:xfrm>
+          <a:prstGeom prst="rect">
+            <a:avLst/>
+          </a:prstGeom>
+          <a:noFill/>
+        </p:spPr>
+        <p:txBody>
+          <a:bodyPr wrap="square">
+            <a:normAutofit/>
+          </a:bodyPr>
+          <a:lstStyle/>
+          <a:p>
+            <a:pPr algn="l">
+              <a:defRPr sz="1300" b="0">
+                <a:solidFill>
+                  <a:srgbClr val="6C757D"/>
+                </a:solidFill>
+                <a:latin typeface="Meiryo"/>
+              </a:defRPr>
+            </a:pPr>
+          </a:p>
+          <a:p>
+            <a:pPr>
+              <a:spcBef>
+                <a:spcPts val="400"/>
+              </a:spcBef>
+              <a:defRPr sz="1300" b="0">
+                <a:solidFill>
+                  <a:srgbClr val="6C757D"/>
+                </a:solidFill>
+                <a:latin typeface="Meiryo"/>
+              </a:defRPr>
+            </a:pPr>
+            <a:r>
+              <a:t>Tech Startups: https://techstartups.com/2026/02/05/top-startup-and-tech-funding-news-february-5-2025/</a:t>
+            </a:r>
+          </a:p>
+          <a:p>
+            <a:pPr>
+              <a:spcBef>
+                <a:spcPts val="400"/>
+              </a:spcBef>
+              <a:defRPr sz="1300" b="0">
+                <a:solidFill>
+                  <a:srgbClr val="6C757D"/>
+                </a:solidFill>
+                <a:latin typeface="Meiryo"/>
+              </a:defRPr>
+            </a:pPr>
+            <a:r>
+              <a:t>MIT Technology Review: https://www.technologyreview.com/2026/01/12/1130027/generative-coding-ai-software-2026-breakthrough-technology</a:t>
+            </a:r>
+          </a:p>
+          <a:p>
+            <a:pPr>
+              <a:spcBef>
+                <a:spcPts val="400"/>
+              </a:spcBef>
+              <a:defRPr sz="1300" b="0">
+                <a:solidFill>
+                  <a:srgbClr val="6C757D"/>
+                </a:solidFill>
+                <a:latin typeface="Meiryo"/>
+              </a:defRPr>
+            </a:pPr>
+            <a:r>
+              <a:t>IBM: https://www.ibm.com/think/news/ai-tech-trends-predictions-2026</a:t>
+            </a:r>
+          </a:p>
+          <a:p>
+            <a:pPr>
+              <a:spcBef>
+                <a:spcPts val="400"/>
+              </a:spcBef>
+              <a:defRPr sz="1300" b="0">
+                <a:solidFill>
+                  <a:srgbClr val="6C757D"/>
+                </a:solidFill>
+                <a:latin typeface="Meiryo"/>
+              </a:defRPr>
+            </a:pPr>
+            <a:r>
+              <a:t>TechCrunch: https://techcrunch.com/2026/02/05/openai-launches-new-agentic-coding-model-only-minutes-after-anthropic-drops-its-own/</a:t>
+            </a:r>
+          </a:p>
+          <a:p>
+            <a:pPr>
+              <a:spcBef>
+                <a:spcPts val="400"/>
+              </a:spcBef>
+              <a:defRPr sz="1300" b="0">
+                <a:solidFill>
+                  <a:srgbClr val="6C757D"/>
+                </a:solidFill>
+                <a:latin typeface="Meiryo"/>
+              </a:defRPr>
+            </a:pPr>
+            <a:r>
+              <a:t>LLM Stats: https://llm-stats.com/llm-updates</a:t>
+            </a:r>
+          </a:p>
+          <a:p>
+            <a:pPr>
+              <a:spcBef>
+                <a:spcPts val="400"/>
+              </a:spcBef>
+              <a:defRPr sz="1300" b="0">
+                <a:solidFill>
+                  <a:srgbClr val="6C757D"/>
+                </a:solidFill>
+                <a:latin typeface="Meiryo"/>
+              </a:defRPr>
+            </a:pPr>
+            <a:r>
+              <a:t>National Law Review: https://natlawreview.com/article/2026-outlook-artificial-intelligence</a:t>
+            </a:r>
+          </a:p>
+          <a:p>
+            <a:pPr>
+              <a:spcBef>
+                <a:spcPts val="400"/>
+              </a:spcBef>
+              <a:defRPr sz="1300" b="0">
+                <a:solidFill>
+                  <a:srgbClr val="6C757D"/>
+                </a:solidFill>
+                <a:latin typeface="Meiryo"/>
+              </a:defRPr>
+            </a:pPr>
+            <a:r>
+              <a:t>Axios: https://www.axios.com/2026/02/06/amazon-microsoft-meta-ai-investment</a:t>
+            </a:r>
+          </a:p>
+          <a:p>
+            <a:pPr>
+              <a:spcBef>
+                <a:spcPts val="400"/>
+              </a:spcBef>
+              <a:defRPr sz="1300" b="0">
+                <a:solidFill>
+                  <a:srgbClr val="6C757D"/>
+                </a:solidFill>
+                <a:latin typeface="Meiryo"/>
+              </a:defRPr>
+            </a:pPr>
+            <a:r>
+              <a:t>MIT Sloan Management Review: https://sloanreview.mit.edu/article/five-trends-in-ai-and-data-science-for-2026/</a:t>
+            </a:r>
+          </a:p>
+          <a:p>
+            <a:pPr>
+              <a:spcBef>
+                <a:spcPts val="400"/>
+              </a:spcBef>
+              <a:defRPr sz="1300" b="0">
+                <a:solidFill>
+                  <a:srgbClr val="6C757D"/>
+                </a:solidFill>
+                <a:latin typeface="Meiryo"/>
+              </a:defRPr>
+            </a:pPr>
+            <a:r>
+              <a:t>CNN Business: https://www.cnn.com/2026/02/05/tech/anthropic-opus-update-software-stocks</a:t>
+            </a:r>
+          </a:p>
+          <a:p>
+            <a:pPr>
+              <a:spcBef>
+                <a:spcPts val="400"/>
+              </a:spcBef>
+              <a:defRPr sz="1300" b="0">
+                <a:solidFill>
+                  <a:srgbClr val="6C757D"/>
+                </a:solidFill>
+                <a:latin typeface="Meiryo"/>
+              </a:defRPr>
+            </a:pPr>
+            <a:r>
+              <a:t>MIT Technology Review: https://www.technologyreview.com/2026/01/05/1130662/whats-next-for-ai-in-2026/</a:t>
+            </a:r>
+          </a:p>
+        </p:txBody>
+      </p:sp>
+      <p:sp>
+        <p:nvSpPr>
+          <p:cNvPr id="6" name="TextBox 5"/>
+          <p:cNvSpPr txBox="1"/>
+          <p:nvPr/>
+        </p:nvSpPr>
+        <p:spPr>
+          <a:xfrm>
+            <a:off x="914400" y="6035040"/>
+            <a:ext cx="10362895" cy="320040"/>
+          </a:xfrm>
+          <a:prstGeom prst="rect">
+            <a:avLst/>
+          </a:prstGeom>
+          <a:noFill/>
+        </p:spPr>
+        <p:txBody>
+          <a:bodyPr wrap="square">
+            <a:spAutoFit/>
+          </a:bodyPr>
+          <a:lstStyle/>
+          <a:p>
             <a:pPr algn="ctr">
-              <a:defRPr sz="1600" b="0">
-                <a:solidFill>
-                  <a:srgbClr val="FFFFFF"/>
+              <a:defRPr sz="1000" b="0">
+                <a:solidFill>
+                  <a:srgbClr val="959595"/>
                 </a:solidFill>
                 <a:latin typeface="Meiryo"/>
               </a:defRPr>
             </a:pPr>
             <a:r>
-              <a:t>ニュース 11件 | 対象: OpenAI, Anthropic, Google, Microsoft, Meta</a:t>
+              <a:t>AI News Daily Deck - Generated by Claude Code | 情報の正確性は各ソースをご確認ください</a:t>
             </a:r>
           </a:p>
         </p:txBody>
@@ -3274,7 +4482,167 @@
         <p:spPr>
           <a:xfrm>
             <a:off x="0" y="0"/>
-            <a:ext cx="12191695" cy="914400"/>
+            <a:ext cx="12191695" cy="777240"/>
+          </a:xfrm>
+          <a:prstGeom prst="rect">
+            <a:avLst/>
+          </a:prstGeom>
+          <a:solidFill>
+            <a:srgbClr val="003D73"/>
+          </a:solidFill>
+          <a:ln>
+            <a:noFill/>
+          </a:ln>
+        </p:spPr>
+        <p:style>
+          <a:lnRef idx="1">
+            <a:schemeClr val="accent1"/>
+          </a:lnRef>
+          <a:fillRef idx="3">
+            <a:schemeClr val="accent1"/>
+          </a:fillRef>
+          <a:effectRef idx="2">
+            <a:schemeClr val="accent1"/>
+          </a:effectRef>
+          <a:fontRef idx="minor">
+            <a:schemeClr val="lt1"/>
+          </a:fontRef>
+        </p:style>
+        <p:txBody>
+          <a:bodyPr rtlCol="0" anchor="ctr"/>
+          <a:lstStyle/>
+          <a:p>
+            <a:pPr algn="ctr"/>
+          </a:p>
+        </p:txBody>
+      </p:sp>
+      <p:sp>
+        <p:nvSpPr>
+          <p:cNvPr id="3" name="TextBox 2"/>
+          <p:cNvSpPr txBox="1"/>
+          <p:nvPr/>
+        </p:nvSpPr>
+        <p:spPr>
+          <a:xfrm>
+            <a:off x="548640" y="137160"/>
+            <a:ext cx="11094415" cy="502920"/>
+          </a:xfrm>
+          <a:prstGeom prst="rect">
+            <a:avLst/>
+          </a:prstGeom>
+          <a:noFill/>
+        </p:spPr>
+        <p:txBody>
+          <a:bodyPr wrap="square">
+            <a:spAutoFit/>
+          </a:bodyPr>
+          <a:lstStyle/>
+          <a:p>
+            <a:pPr>
+              <a:defRPr sz="2800" b="1">
+                <a:solidFill>
+                  <a:srgbClr val="FFFFFF"/>
+                </a:solidFill>
+                <a:latin typeface="Meiryo"/>
+              </a:defRPr>
+            </a:pPr>
+            <a:r>
+              <a:t>Executive Summary</a:t>
+            </a:r>
+          </a:p>
+        </p:txBody>
+      </p:sp>
+      <p:sp>
+        <p:nvSpPr>
+          <p:cNvPr id="4" name="TextBox 3"/>
+          <p:cNvSpPr txBox="1"/>
+          <p:nvPr/>
+        </p:nvSpPr>
+        <p:spPr>
+          <a:xfrm>
+            <a:off x="548640" y="6446520"/>
+            <a:ext cx="11094415" cy="320040"/>
+          </a:xfrm>
+          <a:prstGeom prst="rect">
+            <a:avLst/>
+          </a:prstGeom>
+          <a:noFill/>
+        </p:spPr>
+        <p:txBody>
+          <a:bodyPr wrap="none">
+            <a:spAutoFit/>
+          </a:bodyPr>
+          <a:lstStyle/>
+          <a:p>
+            <a:pPr algn="r">
+              <a:defRPr sz="1000">
+                <a:solidFill>
+                  <a:srgbClr val="959595"/>
+                </a:solidFill>
+                <a:latin typeface="Meiryo"/>
+              </a:defRPr>
+            </a:pPr>
+            <a:r>
+              <a:t>AI News Daily Deck  |  2026-02-10  |  Page 1</a:t>
+            </a:r>
+          </a:p>
+        </p:txBody>
+      </p:sp>
+      <p:sp>
+        <p:nvSpPr>
+          <p:cNvPr id="5" name="Rectangle 4"/>
+          <p:cNvSpPr/>
+          <p:nvPr/>
+        </p:nvSpPr>
+        <p:spPr>
+          <a:xfrm>
+            <a:off x="640080" y="1051560"/>
+            <a:ext cx="2468880" cy="1280160"/>
+          </a:xfrm>
+          <a:prstGeom prst="rect">
+            <a:avLst/>
+          </a:prstGeom>
+          <a:solidFill>
+            <a:srgbClr val="F8F9FA"/>
+          </a:solidFill>
+          <a:ln w="6350">
+            <a:solidFill>
+              <a:srgbClr val="E0E0E0"/>
+            </a:solidFill>
+          </a:ln>
+        </p:spPr>
+        <p:style>
+          <a:lnRef idx="1">
+            <a:schemeClr val="accent1"/>
+          </a:lnRef>
+          <a:fillRef idx="3">
+            <a:schemeClr val="accent1"/>
+          </a:fillRef>
+          <a:effectRef idx="2">
+            <a:schemeClr val="accent1"/>
+          </a:effectRef>
+          <a:fontRef idx="minor">
+            <a:schemeClr val="lt1"/>
+          </a:fontRef>
+        </p:style>
+        <p:txBody>
+          <a:bodyPr rtlCol="0" anchor="ctr"/>
+          <a:lstStyle/>
+          <a:p>
+            <a:pPr algn="ctr"/>
+          </a:p>
+        </p:txBody>
+      </p:sp>
+      <p:sp>
+        <p:nvSpPr>
+          <p:cNvPr id="6" name="Rectangle 5"/>
+          <p:cNvSpPr/>
+          <p:nvPr/>
+        </p:nvSpPr>
+        <p:spPr>
+          <a:xfrm>
+            <a:off x="640080" y="1051560"/>
+            <a:ext cx="2468880" cy="45720"/>
           </a:xfrm>
           <a:prstGeom prst="rect">
             <a:avLst/>
@@ -3310,14 +4678,14 @@
       </p:sp>
       <p:sp>
         <p:nvSpPr>
-          <p:cNvPr id="3" name="TextBox 2"/>
+          <p:cNvPr id="7" name="TextBox 6"/>
           <p:cNvSpPr txBox="1"/>
           <p:nvPr/>
         </p:nvSpPr>
         <p:spPr>
           <a:xfrm>
-            <a:off x="457200" y="137160"/>
-            <a:ext cx="10972800" cy="640080"/>
+            <a:off x="822960" y="1188720"/>
+            <a:ext cx="2103120" cy="320040"/>
           </a:xfrm>
           <a:prstGeom prst="rect">
             <a:avLst/>
@@ -3331,29 +4699,29 @@
           <a:lstStyle/>
           <a:p>
             <a:pPr algn="l">
-              <a:defRPr sz="2800" b="1">
-                <a:solidFill>
-                  <a:srgbClr val="FFFFFF"/>
+              <a:defRPr sz="1200" b="0">
+                <a:solidFill>
+                  <a:srgbClr val="6C757D"/>
                 </a:solidFill>
                 <a:latin typeface="Meiryo"/>
               </a:defRPr>
             </a:pPr>
             <a:r>
-              <a:t>TODAY'S HIGHLIGHT</a:t>
-            </a:r>
-          </a:p>
-        </p:txBody>
-      </p:sp>
-      <p:sp>
-        <p:nvSpPr>
-          <p:cNvPr id="4" name="TextBox 3"/>
+              <a:t>Total</a:t>
+            </a:r>
+          </a:p>
+        </p:txBody>
+      </p:sp>
+      <p:sp>
+        <p:nvSpPr>
+          <p:cNvPr id="8" name="TextBox 7"/>
           <p:cNvSpPr txBox="1"/>
           <p:nvPr/>
         </p:nvSpPr>
         <p:spPr>
           <a:xfrm>
-            <a:off x="640080" y="1188720"/>
-            <a:ext cx="10515600" cy="1097280"/>
+            <a:off x="822960" y="1463040"/>
+            <a:ext cx="2103120" cy="640080"/>
           </a:xfrm>
           <a:prstGeom prst="rect">
             <a:avLst/>
@@ -3366,30 +4734,125 @@
           </a:bodyPr>
           <a:lstStyle/>
           <a:p>
-            <a:pPr algn="l">
-              <a:defRPr sz="2600" b="1">
-                <a:solidFill>
-                  <a:srgbClr val="1A1A2E"/>
-                </a:solidFill>
-                <a:latin typeface="Meiryo"/>
-              </a:defRPr>
-            </a:pPr>
-            <a:r>
-              <a:t>Anthropic Claude Opus 4.6リリース、ソフトウェア業界に衝撃</a:t>
-            </a:r>
-          </a:p>
-        </p:txBody>
-      </p:sp>
-      <p:sp>
-        <p:nvSpPr>
-          <p:cNvPr id="5" name="TextBox 4"/>
+            <a:r>
+              <a:rPr sz="3200" b="1">
+                <a:solidFill>
+                  <a:srgbClr val="005BAB"/>
+                </a:solidFill>
+                <a:latin typeface="Meiryo"/>
+              </a:rPr>
+              <a:t>11</a:t>
+            </a:r>
+            <a:r>
+              <a:rPr sz="1600">
+                <a:solidFill>
+                  <a:srgbClr val="6C757D"/>
+                </a:solidFill>
+                <a:latin typeface="Meiryo"/>
+              </a:rPr>
+              <a:t> 件</a:t>
+            </a:r>
+          </a:p>
+        </p:txBody>
+      </p:sp>
+      <p:sp>
+        <p:nvSpPr>
+          <p:cNvPr id="9" name="Rectangle 8"/>
+          <p:cNvSpPr/>
+          <p:nvPr/>
+        </p:nvSpPr>
+        <p:spPr>
+          <a:xfrm>
+            <a:off x="3383280" y="1051560"/>
+            <a:ext cx="2468880" cy="1280160"/>
+          </a:xfrm>
+          <a:prstGeom prst="rect">
+            <a:avLst/>
+          </a:prstGeom>
+          <a:solidFill>
+            <a:srgbClr val="F8F9FA"/>
+          </a:solidFill>
+          <a:ln w="6350">
+            <a:solidFill>
+              <a:srgbClr val="E0E0E0"/>
+            </a:solidFill>
+          </a:ln>
+        </p:spPr>
+        <p:style>
+          <a:lnRef idx="1">
+            <a:schemeClr val="accent1"/>
+          </a:lnRef>
+          <a:fillRef idx="3">
+            <a:schemeClr val="accent1"/>
+          </a:fillRef>
+          <a:effectRef idx="2">
+            <a:schemeClr val="accent1"/>
+          </a:effectRef>
+          <a:fontRef idx="minor">
+            <a:schemeClr val="lt1"/>
+          </a:fontRef>
+        </p:style>
+        <p:txBody>
+          <a:bodyPr rtlCol="0" anchor="ctr"/>
+          <a:lstStyle/>
+          <a:p>
+            <a:pPr algn="ctr"/>
+          </a:p>
+        </p:txBody>
+      </p:sp>
+      <p:sp>
+        <p:nvSpPr>
+          <p:cNvPr id="10" name="Rectangle 9"/>
+          <p:cNvSpPr/>
+          <p:nvPr/>
+        </p:nvSpPr>
+        <p:spPr>
+          <a:xfrm>
+            <a:off x="3383280" y="1051560"/>
+            <a:ext cx="2468880" cy="45720"/>
+          </a:xfrm>
+          <a:prstGeom prst="rect">
+            <a:avLst/>
+          </a:prstGeom>
+          <a:solidFill>
+            <a:srgbClr val="FF961C"/>
+          </a:solidFill>
+          <a:ln>
+            <a:noFill/>
+          </a:ln>
+        </p:spPr>
+        <p:style>
+          <a:lnRef idx="1">
+            <a:schemeClr val="accent1"/>
+          </a:lnRef>
+          <a:fillRef idx="3">
+            <a:schemeClr val="accent1"/>
+          </a:fillRef>
+          <a:effectRef idx="2">
+            <a:schemeClr val="accent1"/>
+          </a:effectRef>
+          <a:fontRef idx="minor">
+            <a:schemeClr val="lt1"/>
+          </a:fontRef>
+        </p:style>
+        <p:txBody>
+          <a:bodyPr rtlCol="0" anchor="ctr"/>
+          <a:lstStyle/>
+          <a:p>
+            <a:pPr algn="ctr"/>
+          </a:p>
+        </p:txBody>
+      </p:sp>
+      <p:sp>
+        <p:nvSpPr>
+          <p:cNvPr id="11" name="TextBox 10"/>
           <p:cNvSpPr txBox="1"/>
           <p:nvPr/>
         </p:nvSpPr>
         <p:spPr>
           <a:xfrm>
-            <a:off x="640080" y="2286000"/>
-            <a:ext cx="10515600" cy="457200"/>
+            <a:off x="3566160" y="1188720"/>
+            <a:ext cx="2103120" cy="320040"/>
           </a:xfrm>
           <a:prstGeom prst="rect">
             <a:avLst/>
@@ -3403,29 +4866,29 @@
           <a:lstStyle/>
           <a:p>
             <a:pPr algn="l">
-              <a:defRPr sz="1400" b="0">
-                <a:solidFill>
-                  <a:srgbClr val="4A4A6A"/>
+              <a:defRPr sz="1200" b="0">
+                <a:solidFill>
+                  <a:srgbClr val="6C757D"/>
                 </a:solidFill>
                 <a:latin typeface="Meiryo"/>
               </a:defRPr>
             </a:pPr>
             <a:r>
-              <a:t>Anthropic  |  LLM  |  ★★★★★</a:t>
-            </a:r>
-          </a:p>
-        </p:txBody>
-      </p:sp>
-      <p:sp>
-        <p:nvSpPr>
-          <p:cNvPr id="6" name="TextBox 5"/>
+              <a:t>Top Company</a:t>
+            </a:r>
+          </a:p>
+        </p:txBody>
+      </p:sp>
+      <p:sp>
+        <p:nvSpPr>
+          <p:cNvPr id="12" name="TextBox 11"/>
           <p:cNvSpPr txBox="1"/>
           <p:nvPr/>
         </p:nvSpPr>
         <p:spPr>
           <a:xfrm>
-            <a:off x="640080" y="2926080"/>
-            <a:ext cx="10515600" cy="3200400"/>
+            <a:off x="3566160" y="1463040"/>
+            <a:ext cx="2103120" cy="640080"/>
           </a:xfrm>
           <a:prstGeom prst="rect">
             <a:avLst/>
@@ -3438,30 +4901,125 @@
           </a:bodyPr>
           <a:lstStyle/>
           <a:p>
-            <a:pPr algn="l">
-              <a:defRPr sz="1800" b="0">
-                <a:solidFill>
-                  <a:srgbClr val="1A1A2E"/>
-                </a:solidFill>
-                <a:latin typeface="Meiryo"/>
-              </a:defRPr>
-            </a:pPr>
-            <a:r>
-              <a:t>2月5日、Anthropic社がClaude Opus 4.6をリリース。OpenAI GPT-5.2を上回るベンチマーク性能を達成し、法務・財務・営業分野向けCoworkプラグインを発表。専門ソフトウェア株が急落し、業界に大きな影響を与えた。PowerPoint統合機能も研究プレビューとして提供開始。</a:t>
-            </a:r>
-          </a:p>
-        </p:txBody>
-      </p:sp>
-      <p:sp>
-        <p:nvSpPr>
-          <p:cNvPr id="7" name="TextBox 6"/>
+            <a:r>
+              <a:rPr sz="3200" b="1">
+                <a:solidFill>
+                  <a:srgbClr val="005BAB"/>
+                </a:solidFill>
+                <a:latin typeface="Meiryo"/>
+              </a:rPr>
+              <a:t>Other</a:t>
+            </a:r>
+            <a:r>
+              <a:rPr sz="1600">
+                <a:solidFill>
+                  <a:srgbClr val="6C757D"/>
+                </a:solidFill>
+                <a:latin typeface="Meiryo"/>
+              </a:rPr>
+              <a:t> 6件</a:t>
+            </a:r>
+          </a:p>
+        </p:txBody>
+      </p:sp>
+      <p:sp>
+        <p:nvSpPr>
+          <p:cNvPr id="13" name="Rectangle 12"/>
+          <p:cNvSpPr/>
+          <p:nvPr/>
+        </p:nvSpPr>
+        <p:spPr>
+          <a:xfrm>
+            <a:off x="6126480" y="1051560"/>
+            <a:ext cx="2468880" cy="1280160"/>
+          </a:xfrm>
+          <a:prstGeom prst="rect">
+            <a:avLst/>
+          </a:prstGeom>
+          <a:solidFill>
+            <a:srgbClr val="F8F9FA"/>
+          </a:solidFill>
+          <a:ln w="6350">
+            <a:solidFill>
+              <a:srgbClr val="E0E0E0"/>
+            </a:solidFill>
+          </a:ln>
+        </p:spPr>
+        <p:style>
+          <a:lnRef idx="1">
+            <a:schemeClr val="accent1"/>
+          </a:lnRef>
+          <a:fillRef idx="3">
+            <a:schemeClr val="accent1"/>
+          </a:fillRef>
+          <a:effectRef idx="2">
+            <a:schemeClr val="accent1"/>
+          </a:effectRef>
+          <a:fontRef idx="minor">
+            <a:schemeClr val="lt1"/>
+          </a:fontRef>
+        </p:style>
+        <p:txBody>
+          <a:bodyPr rtlCol="0" anchor="ctr"/>
+          <a:lstStyle/>
+          <a:p>
+            <a:pPr algn="ctr"/>
+          </a:p>
+        </p:txBody>
+      </p:sp>
+      <p:sp>
+        <p:nvSpPr>
+          <p:cNvPr id="14" name="Rectangle 13"/>
+          <p:cNvSpPr/>
+          <p:nvPr/>
+        </p:nvSpPr>
+        <p:spPr>
+          <a:xfrm>
+            <a:off x="6126480" y="1051560"/>
+            <a:ext cx="2468880" cy="45720"/>
+          </a:xfrm>
+          <a:prstGeom prst="rect">
+            <a:avLst/>
+          </a:prstGeom>
+          <a:solidFill>
+            <a:srgbClr val="FF961C"/>
+          </a:solidFill>
+          <a:ln>
+            <a:noFill/>
+          </a:ln>
+        </p:spPr>
+        <p:style>
+          <a:lnRef idx="1">
+            <a:schemeClr val="accent1"/>
+          </a:lnRef>
+          <a:fillRef idx="3">
+            <a:schemeClr val="accent1"/>
+          </a:fillRef>
+          <a:effectRef idx="2">
+            <a:schemeClr val="accent1"/>
+          </a:effectRef>
+          <a:fontRef idx="minor">
+            <a:schemeClr val="lt1"/>
+          </a:fontRef>
+        </p:style>
+        <p:txBody>
+          <a:bodyPr rtlCol="0" anchor="ctr"/>
+          <a:lstStyle/>
+          <a:p>
+            <a:pPr algn="ctr"/>
+          </a:p>
+        </p:txBody>
+      </p:sp>
+      <p:sp>
+        <p:nvSpPr>
+          <p:cNvPr id="15" name="TextBox 14"/>
           <p:cNvSpPr txBox="1"/>
           <p:nvPr/>
         </p:nvSpPr>
         <p:spPr>
           <a:xfrm>
-            <a:off x="640080" y="6217920"/>
-            <a:ext cx="10515600" cy="457200"/>
+            <a:off x="6309360" y="1188720"/>
+            <a:ext cx="2103120" cy="320040"/>
           </a:xfrm>
           <a:prstGeom prst="rect">
             <a:avLst/>
@@ -3475,15 +5033,261 @@
           <a:lstStyle/>
           <a:p>
             <a:pPr algn="l">
-              <a:defRPr sz="1100" b="0">
-                <a:solidFill>
-                  <a:srgbClr val="4A4A6A"/>
+              <a:defRPr sz="1200" b="0">
+                <a:solidFill>
+                  <a:srgbClr val="6C757D"/>
                 </a:solidFill>
                 <a:latin typeface="Meiryo"/>
               </a:defRPr>
             </a:pPr>
             <a:r>
-              <a:t>Source: CNN Business - https://www.cnn.com/2026/02/05/tech/anthropic-opus-update-software-stocks</a:t>
+              <a:t>High Impact</a:t>
+            </a:r>
+          </a:p>
+        </p:txBody>
+      </p:sp>
+      <p:sp>
+        <p:nvSpPr>
+          <p:cNvPr id="16" name="TextBox 15"/>
+          <p:cNvSpPr txBox="1"/>
+          <p:nvPr/>
+        </p:nvSpPr>
+        <p:spPr>
+          <a:xfrm>
+            <a:off x="6309360" y="1463040"/>
+            <a:ext cx="2103120" cy="640080"/>
+          </a:xfrm>
+          <a:prstGeom prst="rect">
+            <a:avLst/>
+          </a:prstGeom>
+          <a:noFill/>
+        </p:spPr>
+        <p:txBody>
+          <a:bodyPr wrap="square">
+            <a:spAutoFit/>
+          </a:bodyPr>
+          <a:lstStyle/>
+          <a:p>
+            <a:r>
+              <a:rPr sz="3200" b="1">
+                <a:solidFill>
+                  <a:srgbClr val="005BAB"/>
+                </a:solidFill>
+                <a:latin typeface="Meiryo"/>
+              </a:rPr>
+              <a:t>11</a:t>
+            </a:r>
+            <a:r>
+              <a:rPr sz="1600">
+                <a:solidFill>
+                  <a:srgbClr val="6C757D"/>
+                </a:solidFill>
+                <a:latin typeface="Meiryo"/>
+              </a:rPr>
+              <a:t> 件</a:t>
+            </a:r>
+          </a:p>
+        </p:txBody>
+      </p:sp>
+      <p:sp>
+        <p:nvSpPr>
+          <p:cNvPr id="17" name="Rectangle 16"/>
+          <p:cNvSpPr/>
+          <p:nvPr/>
+        </p:nvSpPr>
+        <p:spPr>
+          <a:xfrm>
+            <a:off x="8869680" y="1051560"/>
+            <a:ext cx="2468880" cy="1280160"/>
+          </a:xfrm>
+          <a:prstGeom prst="rect">
+            <a:avLst/>
+          </a:prstGeom>
+          <a:solidFill>
+            <a:srgbClr val="F8F9FA"/>
+          </a:solidFill>
+          <a:ln w="6350">
+            <a:solidFill>
+              <a:srgbClr val="E0E0E0"/>
+            </a:solidFill>
+          </a:ln>
+        </p:spPr>
+        <p:style>
+          <a:lnRef idx="1">
+            <a:schemeClr val="accent1"/>
+          </a:lnRef>
+          <a:fillRef idx="3">
+            <a:schemeClr val="accent1"/>
+          </a:fillRef>
+          <a:effectRef idx="2">
+            <a:schemeClr val="accent1"/>
+          </a:effectRef>
+          <a:fontRef idx="minor">
+            <a:schemeClr val="lt1"/>
+          </a:fontRef>
+        </p:style>
+        <p:txBody>
+          <a:bodyPr rtlCol="0" anchor="ctr"/>
+          <a:lstStyle/>
+          <a:p>
+            <a:pPr algn="ctr"/>
+          </a:p>
+        </p:txBody>
+      </p:sp>
+      <p:sp>
+        <p:nvSpPr>
+          <p:cNvPr id="18" name="Rectangle 17"/>
+          <p:cNvSpPr/>
+          <p:nvPr/>
+        </p:nvSpPr>
+        <p:spPr>
+          <a:xfrm>
+            <a:off x="8869680" y="1051560"/>
+            <a:ext cx="2468880" cy="45720"/>
+          </a:xfrm>
+          <a:prstGeom prst="rect">
+            <a:avLst/>
+          </a:prstGeom>
+          <a:solidFill>
+            <a:srgbClr val="FF961C"/>
+          </a:solidFill>
+          <a:ln>
+            <a:noFill/>
+          </a:ln>
+        </p:spPr>
+        <p:style>
+          <a:lnRef idx="1">
+            <a:schemeClr val="accent1"/>
+          </a:lnRef>
+          <a:fillRef idx="3">
+            <a:schemeClr val="accent1"/>
+          </a:fillRef>
+          <a:effectRef idx="2">
+            <a:schemeClr val="accent1"/>
+          </a:effectRef>
+          <a:fontRef idx="minor">
+            <a:schemeClr val="lt1"/>
+          </a:fontRef>
+        </p:style>
+        <p:txBody>
+          <a:bodyPr rtlCol="0" anchor="ctr"/>
+          <a:lstStyle/>
+          <a:p>
+            <a:pPr algn="ctr"/>
+          </a:p>
+        </p:txBody>
+      </p:sp>
+      <p:sp>
+        <p:nvSpPr>
+          <p:cNvPr id="19" name="TextBox 18"/>
+          <p:cNvSpPr txBox="1"/>
+          <p:nvPr/>
+        </p:nvSpPr>
+        <p:spPr>
+          <a:xfrm>
+            <a:off x="9052560" y="1188720"/>
+            <a:ext cx="2103120" cy="320040"/>
+          </a:xfrm>
+          <a:prstGeom prst="rect">
+            <a:avLst/>
+          </a:prstGeom>
+          <a:noFill/>
+        </p:spPr>
+        <p:txBody>
+          <a:bodyPr wrap="square">
+            <a:spAutoFit/>
+          </a:bodyPr>
+          <a:lstStyle/>
+          <a:p>
+            <a:pPr algn="l">
+              <a:defRPr sz="1200" b="0">
+                <a:solidFill>
+                  <a:srgbClr val="6C757D"/>
+                </a:solidFill>
+                <a:latin typeface="Meiryo"/>
+              </a:defRPr>
+            </a:pPr>
+            <a:r>
+              <a:t>Companies</a:t>
+            </a:r>
+          </a:p>
+        </p:txBody>
+      </p:sp>
+      <p:sp>
+        <p:nvSpPr>
+          <p:cNvPr id="20" name="TextBox 19"/>
+          <p:cNvSpPr txBox="1"/>
+          <p:nvPr/>
+        </p:nvSpPr>
+        <p:spPr>
+          <a:xfrm>
+            <a:off x="9052560" y="1463040"/>
+            <a:ext cx="2103120" cy="640080"/>
+          </a:xfrm>
+          <a:prstGeom prst="rect">
+            <a:avLst/>
+          </a:prstGeom>
+          <a:noFill/>
+        </p:spPr>
+        <p:txBody>
+          <a:bodyPr wrap="square">
+            <a:spAutoFit/>
+          </a:bodyPr>
+          <a:lstStyle/>
+          <a:p>
+            <a:r>
+              <a:rPr sz="3200" b="1">
+                <a:solidFill>
+                  <a:srgbClr val="005BAB"/>
+                </a:solidFill>
+                <a:latin typeface="Meiryo"/>
+              </a:rPr>
+              <a:t>4</a:t>
+            </a:r>
+            <a:r>
+              <a:rPr sz="1600">
+                <a:solidFill>
+                  <a:srgbClr val="6C757D"/>
+                </a:solidFill>
+                <a:latin typeface="Meiryo"/>
+              </a:rPr>
+              <a:t> 社</a:t>
+            </a:r>
+          </a:p>
+        </p:txBody>
+      </p:sp>
+      <p:sp>
+        <p:nvSpPr>
+          <p:cNvPr id="21" name="TextBox 20"/>
+          <p:cNvSpPr txBox="1"/>
+          <p:nvPr/>
+        </p:nvSpPr>
+        <p:spPr>
+          <a:xfrm>
+            <a:off x="548640" y="2697480"/>
+            <a:ext cx="11094415" cy="3200400"/>
+          </a:xfrm>
+          <a:prstGeom prst="rect">
+            <a:avLst/>
+          </a:prstGeom>
+          <a:noFill/>
+        </p:spPr>
+        <p:txBody>
+          <a:bodyPr wrap="square">
+            <a:normAutofit/>
+          </a:bodyPr>
+          <a:lstStyle/>
+          <a:p>
+            <a:pPr algn="l">
+              <a:defRPr sz="1800" b="0">
+                <a:solidFill>
+                  <a:srgbClr val="1A1A2E"/>
+                </a:solidFill>
+                <a:latin typeface="Meiryo"/>
+              </a:defRPr>
+            </a:pPr>
+            <a:r>
+              <a:t>2026年2月、AIモデル競争が激化し、Anthropic Claude Opus 4.6とOpenAI Codexが同日リリース。ビッグテック4社のAI投資総額は7000億ドルに到達、Metaが投資効果を実証する一方Microsoftは株価10%急落。AI規制ではコロラド州が施行を6月に延期し、カリフォルニア州では複数のAI法が施行開始。</a:t>
             </a:r>
           </a:p>
         </p:txBody>
@@ -3515,13 +5319,13 @@
         <p:spPr>
           <a:xfrm>
             <a:off x="0" y="0"/>
-            <a:ext cx="12191695" cy="822960"/>
+            <a:ext cx="12191695" cy="777240"/>
           </a:xfrm>
           <a:prstGeom prst="rect">
             <a:avLst/>
           </a:prstGeom>
           <a:solidFill>
-            <a:srgbClr val="10A37F"/>
+            <a:srgbClr val="FF961C"/>
           </a:solidFill>
           <a:ln>
             <a:noFill/>
@@ -3557,8 +5361,8 @@
         </p:nvSpPr>
         <p:spPr>
           <a:xfrm>
-            <a:off x="457200" y="91440"/>
-            <a:ext cx="10972800" cy="640080"/>
+            <a:off x="548640" y="137160"/>
+            <a:ext cx="11094415" cy="502920"/>
           </a:xfrm>
           <a:prstGeom prst="rect">
             <a:avLst/>
@@ -3571,8 +5375,8 @@
           </a:bodyPr>
           <a:lstStyle/>
           <a:p>
-            <a:pPr algn="l">
-              <a:defRPr sz="2600" b="1">
+            <a:pPr>
+              <a:defRPr sz="2800" b="1">
                 <a:solidFill>
                   <a:srgbClr val="FFFFFF"/>
                 </a:solidFill>
@@ -3580,7 +5384,7 @@
               </a:defRPr>
             </a:pPr>
             <a:r>
-              <a:t>OpenAI  (1件)</a:t>
+              <a:t>TODAY'S HIGHLIGHT</a:t>
             </a:r>
           </a:p>
         </p:txBody>
@@ -3593,8 +5397,44 @@
         </p:nvSpPr>
         <p:spPr>
           <a:xfrm>
-            <a:off x="640080" y="1097280"/>
-            <a:ext cx="10515600" cy="1005840"/>
+            <a:off x="548640" y="6446520"/>
+            <a:ext cx="11094415" cy="320040"/>
+          </a:xfrm>
+          <a:prstGeom prst="rect">
+            <a:avLst/>
+          </a:prstGeom>
+          <a:noFill/>
+        </p:spPr>
+        <p:txBody>
+          <a:bodyPr wrap="none">
+            <a:spAutoFit/>
+          </a:bodyPr>
+          <a:lstStyle/>
+          <a:p>
+            <a:pPr algn="r">
+              <a:defRPr sz="1000">
+                <a:solidFill>
+                  <a:srgbClr val="959595"/>
+                </a:solidFill>
+                <a:latin typeface="Meiryo"/>
+              </a:defRPr>
+            </a:pPr>
+            <a:r>
+              <a:t>AI News Daily Deck  |  2026-02-10  |  Page 2</a:t>
+            </a:r>
+          </a:p>
+        </p:txBody>
+      </p:sp>
+      <p:sp>
+        <p:nvSpPr>
+          <p:cNvPr id="5" name="TextBox 4"/>
+          <p:cNvSpPr txBox="1"/>
+          <p:nvPr/>
+        </p:nvSpPr>
+        <p:spPr>
+          <a:xfrm>
+            <a:off x="548640" y="1097280"/>
+            <a:ext cx="11094415" cy="914400"/>
           </a:xfrm>
           <a:prstGeom prst="rect">
             <a:avLst/>
@@ -3608,7 +5448,7 @@
           <a:lstStyle/>
           <a:p>
             <a:pPr algn="l">
-              <a:defRPr sz="1600" b="1">
+              <a:defRPr sz="2800" b="1">
                 <a:solidFill>
                   <a:srgbClr val="1A1A2E"/>
                 </a:solidFill>
@@ -3616,23 +5456,115 @@
               </a:defRPr>
             </a:pPr>
             <a:r>
-              <a:t>★★★★☆  OpenAI、Anthropicの15分後にCodexとGPT-5.3を発表</a:t>
-            </a:r>
-          </a:p>
-          <a:p>
-            <a:pPr>
-              <a:spcBef>
-                <a:spcPts val="600"/>
-              </a:spcBef>
-              <a:defRPr sz="1300" b="0">
-                <a:solidFill>
-                  <a:srgbClr val="4A4A6A"/>
+              <a:t>Anthropic Claude Opus 4.6リリース、ソフトウェア業界に衝撃</a:t>
+            </a:r>
+          </a:p>
+        </p:txBody>
+      </p:sp>
+      <p:sp>
+        <p:nvSpPr>
+          <p:cNvPr id="6" name="TextBox 5"/>
+          <p:cNvSpPr txBox="1"/>
+          <p:nvPr/>
+        </p:nvSpPr>
+        <p:spPr>
+          <a:xfrm>
+            <a:off x="548640" y="2011680"/>
+            <a:ext cx="11094415" cy="411480"/>
+          </a:xfrm>
+          <a:prstGeom prst="rect">
+            <a:avLst/>
+          </a:prstGeom>
+          <a:noFill/>
+        </p:spPr>
+        <p:txBody>
+          <a:bodyPr wrap="square">
+            <a:spAutoFit/>
+          </a:bodyPr>
+          <a:lstStyle/>
+          <a:p>
+            <a:pPr algn="l">
+              <a:defRPr sz="1600" b="0">
+                <a:solidFill>
+                  <a:srgbClr val="6C757D"/>
                 </a:solidFill>
                 <a:latin typeface="Meiryo"/>
               </a:defRPr>
             </a:pPr>
             <a:r>
-              <a:t>2月5日、OpenAIがエージェント型コーディングツールCodexとGPT-5.3 Codexモデルを発表。Anthropicのリリースのわずか15分後の発表となり、両社の激しい競争が浮き彫りに。Codexは今週初めにリリースされたツールの...</a:t>
+              <a:t>Anthropic    |    LLM    |    ★★★★★</a:t>
+            </a:r>
+          </a:p>
+        </p:txBody>
+      </p:sp>
+      <p:sp>
+        <p:nvSpPr>
+          <p:cNvPr id="7" name="TextBox 6"/>
+          <p:cNvSpPr txBox="1"/>
+          <p:nvPr/>
+        </p:nvSpPr>
+        <p:spPr>
+          <a:xfrm>
+            <a:off x="548640" y="2651760"/>
+            <a:ext cx="11094415" cy="3200400"/>
+          </a:xfrm>
+          <a:prstGeom prst="rect">
+            <a:avLst/>
+          </a:prstGeom>
+          <a:noFill/>
+        </p:spPr>
+        <p:txBody>
+          <a:bodyPr wrap="square">
+            <a:normAutofit/>
+          </a:bodyPr>
+          <a:lstStyle/>
+          <a:p>
+            <a:pPr algn="l">
+              <a:defRPr sz="2000" b="0">
+                <a:solidFill>
+                  <a:srgbClr val="1A1A2E"/>
+                </a:solidFill>
+                <a:latin typeface="Meiryo"/>
+              </a:defRPr>
+            </a:pPr>
+            <a:r>
+              <a:t>2月5日、Anthropic社がClaude Opus 4.6をリリース。OpenAI GPT-5.2を上回るベンチマーク性能を達成し、法務・財務・営業分野向けCoworkプラグインを発表。専門ソフトウェア株が急落し、業界に大きな影響を与えた。PowerPoint統合機能も研究プレビューとして提供開始。</a:t>
+            </a:r>
+          </a:p>
+        </p:txBody>
+      </p:sp>
+      <p:sp>
+        <p:nvSpPr>
+          <p:cNvPr id="8" name="TextBox 7"/>
+          <p:cNvSpPr txBox="1"/>
+          <p:nvPr/>
+        </p:nvSpPr>
+        <p:spPr>
+          <a:xfrm>
+            <a:off x="548640" y="5943600"/>
+            <a:ext cx="11094415" cy="365760"/>
+          </a:xfrm>
+          <a:prstGeom prst="rect">
+            <a:avLst/>
+          </a:prstGeom>
+          <a:noFill/>
+        </p:spPr>
+        <p:txBody>
+          <a:bodyPr wrap="square">
+            <a:spAutoFit/>
+          </a:bodyPr>
+          <a:lstStyle/>
+          <a:p>
+            <a:pPr algn="l">
+              <a:defRPr sz="1100" b="0">
+                <a:solidFill>
+                  <a:srgbClr val="959595"/>
+                </a:solidFill>
+                <a:latin typeface="Meiryo"/>
+              </a:defRPr>
+            </a:pPr>
+            <a:r>
+              <a:t>Source: CNN Business - https://www.cnn.com/2026/02/05/tech/anthropic-opus-update-software-stocks</a:t>
             </a:r>
           </a:p>
         </p:txBody>
@@ -3664,13 +5596,13 @@
         <p:spPr>
           <a:xfrm>
             <a:off x="0" y="0"/>
-            <a:ext cx="12191695" cy="822960"/>
+            <a:ext cx="12191695" cy="777240"/>
           </a:xfrm>
           <a:prstGeom prst="rect">
             <a:avLst/>
           </a:prstGeom>
           <a:solidFill>
-            <a:srgbClr val="D4A574"/>
+            <a:srgbClr val="10A37F"/>
           </a:solidFill>
           <a:ln>
             <a:noFill/>
@@ -3706,8 +5638,8 @@
         </p:nvSpPr>
         <p:spPr>
           <a:xfrm>
-            <a:off x="457200" y="91440"/>
-            <a:ext cx="10972800" cy="640080"/>
+            <a:off x="548640" y="137160"/>
+            <a:ext cx="11094415" cy="502920"/>
           </a:xfrm>
           <a:prstGeom prst="rect">
             <a:avLst/>
@@ -3720,8 +5652,8 @@
           </a:bodyPr>
           <a:lstStyle/>
           <a:p>
-            <a:pPr algn="l">
-              <a:defRPr sz="2600" b="1">
+            <a:pPr>
+              <a:defRPr sz="2800" b="1">
                 <a:solidFill>
                   <a:srgbClr val="FFFFFF"/>
                 </a:solidFill>
@@ -3729,7 +5661,7 @@
               </a:defRPr>
             </a:pPr>
             <a:r>
-              <a:t>Anthropic  (2件)</a:t>
+              <a:t>OpenAI  (1件)</a:t>
             </a:r>
           </a:p>
         </p:txBody>
@@ -3742,8 +5674,132 @@
         </p:nvSpPr>
         <p:spPr>
           <a:xfrm>
-            <a:off x="640080" y="1097280"/>
-            <a:ext cx="10515600" cy="1005840"/>
+            <a:off x="548640" y="6446520"/>
+            <a:ext cx="11094415" cy="320040"/>
+          </a:xfrm>
+          <a:prstGeom prst="rect">
+            <a:avLst/>
+          </a:prstGeom>
+          <a:noFill/>
+        </p:spPr>
+        <p:txBody>
+          <a:bodyPr wrap="none">
+            <a:spAutoFit/>
+          </a:bodyPr>
+          <a:lstStyle/>
+          <a:p>
+            <a:pPr algn="r">
+              <a:defRPr sz="1000">
+                <a:solidFill>
+                  <a:srgbClr val="959595"/>
+                </a:solidFill>
+                <a:latin typeface="Meiryo"/>
+              </a:defRPr>
+            </a:pPr>
+            <a:r>
+              <a:t>AI News Daily Deck  |  2026-02-10  |  Page 3</a:t>
+            </a:r>
+          </a:p>
+        </p:txBody>
+      </p:sp>
+      <p:sp>
+        <p:nvSpPr>
+          <p:cNvPr id="5" name="Rectangle 4"/>
+          <p:cNvSpPr/>
+          <p:nvPr/>
+        </p:nvSpPr>
+        <p:spPr>
+          <a:xfrm>
+            <a:off x="548640" y="1051560"/>
+            <a:ext cx="11094415" cy="4114800"/>
+          </a:xfrm>
+          <a:prstGeom prst="rect">
+            <a:avLst/>
+          </a:prstGeom>
+          <a:solidFill>
+            <a:srgbClr val="F8F9FA"/>
+          </a:solidFill>
+          <a:ln w="6350">
+            <a:solidFill>
+              <a:srgbClr val="E0E0E0"/>
+            </a:solidFill>
+          </a:ln>
+        </p:spPr>
+        <p:style>
+          <a:lnRef idx="1">
+            <a:schemeClr val="accent1"/>
+          </a:lnRef>
+          <a:fillRef idx="3">
+            <a:schemeClr val="accent1"/>
+          </a:fillRef>
+          <a:effectRef idx="2">
+            <a:schemeClr val="accent1"/>
+          </a:effectRef>
+          <a:fontRef idx="minor">
+            <a:schemeClr val="lt1"/>
+          </a:fontRef>
+        </p:style>
+        <p:txBody>
+          <a:bodyPr rtlCol="0" anchor="ctr"/>
+          <a:lstStyle/>
+          <a:p>
+            <a:pPr algn="ctr"/>
+          </a:p>
+        </p:txBody>
+      </p:sp>
+      <p:sp>
+        <p:nvSpPr>
+          <p:cNvPr id="6" name="Rectangle 5"/>
+          <p:cNvSpPr/>
+          <p:nvPr/>
+        </p:nvSpPr>
+        <p:spPr>
+          <a:xfrm>
+            <a:off x="548640" y="1051560"/>
+            <a:ext cx="64008" cy="4114800"/>
+          </a:xfrm>
+          <a:prstGeom prst="rect">
+            <a:avLst/>
+          </a:prstGeom>
+          <a:solidFill>
+            <a:srgbClr val="10A37F"/>
+          </a:solidFill>
+          <a:ln>
+            <a:noFill/>
+          </a:ln>
+        </p:spPr>
+        <p:style>
+          <a:lnRef idx="1">
+            <a:schemeClr val="accent1"/>
+          </a:lnRef>
+          <a:fillRef idx="3">
+            <a:schemeClr val="accent1"/>
+          </a:fillRef>
+          <a:effectRef idx="2">
+            <a:schemeClr val="accent1"/>
+          </a:effectRef>
+          <a:fontRef idx="minor">
+            <a:schemeClr val="lt1"/>
+          </a:fontRef>
+        </p:style>
+        <p:txBody>
+          <a:bodyPr rtlCol="0" anchor="ctr"/>
+          <a:lstStyle/>
+          <a:p>
+            <a:pPr algn="ctr"/>
+          </a:p>
+        </p:txBody>
+      </p:sp>
+      <p:sp>
+        <p:nvSpPr>
+          <p:cNvPr id="7" name="TextBox 6"/>
+          <p:cNvSpPr txBox="1"/>
+          <p:nvPr/>
+        </p:nvSpPr>
+        <p:spPr>
+          <a:xfrm>
+            <a:off x="777240" y="1188720"/>
+            <a:ext cx="10637215" cy="548640"/>
           </a:xfrm>
           <a:prstGeom prst="rect">
             <a:avLst/>
@@ -3757,7 +5813,7 @@
           <a:lstStyle/>
           <a:p>
             <a:pPr algn="l">
-              <a:defRPr sz="1600" b="1">
+              <a:defRPr sz="2000" b="1">
                 <a:solidFill>
                   <a:srgbClr val="1A1A2E"/>
                 </a:solidFill>
@@ -3765,37 +5821,57 @@
               </a:defRPr>
             </a:pPr>
             <a:r>
-              <a:t>★★★★★  Anthropic Claude Opus 4.6リリース、ソフトウェア業界に衝撃</a:t>
-            </a:r>
-          </a:p>
-          <a:p>
-            <a:pPr>
-              <a:spcBef>
-                <a:spcPts val="600"/>
-              </a:spcBef>
-              <a:defRPr sz="1300" b="0">
-                <a:solidFill>
-                  <a:srgbClr val="4A4A6A"/>
+              <a:t>★★★★☆  OpenAI、Anthropicの15分後にCodexとGPT-5.3を発表</a:t>
+            </a:r>
+          </a:p>
+        </p:txBody>
+      </p:sp>
+      <p:sp>
+        <p:nvSpPr>
+          <p:cNvPr id="8" name="TextBox 7"/>
+          <p:cNvSpPr txBox="1"/>
+          <p:nvPr/>
+        </p:nvSpPr>
+        <p:spPr>
+          <a:xfrm>
+            <a:off x="777240" y="1737360"/>
+            <a:ext cx="10637215" cy="3017520"/>
+          </a:xfrm>
+          <a:prstGeom prst="rect">
+            <a:avLst/>
+          </a:prstGeom>
+          <a:noFill/>
+        </p:spPr>
+        <p:txBody>
+          <a:bodyPr wrap="square">
+            <a:normAutofit/>
+          </a:bodyPr>
+          <a:lstStyle/>
+          <a:p>
+            <a:pPr algn="l">
+              <a:defRPr sz="1600" b="0">
+                <a:solidFill>
+                  <a:srgbClr val="1A1A2E"/>
                 </a:solidFill>
                 <a:latin typeface="Meiryo"/>
               </a:defRPr>
             </a:pPr>
             <a:r>
-              <a:t>2月5日、Anthropic社がClaude Opus 4.6をリリース。OpenAI GPT-5.2を上回るベンチマーク性能を達成し、法務・財務・営業分野向けCoworkプラグインを発表。専門ソフトウェア株が急落し、業界に大きな影響を与え...</a:t>
-            </a:r>
-          </a:p>
-        </p:txBody>
-      </p:sp>
-      <p:sp>
-        <p:nvSpPr>
-          <p:cNvPr id="5" name="TextBox 4"/>
+              <a:t>2月5日、OpenAIがエージェント型コーディングツールCodexとGPT-5.3 Codexモデルを発表。Anthropicのリリースのわずか15分後の発表となり、両社の激しい競争が浮き彫りに。Codexは今週初めにリリースされたツールの能力を加速する設計。</a:t>
+            </a:r>
+          </a:p>
+        </p:txBody>
+      </p:sp>
+      <p:sp>
+        <p:nvSpPr>
+          <p:cNvPr id="9" name="TextBox 8"/>
           <p:cNvSpPr txBox="1"/>
           <p:nvPr/>
         </p:nvSpPr>
         <p:spPr>
           <a:xfrm>
-            <a:off x="640080" y="2194560"/>
-            <a:ext cx="10515600" cy="1005840"/>
+            <a:off x="777240" y="4846320"/>
+            <a:ext cx="10637215" cy="274320"/>
           </a:xfrm>
           <a:prstGeom prst="rect">
             <a:avLst/>
@@ -3809,31 +5885,15 @@
           <a:lstStyle/>
           <a:p>
             <a:pPr algn="l">
-              <a:defRPr sz="1600" b="1">
-                <a:solidFill>
-                  <a:srgbClr val="1A1A2E"/>
+              <a:defRPr sz="1100" b="0">
+                <a:solidFill>
+                  <a:srgbClr val="959595"/>
                 </a:solidFill>
                 <a:latin typeface="Meiryo"/>
               </a:defRPr>
             </a:pPr>
             <a:r>
-              <a:t>★★★★★  エージェント型AI元年：Model Context Protocol（MCP）がLinux Foundationに寄付</a:t>
-            </a:r>
-          </a:p>
-          <a:p>
-            <a:pPr>
-              <a:spcBef>
-                <a:spcPts val="600"/>
-              </a:spcBef>
-              <a:defRPr sz="1300" b="0">
-                <a:solidFill>
-                  <a:srgbClr val="4A4A6A"/>
-                </a:solidFill>
-                <a:latin typeface="Meiryo"/>
-              </a:defRPr>
-            </a:pPr>
-            <a:r>
-              <a:t>AnthropicのModel Context Protocol（MCP）が「AI版USB-C」として業界標準化へ。OpenAIとMicrosoftが公式採用を表明し、Linux Foundation傘下のAgentic AI Founda...</a:t>
+              <a:t>LLM    |    TechCrunch</a:t>
             </a:r>
           </a:p>
         </p:txBody>
@@ -3865,13 +5925,13 @@
         <p:spPr>
           <a:xfrm>
             <a:off x="0" y="0"/>
-            <a:ext cx="12191695" cy="822960"/>
+            <a:ext cx="12191695" cy="777240"/>
           </a:xfrm>
           <a:prstGeom prst="rect">
             <a:avLst/>
           </a:prstGeom>
           <a:solidFill>
-            <a:srgbClr val="00A4EF"/>
+            <a:srgbClr val="D4A574"/>
           </a:solidFill>
           <a:ln>
             <a:noFill/>
@@ -3907,8 +5967,8 @@
         </p:nvSpPr>
         <p:spPr>
           <a:xfrm>
-            <a:off x="457200" y="91440"/>
-            <a:ext cx="10972800" cy="640080"/>
+            <a:off x="548640" y="137160"/>
+            <a:ext cx="11094415" cy="502920"/>
           </a:xfrm>
           <a:prstGeom prst="rect">
             <a:avLst/>
@@ -3921,8 +5981,8 @@
           </a:bodyPr>
           <a:lstStyle/>
           <a:p>
-            <a:pPr algn="l">
-              <a:defRPr sz="2600" b="1">
+            <a:pPr>
+              <a:defRPr sz="2800" b="1">
                 <a:solidFill>
                   <a:srgbClr val="FFFFFF"/>
                 </a:solidFill>
@@ -3930,7 +5990,7 @@
               </a:defRPr>
             </a:pPr>
             <a:r>
-              <a:t>Microsoft  (2件)</a:t>
+              <a:t>Anthropic  (2件)</a:t>
             </a:r>
           </a:p>
         </p:txBody>
@@ -3943,8 +6003,132 @@
         </p:nvSpPr>
         <p:spPr>
           <a:xfrm>
-            <a:off x="640080" y="1097280"/>
-            <a:ext cx="10515600" cy="1005840"/>
+            <a:off x="548640" y="6446520"/>
+            <a:ext cx="11094415" cy="320040"/>
+          </a:xfrm>
+          <a:prstGeom prst="rect">
+            <a:avLst/>
+          </a:prstGeom>
+          <a:noFill/>
+        </p:spPr>
+        <p:txBody>
+          <a:bodyPr wrap="none">
+            <a:spAutoFit/>
+          </a:bodyPr>
+          <a:lstStyle/>
+          <a:p>
+            <a:pPr algn="r">
+              <a:defRPr sz="1000">
+                <a:solidFill>
+                  <a:srgbClr val="959595"/>
+                </a:solidFill>
+                <a:latin typeface="Meiryo"/>
+              </a:defRPr>
+            </a:pPr>
+            <a:r>
+              <a:t>AI News Daily Deck  |  2026-02-10  |  Page 4</a:t>
+            </a:r>
+          </a:p>
+        </p:txBody>
+      </p:sp>
+      <p:sp>
+        <p:nvSpPr>
+          <p:cNvPr id="5" name="Rectangle 4"/>
+          <p:cNvSpPr/>
+          <p:nvPr/>
+        </p:nvSpPr>
+        <p:spPr>
+          <a:xfrm>
+            <a:off x="548640" y="1051560"/>
+            <a:ext cx="11094415" cy="2286000"/>
+          </a:xfrm>
+          <a:prstGeom prst="rect">
+            <a:avLst/>
+          </a:prstGeom>
+          <a:solidFill>
+            <a:srgbClr val="F8F9FA"/>
+          </a:solidFill>
+          <a:ln w="6350">
+            <a:solidFill>
+              <a:srgbClr val="E0E0E0"/>
+            </a:solidFill>
+          </a:ln>
+        </p:spPr>
+        <p:style>
+          <a:lnRef idx="1">
+            <a:schemeClr val="accent1"/>
+          </a:lnRef>
+          <a:fillRef idx="3">
+            <a:schemeClr val="accent1"/>
+          </a:fillRef>
+          <a:effectRef idx="2">
+            <a:schemeClr val="accent1"/>
+          </a:effectRef>
+          <a:fontRef idx="minor">
+            <a:schemeClr val="lt1"/>
+          </a:fontRef>
+        </p:style>
+        <p:txBody>
+          <a:bodyPr rtlCol="0" anchor="ctr"/>
+          <a:lstStyle/>
+          <a:p>
+            <a:pPr algn="ctr"/>
+          </a:p>
+        </p:txBody>
+      </p:sp>
+      <p:sp>
+        <p:nvSpPr>
+          <p:cNvPr id="6" name="Rectangle 5"/>
+          <p:cNvSpPr/>
+          <p:nvPr/>
+        </p:nvSpPr>
+        <p:spPr>
+          <a:xfrm>
+            <a:off x="548640" y="1051560"/>
+            <a:ext cx="64008" cy="2286000"/>
+          </a:xfrm>
+          <a:prstGeom prst="rect">
+            <a:avLst/>
+          </a:prstGeom>
+          <a:solidFill>
+            <a:srgbClr val="D4A574"/>
+          </a:solidFill>
+          <a:ln>
+            <a:noFill/>
+          </a:ln>
+        </p:spPr>
+        <p:style>
+          <a:lnRef idx="1">
+            <a:schemeClr val="accent1"/>
+          </a:lnRef>
+          <a:fillRef idx="3">
+            <a:schemeClr val="accent1"/>
+          </a:fillRef>
+          <a:effectRef idx="2">
+            <a:schemeClr val="accent1"/>
+          </a:effectRef>
+          <a:fontRef idx="minor">
+            <a:schemeClr val="lt1"/>
+          </a:fontRef>
+        </p:style>
+        <p:txBody>
+          <a:bodyPr rtlCol="0" anchor="ctr"/>
+          <a:lstStyle/>
+          <a:p>
+            <a:pPr algn="ctr"/>
+          </a:p>
+        </p:txBody>
+      </p:sp>
+      <p:sp>
+        <p:nvSpPr>
+          <p:cNvPr id="7" name="TextBox 6"/>
+          <p:cNvSpPr txBox="1"/>
+          <p:nvPr/>
+        </p:nvSpPr>
+        <p:spPr>
+          <a:xfrm>
+            <a:off x="777240" y="1188720"/>
+            <a:ext cx="10637215" cy="548640"/>
           </a:xfrm>
           <a:prstGeom prst="rect">
             <a:avLst/>
@@ -3958,7 +6142,7 @@
           <a:lstStyle/>
           <a:p>
             <a:pPr algn="l">
-              <a:defRPr sz="1600" b="1">
+              <a:defRPr sz="2000" b="1">
                 <a:solidFill>
                   <a:srgbClr val="1A1A2E"/>
                 </a:solidFill>
@@ -3966,37 +6150,57 @@
               </a:defRPr>
             </a:pPr>
             <a:r>
-              <a:t>★★★★★  ビッグテック4社、AI投資総額7000億ドルに到達</a:t>
-            </a:r>
-          </a:p>
-          <a:p>
-            <a:pPr>
-              <a:spcBef>
-                <a:spcPts val="600"/>
-              </a:spcBef>
-              <a:defRPr sz="1300" b="0">
-                <a:solidFill>
-                  <a:srgbClr val="4A4A6A"/>
+              <a:t>★★★★★  Anthropic Claude Opus 4.6リリース、ソフトウェア業界に衝撃</a:t>
+            </a:r>
+          </a:p>
+        </p:txBody>
+      </p:sp>
+      <p:sp>
+        <p:nvSpPr>
+          <p:cNvPr id="8" name="TextBox 7"/>
+          <p:cNvSpPr txBox="1"/>
+          <p:nvPr/>
+        </p:nvSpPr>
+        <p:spPr>
+          <a:xfrm>
+            <a:off x="777240" y="1737360"/>
+            <a:ext cx="10637215" cy="1188720"/>
+          </a:xfrm>
+          <a:prstGeom prst="rect">
+            <a:avLst/>
+          </a:prstGeom>
+          <a:noFill/>
+        </p:spPr>
+        <p:txBody>
+          <a:bodyPr wrap="square">
+            <a:normAutofit/>
+          </a:bodyPr>
+          <a:lstStyle/>
+          <a:p>
+            <a:pPr algn="l">
+              <a:defRPr sz="1600" b="0">
+                <a:solidFill>
+                  <a:srgbClr val="1A1A2E"/>
                 </a:solidFill>
                 <a:latin typeface="Meiryo"/>
               </a:defRPr>
             </a:pPr>
             <a:r>
-              <a:t>Microsoft、Alphabet、Amazon、Metaの4社が2026年のAI関連設備投資で合計約7000億ドルを支出予定。Amazonが2000億ドルで最大、Microsoftが1450億ドル、Alphabetが最大1850億ドル、...</a:t>
-            </a:r>
-          </a:p>
-        </p:txBody>
-      </p:sp>
-      <p:sp>
-        <p:nvSpPr>
-          <p:cNvPr id="5" name="TextBox 4"/>
+              <a:t>2月5日、Anthropic社がClaude Opus 4.6をリリース。OpenAI GPT-5.2を上回るベンチマーク性能を達成し、法務・財務・営業分野向けCoworkプラグインを発表。専門ソフトウェア株が急落し、業界に大きな影響を与えた。PowerPoint統合機能も研究プレビューとして提供開始。</a:t>
+            </a:r>
+          </a:p>
+        </p:txBody>
+      </p:sp>
+      <p:sp>
+        <p:nvSpPr>
+          <p:cNvPr id="9" name="TextBox 8"/>
           <p:cNvSpPr txBox="1"/>
           <p:nvPr/>
         </p:nvSpPr>
         <p:spPr>
           <a:xfrm>
-            <a:off x="640080" y="2194560"/>
-            <a:ext cx="10515600" cy="1005840"/>
+            <a:off x="777240" y="3017520"/>
+            <a:ext cx="10637215" cy="274320"/>
           </a:xfrm>
           <a:prstGeom prst="rect">
             <a:avLst/>
@@ -4010,7 +6214,131 @@
           <a:lstStyle/>
           <a:p>
             <a:pPr algn="l">
-              <a:defRPr sz="1600" b="1">
+              <a:defRPr sz="1100" b="0">
+                <a:solidFill>
+                  <a:srgbClr val="959595"/>
+                </a:solidFill>
+                <a:latin typeface="Meiryo"/>
+              </a:defRPr>
+            </a:pPr>
+            <a:r>
+              <a:t>LLM    |    CNN Business</a:t>
+            </a:r>
+          </a:p>
+        </p:txBody>
+      </p:sp>
+      <p:sp>
+        <p:nvSpPr>
+          <p:cNvPr id="10" name="Rectangle 9"/>
+          <p:cNvSpPr/>
+          <p:nvPr/>
+        </p:nvSpPr>
+        <p:spPr>
+          <a:xfrm>
+            <a:off x="548640" y="3657600"/>
+            <a:ext cx="11094415" cy="2286000"/>
+          </a:xfrm>
+          <a:prstGeom prst="rect">
+            <a:avLst/>
+          </a:prstGeom>
+          <a:solidFill>
+            <a:srgbClr val="F8F9FA"/>
+          </a:solidFill>
+          <a:ln w="6350">
+            <a:solidFill>
+              <a:srgbClr val="E0E0E0"/>
+            </a:solidFill>
+          </a:ln>
+        </p:spPr>
+        <p:style>
+          <a:lnRef idx="1">
+            <a:schemeClr val="accent1"/>
+          </a:lnRef>
+          <a:fillRef idx="3">
+            <a:schemeClr val="accent1"/>
+          </a:fillRef>
+          <a:effectRef idx="2">
+            <a:schemeClr val="accent1"/>
+          </a:effectRef>
+          <a:fontRef idx="minor">
+            <a:schemeClr val="lt1"/>
+          </a:fontRef>
+        </p:style>
+        <p:txBody>
+          <a:bodyPr rtlCol="0" anchor="ctr"/>
+          <a:lstStyle/>
+          <a:p>
+            <a:pPr algn="ctr"/>
+          </a:p>
+        </p:txBody>
+      </p:sp>
+      <p:sp>
+        <p:nvSpPr>
+          <p:cNvPr id="11" name="Rectangle 10"/>
+          <p:cNvSpPr/>
+          <p:nvPr/>
+        </p:nvSpPr>
+        <p:spPr>
+          <a:xfrm>
+            <a:off x="548640" y="3657600"/>
+            <a:ext cx="64008" cy="2286000"/>
+          </a:xfrm>
+          <a:prstGeom prst="rect">
+            <a:avLst/>
+          </a:prstGeom>
+          <a:solidFill>
+            <a:srgbClr val="D4A574"/>
+          </a:solidFill>
+          <a:ln>
+            <a:noFill/>
+          </a:ln>
+        </p:spPr>
+        <p:style>
+          <a:lnRef idx="1">
+            <a:schemeClr val="accent1"/>
+          </a:lnRef>
+          <a:fillRef idx="3">
+            <a:schemeClr val="accent1"/>
+          </a:fillRef>
+          <a:effectRef idx="2">
+            <a:schemeClr val="accent1"/>
+          </a:effectRef>
+          <a:fontRef idx="minor">
+            <a:schemeClr val="lt1"/>
+          </a:fontRef>
+        </p:style>
+        <p:txBody>
+          <a:bodyPr rtlCol="0" anchor="ctr"/>
+          <a:lstStyle/>
+          <a:p>
+            <a:pPr algn="ctr"/>
+          </a:p>
+        </p:txBody>
+      </p:sp>
+      <p:sp>
+        <p:nvSpPr>
+          <p:cNvPr id="12" name="TextBox 11"/>
+          <p:cNvSpPr txBox="1"/>
+          <p:nvPr/>
+        </p:nvSpPr>
+        <p:spPr>
+          <a:xfrm>
+            <a:off x="777240" y="3794760"/>
+            <a:ext cx="10637215" cy="548640"/>
+          </a:xfrm>
+          <a:prstGeom prst="rect">
+            <a:avLst/>
+          </a:prstGeom>
+          <a:noFill/>
+        </p:spPr>
+        <p:txBody>
+          <a:bodyPr wrap="square">
+            <a:spAutoFit/>
+          </a:bodyPr>
+          <a:lstStyle/>
+          <a:p>
+            <a:pPr algn="l">
+              <a:defRPr sz="2000" b="1">
                 <a:solidFill>
                   <a:srgbClr val="1A1A2E"/>
                 </a:solidFill>
@@ -4018,23 +6346,79 @@
               </a:defRPr>
             </a:pPr>
             <a:r>
-              <a:t>★★★★★  AIコード生成が主流化：Microsoft/Google共にコードの25-30%がAI生成</a:t>
-            </a:r>
-          </a:p>
-          <a:p>
-            <a:pPr>
-              <a:spcBef>
-                <a:spcPts val="600"/>
-              </a:spcBef>
-              <a:defRPr sz="1300" b="0">
-                <a:solidFill>
-                  <a:srgbClr val="4A4A6A"/>
+              <a:t>★★★★★  エージェント型AI元年：Model Context Protocol（MCP）がLinux Foundationに寄付</a:t>
+            </a:r>
+          </a:p>
+        </p:txBody>
+      </p:sp>
+      <p:sp>
+        <p:nvSpPr>
+          <p:cNvPr id="13" name="TextBox 12"/>
+          <p:cNvSpPr txBox="1"/>
+          <p:nvPr/>
+        </p:nvSpPr>
+        <p:spPr>
+          <a:xfrm>
+            <a:off x="777240" y="4343400"/>
+            <a:ext cx="10637215" cy="1188720"/>
+          </a:xfrm>
+          <a:prstGeom prst="rect">
+            <a:avLst/>
+          </a:prstGeom>
+          <a:noFill/>
+        </p:spPr>
+        <p:txBody>
+          <a:bodyPr wrap="square">
+            <a:normAutofit/>
+          </a:bodyPr>
+          <a:lstStyle/>
+          <a:p>
+            <a:pPr algn="l">
+              <a:defRPr sz="1600" b="0">
+                <a:solidFill>
+                  <a:srgbClr val="1A1A2E"/>
                 </a:solidFill>
                 <a:latin typeface="Meiryo"/>
               </a:defRPr>
             </a:pPr>
             <a:r>
-              <a:t>AIコード生成がAIの最初の主要ビジネスユースケースとして確立。Microsoftコードの30%、Googleコードの25%以上がAI生成に。OpenAI Codex、Anthropic Coworkプラグイン、GitHub Copilot...</a:t>
+              <a:t>AnthropicのModel Context Protocol（MCP）が「AI版USB-C」として業界標準化へ。OpenAIとMicrosoftが公式採用を表明し、Linux Foundation傘下のAgentic AI Foundationに寄付。Googleも自社製品接続用のMCPサーバー構築を開始し、エージェント型AI普及の基盤が整備。</a:t>
+            </a:r>
+          </a:p>
+        </p:txBody>
+      </p:sp>
+      <p:sp>
+        <p:nvSpPr>
+          <p:cNvPr id="14" name="TextBox 13"/>
+          <p:cNvSpPr txBox="1"/>
+          <p:nvPr/>
+        </p:nvSpPr>
+        <p:spPr>
+          <a:xfrm>
+            <a:off x="777240" y="5623560"/>
+            <a:ext cx="10637215" cy="274320"/>
+          </a:xfrm>
+          <a:prstGeom prst="rect">
+            <a:avLst/>
+          </a:prstGeom>
+          <a:noFill/>
+        </p:spPr>
+        <p:txBody>
+          <a:bodyPr wrap="square">
+            <a:spAutoFit/>
+          </a:bodyPr>
+          <a:lstStyle/>
+          <a:p>
+            <a:pPr algn="l">
+              <a:defRPr sz="1100" b="0">
+                <a:solidFill>
+                  <a:srgbClr val="959595"/>
+                </a:solidFill>
+                <a:latin typeface="Meiryo"/>
+              </a:defRPr>
+            </a:pPr>
+            <a:r>
+              <a:t>LLM    |    LLM Stats</a:t>
             </a:r>
           </a:p>
         </p:txBody>
@@ -4066,13 +6450,13 @@
         <p:spPr>
           <a:xfrm>
             <a:off x="0" y="0"/>
-            <a:ext cx="12191695" cy="822960"/>
+            <a:ext cx="12191695" cy="777240"/>
           </a:xfrm>
           <a:prstGeom prst="rect">
             <a:avLst/>
           </a:prstGeom>
           <a:solidFill>
-            <a:srgbClr val="6C757D"/>
+            <a:srgbClr val="00A4EF"/>
           </a:solidFill>
           <a:ln>
             <a:noFill/>
@@ -4108,8 +6492,8 @@
         </p:nvSpPr>
         <p:spPr>
           <a:xfrm>
-            <a:off x="457200" y="91440"/>
-            <a:ext cx="10972800" cy="640080"/>
+            <a:off x="548640" y="137160"/>
+            <a:ext cx="11094415" cy="502920"/>
           </a:xfrm>
           <a:prstGeom prst="rect">
             <a:avLst/>
@@ -4122,8 +6506,8 @@
           </a:bodyPr>
           <a:lstStyle/>
           <a:p>
-            <a:pPr algn="l">
-              <a:defRPr sz="2600" b="1">
+            <a:pPr>
+              <a:defRPr sz="2800" b="1">
                 <a:solidFill>
                   <a:srgbClr val="FFFFFF"/>
                 </a:solidFill>
@@ -4131,7 +6515,7 @@
               </a:defRPr>
             </a:pPr>
             <a:r>
-              <a:t>Other  (6件)</a:t>
+              <a:t>Microsoft  (2件)</a:t>
             </a:r>
           </a:p>
         </p:txBody>
@@ -4144,8 +6528,132 @@
         </p:nvSpPr>
         <p:spPr>
           <a:xfrm>
-            <a:off x="640080" y="1097280"/>
-            <a:ext cx="10515600" cy="1005840"/>
+            <a:off x="548640" y="6446520"/>
+            <a:ext cx="11094415" cy="320040"/>
+          </a:xfrm>
+          <a:prstGeom prst="rect">
+            <a:avLst/>
+          </a:prstGeom>
+          <a:noFill/>
+        </p:spPr>
+        <p:txBody>
+          <a:bodyPr wrap="none">
+            <a:spAutoFit/>
+          </a:bodyPr>
+          <a:lstStyle/>
+          <a:p>
+            <a:pPr algn="r">
+              <a:defRPr sz="1000">
+                <a:solidFill>
+                  <a:srgbClr val="959595"/>
+                </a:solidFill>
+                <a:latin typeface="Meiryo"/>
+              </a:defRPr>
+            </a:pPr>
+            <a:r>
+              <a:t>AI News Daily Deck  |  2026-02-10  |  Page 5</a:t>
+            </a:r>
+          </a:p>
+        </p:txBody>
+      </p:sp>
+      <p:sp>
+        <p:nvSpPr>
+          <p:cNvPr id="5" name="Rectangle 4"/>
+          <p:cNvSpPr/>
+          <p:nvPr/>
+        </p:nvSpPr>
+        <p:spPr>
+          <a:xfrm>
+            <a:off x="548640" y="1051560"/>
+            <a:ext cx="11094415" cy="2286000"/>
+          </a:xfrm>
+          <a:prstGeom prst="rect">
+            <a:avLst/>
+          </a:prstGeom>
+          <a:solidFill>
+            <a:srgbClr val="F8F9FA"/>
+          </a:solidFill>
+          <a:ln w="6350">
+            <a:solidFill>
+              <a:srgbClr val="E0E0E0"/>
+            </a:solidFill>
+          </a:ln>
+        </p:spPr>
+        <p:style>
+          <a:lnRef idx="1">
+            <a:schemeClr val="accent1"/>
+          </a:lnRef>
+          <a:fillRef idx="3">
+            <a:schemeClr val="accent1"/>
+          </a:fillRef>
+          <a:effectRef idx="2">
+            <a:schemeClr val="accent1"/>
+          </a:effectRef>
+          <a:fontRef idx="minor">
+            <a:schemeClr val="lt1"/>
+          </a:fontRef>
+        </p:style>
+        <p:txBody>
+          <a:bodyPr rtlCol="0" anchor="ctr"/>
+          <a:lstStyle/>
+          <a:p>
+            <a:pPr algn="ctr"/>
+          </a:p>
+        </p:txBody>
+      </p:sp>
+      <p:sp>
+        <p:nvSpPr>
+          <p:cNvPr id="6" name="Rectangle 5"/>
+          <p:cNvSpPr/>
+          <p:nvPr/>
+        </p:nvSpPr>
+        <p:spPr>
+          <a:xfrm>
+            <a:off x="548640" y="1051560"/>
+            <a:ext cx="64008" cy="2286000"/>
+          </a:xfrm>
+          <a:prstGeom prst="rect">
+            <a:avLst/>
+          </a:prstGeom>
+          <a:solidFill>
+            <a:srgbClr val="00A4EF"/>
+          </a:solidFill>
+          <a:ln>
+            <a:noFill/>
+          </a:ln>
+        </p:spPr>
+        <p:style>
+          <a:lnRef idx="1">
+            <a:schemeClr val="accent1"/>
+          </a:lnRef>
+          <a:fillRef idx="3">
+            <a:schemeClr val="accent1"/>
+          </a:fillRef>
+          <a:effectRef idx="2">
+            <a:schemeClr val="accent1"/>
+          </a:effectRef>
+          <a:fontRef idx="minor">
+            <a:schemeClr val="lt1"/>
+          </a:fontRef>
+        </p:style>
+        <p:txBody>
+          <a:bodyPr rtlCol="0" anchor="ctr"/>
+          <a:lstStyle/>
+          <a:p>
+            <a:pPr algn="ctr"/>
+          </a:p>
+        </p:txBody>
+      </p:sp>
+      <p:sp>
+        <p:nvSpPr>
+          <p:cNvPr id="7" name="TextBox 6"/>
+          <p:cNvSpPr txBox="1"/>
+          <p:nvPr/>
+        </p:nvSpPr>
+        <p:spPr>
+          <a:xfrm>
+            <a:off x="777240" y="1188720"/>
+            <a:ext cx="10637215" cy="548640"/>
           </a:xfrm>
           <a:prstGeom prst="rect">
             <a:avLst/>
@@ -4159,7 +6667,7 @@
           <a:lstStyle/>
           <a:p>
             <a:pPr algn="l">
-              <a:defRPr sz="1600" b="1">
+              <a:defRPr sz="2000" b="1">
                 <a:solidFill>
                   <a:srgbClr val="1A1A2E"/>
                 </a:solidFill>
@@ -4167,37 +6675,57 @@
               </a:defRPr>
             </a:pPr>
             <a:r>
-              <a:t>★★★★☆  AI規制：コロラド州法施行を6月に延期、連邦vs州の対立激化</a:t>
-            </a:r>
-          </a:p>
-          <a:p>
-            <a:pPr>
-              <a:spcBef>
-                <a:spcPts val="600"/>
-              </a:spcBef>
-              <a:defRPr sz="1300" b="0">
-                <a:solidFill>
-                  <a:srgbClr val="4A4A6A"/>
+              <a:t>★★★★★  ビッグテック4社、AI投資総額7000億ドルに到達</a:t>
+            </a:r>
+          </a:p>
+        </p:txBody>
+      </p:sp>
+      <p:sp>
+        <p:nvSpPr>
+          <p:cNvPr id="8" name="TextBox 7"/>
+          <p:cNvSpPr txBox="1"/>
+          <p:nvPr/>
+        </p:nvSpPr>
+        <p:spPr>
+          <a:xfrm>
+            <a:off x="777240" y="1737360"/>
+            <a:ext cx="10637215" cy="1188720"/>
+          </a:xfrm>
+          <a:prstGeom prst="rect">
+            <a:avLst/>
+          </a:prstGeom>
+          <a:noFill/>
+        </p:spPr>
+        <p:txBody>
+          <a:bodyPr wrap="square">
+            <a:normAutofit/>
+          </a:bodyPr>
+          <a:lstStyle/>
+          <a:p>
+            <a:pPr algn="l">
+              <a:defRPr sz="1600" b="0">
+                <a:solidFill>
+                  <a:srgbClr val="1A1A2E"/>
                 </a:solidFill>
                 <a:latin typeface="Meiryo"/>
               </a:defRPr>
             </a:pPr>
             <a:r>
-              <a:t>コロラド州がAI法の施行を2月1日から6月30日に延期。高リスクAIシステムに対するリスク管理とアルゴリズム差別の緩和を義務化。連邦政府は3月11日までに「過度な州法」の評価を公表予定で、州法の先制排除を示唆し連邦vs州の対立が表面化。</a:t>
-            </a:r>
-          </a:p>
-        </p:txBody>
-      </p:sp>
-      <p:sp>
-        <p:nvSpPr>
-          <p:cNvPr id="5" name="TextBox 4"/>
+              <a:t>Microsoft、Alphabet、Amazon、Metaの4社が2026年のAI関連設備投資で合計約7000億ドルを支出予定。Amazonが2000億ドルで最大、Microsoftが1450億ドル、Alphabetが最大1850億ドル、Metaが最大1350億ドル。キャッシュフロー圧迫が懸念材料に。</a:t>
+            </a:r>
+          </a:p>
+        </p:txBody>
+      </p:sp>
+      <p:sp>
+        <p:nvSpPr>
+          <p:cNvPr id="9" name="TextBox 8"/>
           <p:cNvSpPr txBox="1"/>
           <p:nvPr/>
         </p:nvSpPr>
         <p:spPr>
           <a:xfrm>
-            <a:off x="640080" y="2194560"/>
-            <a:ext cx="10515600" cy="1005840"/>
+            <a:off x="777240" y="3017520"/>
+            <a:ext cx="10637215" cy="274320"/>
           </a:xfrm>
           <a:prstGeom prst="rect">
             <a:avLst/>
@@ -4211,45 +6739,117 @@
           <a:lstStyle/>
           <a:p>
             <a:pPr algn="l">
-              <a:defRPr sz="1600" b="1">
-                <a:solidFill>
-                  <a:srgbClr val="1A1A2E"/>
+              <a:defRPr sz="1100" b="0">
+                <a:solidFill>
+                  <a:srgbClr val="959595"/>
                 </a:solidFill>
                 <a:latin typeface="Meiryo"/>
               </a:defRPr>
             </a:pPr>
             <a:r>
-              <a:t>★★★★☆  AIスタートアップ資金調達ラッシュ：Goodfire 15億ドル評価、Fundamental 2.5億ドル調達</a:t>
-            </a:r>
-          </a:p>
-          <a:p>
-            <a:pPr>
-              <a:spcBef>
-                <a:spcPts val="600"/>
-              </a:spcBef>
-              <a:defRPr sz="1300" b="0">
-                <a:solidFill>
-                  <a:srgbClr val="4A4A6A"/>
-                </a:solidFill>
-                <a:latin typeface="Meiryo"/>
-              </a:defRPr>
-            </a:pPr>
-            <a:r>
-              <a:t>2月5日、AI関連スタートアップが大型資金調達を実施。FundamentalがシリーズAで2.5億ドル調達、GoodfireがシリーズBで1.5億ドル調達し評価額12.5億ドルに到達。Tomorrow.ioがDeepSky衛星ネットワーク展...</a:t>
-            </a:r>
-          </a:p>
-        </p:txBody>
-      </p:sp>
-      <p:sp>
-        <p:nvSpPr>
-          <p:cNvPr id="6" name="TextBox 5"/>
+              <a:t>Business    |    Axios</a:t>
+            </a:r>
+          </a:p>
+        </p:txBody>
+      </p:sp>
+      <p:sp>
+        <p:nvSpPr>
+          <p:cNvPr id="10" name="Rectangle 9"/>
+          <p:cNvSpPr/>
+          <p:nvPr/>
+        </p:nvSpPr>
+        <p:spPr>
+          <a:xfrm>
+            <a:off x="548640" y="3657600"/>
+            <a:ext cx="11094415" cy="2286000"/>
+          </a:xfrm>
+          <a:prstGeom prst="rect">
+            <a:avLst/>
+          </a:prstGeom>
+          <a:solidFill>
+            <a:srgbClr val="F8F9FA"/>
+          </a:solidFill>
+          <a:ln w="6350">
+            <a:solidFill>
+              <a:srgbClr val="E0E0E0"/>
+            </a:solidFill>
+          </a:ln>
+        </p:spPr>
+        <p:style>
+          <a:lnRef idx="1">
+            <a:schemeClr val="accent1"/>
+          </a:lnRef>
+          <a:fillRef idx="3">
+            <a:schemeClr val="accent1"/>
+          </a:fillRef>
+          <a:effectRef idx="2">
+            <a:schemeClr val="accent1"/>
+          </a:effectRef>
+          <a:fontRef idx="minor">
+            <a:schemeClr val="lt1"/>
+          </a:fontRef>
+        </p:style>
+        <p:txBody>
+          <a:bodyPr rtlCol="0" anchor="ctr"/>
+          <a:lstStyle/>
+          <a:p>
+            <a:pPr algn="ctr"/>
+          </a:p>
+        </p:txBody>
+      </p:sp>
+      <p:sp>
+        <p:nvSpPr>
+          <p:cNvPr id="11" name="Rectangle 10"/>
+          <p:cNvSpPr/>
+          <p:nvPr/>
+        </p:nvSpPr>
+        <p:spPr>
+          <a:xfrm>
+            <a:off x="548640" y="3657600"/>
+            <a:ext cx="64008" cy="2286000"/>
+          </a:xfrm>
+          <a:prstGeom prst="rect">
+            <a:avLst/>
+          </a:prstGeom>
+          <a:solidFill>
+            <a:srgbClr val="00A4EF"/>
+          </a:solidFill>
+          <a:ln>
+            <a:noFill/>
+          </a:ln>
+        </p:spPr>
+        <p:style>
+          <a:lnRef idx="1">
+            <a:schemeClr val="accent1"/>
+          </a:lnRef>
+          <a:fillRef idx="3">
+            <a:schemeClr val="accent1"/>
+          </a:fillRef>
+          <a:effectRef idx="2">
+            <a:schemeClr val="accent1"/>
+          </a:effectRef>
+          <a:fontRef idx="minor">
+            <a:schemeClr val="lt1"/>
+          </a:fontRef>
+        </p:style>
+        <p:txBody>
+          <a:bodyPr rtlCol="0" anchor="ctr"/>
+          <a:lstStyle/>
+          <a:p>
+            <a:pPr algn="ctr"/>
+          </a:p>
+        </p:txBody>
+      </p:sp>
+      <p:sp>
+        <p:nvSpPr>
+          <p:cNvPr id="12" name="TextBox 11"/>
           <p:cNvSpPr txBox="1"/>
           <p:nvPr/>
         </p:nvSpPr>
         <p:spPr>
           <a:xfrm>
-            <a:off x="640080" y="3291840"/>
-            <a:ext cx="10515600" cy="1005840"/>
+            <a:off x="777240" y="3794760"/>
+            <a:ext cx="10637215" cy="548640"/>
           </a:xfrm>
           <a:prstGeom prst="rect">
             <a:avLst/>
@@ -4263,7 +6863,7 @@
           <a:lstStyle/>
           <a:p>
             <a:pPr algn="l">
-              <a:defRPr sz="1600" b="1">
+              <a:defRPr sz="2000" b="1">
                 <a:solidFill>
                   <a:srgbClr val="1A1A2E"/>
                 </a:solidFill>
@@ -4271,37 +6871,57 @@
               </a:defRPr>
             </a:pPr>
             <a:r>
-              <a:t>★★★★☆  中国AI企業の台頭：Moonshot AIとAlibabaが米国モデルに迫る</a:t>
-            </a:r>
-          </a:p>
-          <a:p>
-            <a:pPr>
-              <a:spcBef>
-                <a:spcPts val="600"/>
-              </a:spcBef>
-              <a:defRPr sz="1300" b="0">
-                <a:solidFill>
-                  <a:srgbClr val="4A4A6A"/>
+              <a:t>★★★★★  AIコード生成が主流化：Microsoft/Google共にコードの25-30%がAI生成</a:t>
+            </a:r>
+          </a:p>
+        </p:txBody>
+      </p:sp>
+      <p:sp>
+        <p:nvSpPr>
+          <p:cNvPr id="13" name="TextBox 12"/>
+          <p:cNvSpPr txBox="1"/>
+          <p:nvPr/>
+        </p:nvSpPr>
+        <p:spPr>
+          <a:xfrm>
+            <a:off x="777240" y="4343400"/>
+            <a:ext cx="10637215" cy="1188720"/>
+          </a:xfrm>
+          <a:prstGeom prst="rect">
+            <a:avLst/>
+          </a:prstGeom>
+          <a:noFill/>
+        </p:spPr>
+        <p:txBody>
+          <a:bodyPr wrap="square">
+            <a:normAutofit/>
+          </a:bodyPr>
+          <a:lstStyle/>
+          <a:p>
+            <a:pPr algn="l">
+              <a:defRPr sz="1600" b="0">
+                <a:solidFill>
+                  <a:srgbClr val="1A1A2E"/>
                 </a:solidFill>
                 <a:latin typeface="Meiryo"/>
               </a:defRPr>
             </a:pPr>
             <a:r>
-              <a:t>中国Moonshot AIがKimi K2.5をリリース、動画生成とエージェント機能を搭載。Alibaba Qwen3-Max-Thinkingがグローバル基準で優位性を示す。中国モデルのリリース遅延が数ヶ月から数週間、時には数日に短縮。シ...</a:t>
-            </a:r>
-          </a:p>
-        </p:txBody>
-      </p:sp>
-      <p:sp>
-        <p:nvSpPr>
-          <p:cNvPr id="7" name="TextBox 6"/>
+              <a:t>AIコード生成がAIの最初の主要ビジネスユースケースとして確立。Microsoftコードの30%、Googleコードの25%以上がAI生成に。OpenAI Codex、Anthropic Coworkプラグイン、GitHub Copilotが開発ワークフローに統合され、ソフトウェア開発の生産性が劇的向上。</a:t>
+            </a:r>
+          </a:p>
+        </p:txBody>
+      </p:sp>
+      <p:sp>
+        <p:nvSpPr>
+          <p:cNvPr id="14" name="TextBox 13"/>
           <p:cNvSpPr txBox="1"/>
           <p:nvPr/>
         </p:nvSpPr>
         <p:spPr>
           <a:xfrm>
-            <a:off x="640080" y="4389120"/>
-            <a:ext cx="10515600" cy="1005840"/>
+            <a:off x="777240" y="5623560"/>
+            <a:ext cx="10637215" cy="274320"/>
           </a:xfrm>
           <a:prstGeom prst="rect">
             <a:avLst/>
@@ -4315,83 +6935,15 @@
           <a:lstStyle/>
           <a:p>
             <a:pPr algn="l">
-              <a:defRPr sz="1600" b="1">
-                <a:solidFill>
-                  <a:srgbClr val="1A1A2E"/>
+              <a:defRPr sz="1100" b="0">
+                <a:solidFill>
+                  <a:srgbClr val="959595"/>
                 </a:solidFill>
                 <a:latin typeface="Meiryo"/>
               </a:defRPr>
             </a:pPr>
             <a:r>
-              <a:t>★★★★☆  量子コンピューティング実用化元年：IBM 2026年に古典超越を宣言</a:t>
-            </a:r>
-          </a:p>
-          <a:p>
-            <a:pPr>
-              <a:spcBef>
-                <a:spcPts val="600"/>
-              </a:spcBef>
-              <a:defRPr sz="1300" b="0">
-                <a:solidFill>
-                  <a:srgbClr val="4A4A6A"/>
-                </a:solidFill>
-                <a:latin typeface="Meiryo"/>
-              </a:defRPr>
-            </a:pPr>
-            <a:r>
-              <a:t>IBMが2026年を量子コンピュータが初めて古典コンピュータを上回る性能を達成する年と公式宣言。MicrosoftがMajorana 1トポロジカル量子ビットチップをリリース、単一チップに数百万量子ビットの搭載が可能なアーキテクチャを実現。...</a:t>
-            </a:r>
-          </a:p>
-        </p:txBody>
-      </p:sp>
-      <p:sp>
-        <p:nvSpPr>
-          <p:cNvPr id="8" name="TextBox 7"/>
-          <p:cNvSpPr txBox="1"/>
-          <p:nvPr/>
-        </p:nvSpPr>
-        <p:spPr>
-          <a:xfrm>
-            <a:off x="640080" y="5486400"/>
-            <a:ext cx="10515600" cy="1005840"/>
-          </a:xfrm>
-          <a:prstGeom prst="rect">
-            <a:avLst/>
-          </a:prstGeom>
-          <a:noFill/>
-        </p:spPr>
-        <p:txBody>
-          <a:bodyPr wrap="square">
-            <a:spAutoFit/>
-          </a:bodyPr>
-          <a:lstStyle/>
-          <a:p>
-            <a:pPr algn="l">
-              <a:defRPr sz="1600" b="1">
-                <a:solidFill>
-                  <a:srgbClr val="1A1A2E"/>
-                </a:solidFill>
-                <a:latin typeface="Meiryo"/>
-              </a:defRPr>
-            </a:pPr>
-            <a:r>
-              <a:t>★★★★☆  エッジAIとオンデバイスAI、2026年に主流化へ</a:t>
-            </a:r>
-          </a:p>
-          <a:p>
-            <a:pPr>
-              <a:spcBef>
-                <a:spcPts val="600"/>
-              </a:spcBef>
-              <a:defRPr sz="1300" b="0">
-                <a:solidFill>
-                  <a:srgbClr val="4A4A6A"/>
-                </a:solidFill>
-                <a:latin typeface="Meiryo"/>
-              </a:defRPr>
-            </a:pPr>
-            <a:r>
-              <a:t>2026年はオンデバイスAIとエッジインテリジェンスが主流化する年。業界はスケールアップ（H200/B200/GB200スーパーチップ）とスケールアウト（エッジ最適化、量子化、小型LLM）の戦略分岐。効率性重視のモデルクラスが純粋なスケーリ...</a:t>
+              <a:t>Business    |    MIT Technology Review</a:t>
             </a:r>
           </a:p>
         </p:txBody>
@@ -4423,13 +6975,13 @@
         <p:spPr>
           <a:xfrm>
             <a:off x="0" y="0"/>
-            <a:ext cx="12191695" cy="822960"/>
+            <a:ext cx="12191695" cy="777240"/>
           </a:xfrm>
           <a:prstGeom prst="rect">
             <a:avLst/>
           </a:prstGeom>
           <a:solidFill>
-            <a:srgbClr val="005BAB"/>
+            <a:srgbClr val="6C757D"/>
           </a:solidFill>
           <a:ln>
             <a:noFill/>
@@ -4465,8 +7017,8 @@
         </p:nvSpPr>
         <p:spPr>
           <a:xfrm>
-            <a:off x="457200" y="91440"/>
-            <a:ext cx="10972800" cy="640080"/>
+            <a:off x="548640" y="137160"/>
+            <a:ext cx="11094415" cy="502920"/>
           </a:xfrm>
           <a:prstGeom prst="rect">
             <a:avLst/>
@@ -4479,8 +7031,8 @@
           </a:bodyPr>
           <a:lstStyle/>
           <a:p>
-            <a:pPr algn="l">
-              <a:defRPr sz="2600" b="1">
+            <a:pPr>
+              <a:defRPr sz="2800" b="1">
                 <a:solidFill>
                   <a:srgbClr val="FFFFFF"/>
                 </a:solidFill>
@@ -4488,7 +7040,7 @@
               </a:defRPr>
             </a:pPr>
             <a:r>
-              <a:t>日本市場動向</a:t>
+              <a:t>Other  (6件) (1/3)</a:t>
             </a:r>
           </a:p>
         </p:txBody>
@@ -4501,8 +7053,132 @@
         </p:nvSpPr>
         <p:spPr>
           <a:xfrm>
-            <a:off x="640080" y="1188720"/>
-            <a:ext cx="10515600" cy="5029200"/>
+            <a:off x="548640" y="6446520"/>
+            <a:ext cx="11094415" cy="320040"/>
+          </a:xfrm>
+          <a:prstGeom prst="rect">
+            <a:avLst/>
+          </a:prstGeom>
+          <a:noFill/>
+        </p:spPr>
+        <p:txBody>
+          <a:bodyPr wrap="none">
+            <a:spAutoFit/>
+          </a:bodyPr>
+          <a:lstStyle/>
+          <a:p>
+            <a:pPr algn="r">
+              <a:defRPr sz="1000">
+                <a:solidFill>
+                  <a:srgbClr val="959595"/>
+                </a:solidFill>
+                <a:latin typeface="Meiryo"/>
+              </a:defRPr>
+            </a:pPr>
+            <a:r>
+              <a:t>AI News Daily Deck  |  2026-02-10  |  Page 6</a:t>
+            </a:r>
+          </a:p>
+        </p:txBody>
+      </p:sp>
+      <p:sp>
+        <p:nvSpPr>
+          <p:cNvPr id="5" name="Rectangle 4"/>
+          <p:cNvSpPr/>
+          <p:nvPr/>
+        </p:nvSpPr>
+        <p:spPr>
+          <a:xfrm>
+            <a:off x="548640" y="1051560"/>
+            <a:ext cx="11094415" cy="2286000"/>
+          </a:xfrm>
+          <a:prstGeom prst="rect">
+            <a:avLst/>
+          </a:prstGeom>
+          <a:solidFill>
+            <a:srgbClr val="F8F9FA"/>
+          </a:solidFill>
+          <a:ln w="6350">
+            <a:solidFill>
+              <a:srgbClr val="E0E0E0"/>
+            </a:solidFill>
+          </a:ln>
+        </p:spPr>
+        <p:style>
+          <a:lnRef idx="1">
+            <a:schemeClr val="accent1"/>
+          </a:lnRef>
+          <a:fillRef idx="3">
+            <a:schemeClr val="accent1"/>
+          </a:fillRef>
+          <a:effectRef idx="2">
+            <a:schemeClr val="accent1"/>
+          </a:effectRef>
+          <a:fontRef idx="minor">
+            <a:schemeClr val="lt1"/>
+          </a:fontRef>
+        </p:style>
+        <p:txBody>
+          <a:bodyPr rtlCol="0" anchor="ctr"/>
+          <a:lstStyle/>
+          <a:p>
+            <a:pPr algn="ctr"/>
+          </a:p>
+        </p:txBody>
+      </p:sp>
+      <p:sp>
+        <p:nvSpPr>
+          <p:cNvPr id="6" name="Rectangle 5"/>
+          <p:cNvSpPr/>
+          <p:nvPr/>
+        </p:nvSpPr>
+        <p:spPr>
+          <a:xfrm>
+            <a:off x="548640" y="1051560"/>
+            <a:ext cx="64008" cy="2286000"/>
+          </a:xfrm>
+          <a:prstGeom prst="rect">
+            <a:avLst/>
+          </a:prstGeom>
+          <a:solidFill>
+            <a:srgbClr val="6C757D"/>
+          </a:solidFill>
+          <a:ln>
+            <a:noFill/>
+          </a:ln>
+        </p:spPr>
+        <p:style>
+          <a:lnRef idx="1">
+            <a:schemeClr val="accent1"/>
+          </a:lnRef>
+          <a:fillRef idx="3">
+            <a:schemeClr val="accent1"/>
+          </a:fillRef>
+          <a:effectRef idx="2">
+            <a:schemeClr val="accent1"/>
+          </a:effectRef>
+          <a:fontRef idx="minor">
+            <a:schemeClr val="lt1"/>
+          </a:fontRef>
+        </p:style>
+        <p:txBody>
+          <a:bodyPr rtlCol="0" anchor="ctr"/>
+          <a:lstStyle/>
+          <a:p>
+            <a:pPr algn="ctr"/>
+          </a:p>
+        </p:txBody>
+      </p:sp>
+      <p:sp>
+        <p:nvSpPr>
+          <p:cNvPr id="7" name="TextBox 6"/>
+          <p:cNvSpPr txBox="1"/>
+          <p:nvPr/>
+        </p:nvSpPr>
+        <p:spPr>
+          <a:xfrm>
+            <a:off x="777240" y="1188720"/>
+            <a:ext cx="10637215" cy="548640"/>
           </a:xfrm>
           <a:prstGeom prst="rect">
             <a:avLst/>
@@ -4516,6 +7192,42 @@
           <a:lstStyle/>
           <a:p>
             <a:pPr algn="l">
+              <a:defRPr sz="2000" b="1">
+                <a:solidFill>
+                  <a:srgbClr val="1A1A2E"/>
+                </a:solidFill>
+                <a:latin typeface="Meiryo"/>
+              </a:defRPr>
+            </a:pPr>
+            <a:r>
+              <a:t>★★★★☆  AI規制：コロラド州法施行を6月に延期、連邦vs州の対立激化</a:t>
+            </a:r>
+          </a:p>
+        </p:txBody>
+      </p:sp>
+      <p:sp>
+        <p:nvSpPr>
+          <p:cNvPr id="8" name="TextBox 7"/>
+          <p:cNvSpPr txBox="1"/>
+          <p:nvPr/>
+        </p:nvSpPr>
+        <p:spPr>
+          <a:xfrm>
+            <a:off x="777240" y="1737360"/>
+            <a:ext cx="10637215" cy="1188720"/>
+          </a:xfrm>
+          <a:prstGeom prst="rect">
+            <a:avLst/>
+          </a:prstGeom>
+          <a:noFill/>
+        </p:spPr>
+        <p:txBody>
+          <a:bodyPr wrap="square">
+            <a:normAutofit/>
+          </a:bodyPr>
+          <a:lstStyle/>
+          <a:p>
+            <a:pPr algn="l">
               <a:defRPr sz="1600" b="0">
                 <a:solidFill>
                   <a:srgbClr val="1A1A2E"/>
@@ -4524,7 +7236,239 @@
               </a:defRPr>
             </a:pPr>
             <a:r>
-              <a:t>日本企業は2026年2月時点でAI投資と実装で米中に大きく後れを取っている。ビッグテックの7000億ドル投資に対し、日本企業の投資規模は桁違いに小さく、独自AIモデル開発でも存在感を示せていない。特にエージェント型AI、量子コンピューティング、AIコード生成などの最先端領域での遅れが顕著。カリフォルニア州やコロラド州のAI規制法は日本の法整備にも影響を与える可能性があり、グローバル展開する日本企業は複数地域の規制対応が必須に。エッジAI・オンデバイスAI領域では、日本の電機メーカーやモバイルチップメーカーが強みを発揮できる可能性があり、ここが突破口となる。AI人材不足も深刻で、AI科学研究パートナー活用による生産性向上が急務。</a:t>
+              <a:t>コロラド州がAI法の施行を2月1日から6月30日に延期。高リスクAIシステムに対するリスク管理とアルゴリズム差別の緩和を義務化。連邦政府は3月11日までに「過度な州法」の評価を公表予定で、州法の先制排除を示唆し連邦vs州の対立が表面化。</a:t>
+            </a:r>
+          </a:p>
+        </p:txBody>
+      </p:sp>
+      <p:sp>
+        <p:nvSpPr>
+          <p:cNvPr id="9" name="TextBox 8"/>
+          <p:cNvSpPr txBox="1"/>
+          <p:nvPr/>
+        </p:nvSpPr>
+        <p:spPr>
+          <a:xfrm>
+            <a:off x="777240" y="3017520"/>
+            <a:ext cx="10637215" cy="274320"/>
+          </a:xfrm>
+          <a:prstGeom prst="rect">
+            <a:avLst/>
+          </a:prstGeom>
+          <a:noFill/>
+        </p:spPr>
+        <p:txBody>
+          <a:bodyPr wrap="square">
+            <a:spAutoFit/>
+          </a:bodyPr>
+          <a:lstStyle/>
+          <a:p>
+            <a:pPr algn="l">
+              <a:defRPr sz="1100" b="0">
+                <a:solidFill>
+                  <a:srgbClr val="959595"/>
+                </a:solidFill>
+                <a:latin typeface="Meiryo"/>
+              </a:defRPr>
+            </a:pPr>
+            <a:r>
+              <a:t>Policy    |    National Law Review</a:t>
+            </a:r>
+          </a:p>
+        </p:txBody>
+      </p:sp>
+      <p:sp>
+        <p:nvSpPr>
+          <p:cNvPr id="10" name="Rectangle 9"/>
+          <p:cNvSpPr/>
+          <p:nvPr/>
+        </p:nvSpPr>
+        <p:spPr>
+          <a:xfrm>
+            <a:off x="548640" y="3657600"/>
+            <a:ext cx="11094415" cy="2286000"/>
+          </a:xfrm>
+          <a:prstGeom prst="rect">
+            <a:avLst/>
+          </a:prstGeom>
+          <a:solidFill>
+            <a:srgbClr val="F8F9FA"/>
+          </a:solidFill>
+          <a:ln w="6350">
+            <a:solidFill>
+              <a:srgbClr val="E0E0E0"/>
+            </a:solidFill>
+          </a:ln>
+        </p:spPr>
+        <p:style>
+          <a:lnRef idx="1">
+            <a:schemeClr val="accent1"/>
+          </a:lnRef>
+          <a:fillRef idx="3">
+            <a:schemeClr val="accent1"/>
+          </a:fillRef>
+          <a:effectRef idx="2">
+            <a:schemeClr val="accent1"/>
+          </a:effectRef>
+          <a:fontRef idx="minor">
+            <a:schemeClr val="lt1"/>
+          </a:fontRef>
+        </p:style>
+        <p:txBody>
+          <a:bodyPr rtlCol="0" anchor="ctr"/>
+          <a:lstStyle/>
+          <a:p>
+            <a:pPr algn="ctr"/>
+          </a:p>
+        </p:txBody>
+      </p:sp>
+      <p:sp>
+        <p:nvSpPr>
+          <p:cNvPr id="11" name="Rectangle 10"/>
+          <p:cNvSpPr/>
+          <p:nvPr/>
+        </p:nvSpPr>
+        <p:spPr>
+          <a:xfrm>
+            <a:off x="548640" y="3657600"/>
+            <a:ext cx="64008" cy="2286000"/>
+          </a:xfrm>
+          <a:prstGeom prst="rect">
+            <a:avLst/>
+          </a:prstGeom>
+          <a:solidFill>
+            <a:srgbClr val="6C757D"/>
+          </a:solidFill>
+          <a:ln>
+            <a:noFill/>
+          </a:ln>
+        </p:spPr>
+        <p:style>
+          <a:lnRef idx="1">
+            <a:schemeClr val="accent1"/>
+          </a:lnRef>
+          <a:fillRef idx="3">
+            <a:schemeClr val="accent1"/>
+          </a:fillRef>
+          <a:effectRef idx="2">
+            <a:schemeClr val="accent1"/>
+          </a:effectRef>
+          <a:fontRef idx="minor">
+            <a:schemeClr val="lt1"/>
+          </a:fontRef>
+        </p:style>
+        <p:txBody>
+          <a:bodyPr rtlCol="0" anchor="ctr"/>
+          <a:lstStyle/>
+          <a:p>
+            <a:pPr algn="ctr"/>
+          </a:p>
+        </p:txBody>
+      </p:sp>
+      <p:sp>
+        <p:nvSpPr>
+          <p:cNvPr id="12" name="TextBox 11"/>
+          <p:cNvSpPr txBox="1"/>
+          <p:nvPr/>
+        </p:nvSpPr>
+        <p:spPr>
+          <a:xfrm>
+            <a:off x="777240" y="3794760"/>
+            <a:ext cx="10637215" cy="548640"/>
+          </a:xfrm>
+          <a:prstGeom prst="rect">
+            <a:avLst/>
+          </a:prstGeom>
+          <a:noFill/>
+        </p:spPr>
+        <p:txBody>
+          <a:bodyPr wrap="square">
+            <a:spAutoFit/>
+          </a:bodyPr>
+          <a:lstStyle/>
+          <a:p>
+            <a:pPr algn="l">
+              <a:defRPr sz="2000" b="1">
+                <a:solidFill>
+                  <a:srgbClr val="1A1A2E"/>
+                </a:solidFill>
+                <a:latin typeface="Meiryo"/>
+              </a:defRPr>
+            </a:pPr>
+            <a:r>
+              <a:t>★★★★☆  AIスタートアップ資金調達ラッシュ：Goodfire 15億ドル評価、Fundamental 2.5億ドル調達</a:t>
+            </a:r>
+          </a:p>
+        </p:txBody>
+      </p:sp>
+      <p:sp>
+        <p:nvSpPr>
+          <p:cNvPr id="13" name="TextBox 12"/>
+          <p:cNvSpPr txBox="1"/>
+          <p:nvPr/>
+        </p:nvSpPr>
+        <p:spPr>
+          <a:xfrm>
+            <a:off x="777240" y="4343400"/>
+            <a:ext cx="10637215" cy="1188720"/>
+          </a:xfrm>
+          <a:prstGeom prst="rect">
+            <a:avLst/>
+          </a:prstGeom>
+          <a:noFill/>
+        </p:spPr>
+        <p:txBody>
+          <a:bodyPr wrap="square">
+            <a:normAutofit/>
+          </a:bodyPr>
+          <a:lstStyle/>
+          <a:p>
+            <a:pPr algn="l">
+              <a:defRPr sz="1600" b="0">
+                <a:solidFill>
+                  <a:srgbClr val="1A1A2E"/>
+                </a:solidFill>
+                <a:latin typeface="Meiryo"/>
+              </a:defRPr>
+            </a:pPr>
+            <a:r>
+              <a:t>2月5日、AI関連スタートアップが大型資金調達を実施。FundamentalがシリーズAで2.5億ドル調達、GoodfireがシリーズBで1.5億ドル調達し評価額12.5億ドルに到達。Tomorrow.ioがDeepSky衛星ネットワーク展開で1.75億ドル調達。X-Humanoidが初回外部資金で1億ドル調達。</a:t>
+            </a:r>
+          </a:p>
+        </p:txBody>
+      </p:sp>
+      <p:sp>
+        <p:nvSpPr>
+          <p:cNvPr id="14" name="TextBox 13"/>
+          <p:cNvSpPr txBox="1"/>
+          <p:nvPr/>
+        </p:nvSpPr>
+        <p:spPr>
+          <a:xfrm>
+            <a:off x="777240" y="5623560"/>
+            <a:ext cx="10637215" cy="274320"/>
+          </a:xfrm>
+          <a:prstGeom prst="rect">
+            <a:avLst/>
+          </a:prstGeom>
+          <a:noFill/>
+        </p:spPr>
+        <p:txBody>
+          <a:bodyPr wrap="square">
+            <a:spAutoFit/>
+          </a:bodyPr>
+          <a:lstStyle/>
+          <a:p>
+            <a:pPr algn="l">
+              <a:defRPr sz="1100" b="0">
+                <a:solidFill>
+                  <a:srgbClr val="959595"/>
+                </a:solidFill>
+                <a:latin typeface="Meiryo"/>
+              </a:defRPr>
+            </a:pPr>
+            <a:r>
+              <a:t>Business    |    Tech Startups</a:t>
             </a:r>
           </a:p>
         </p:txBody>
@@ -4556,13 +7500,13 @@
         <p:spPr>
           <a:xfrm>
             <a:off x="0" y="0"/>
-            <a:ext cx="12191695" cy="822960"/>
+            <a:ext cx="12191695" cy="777240"/>
           </a:xfrm>
           <a:prstGeom prst="rect">
             <a:avLst/>
           </a:prstGeom>
           <a:solidFill>
-            <a:srgbClr val="005BAB"/>
+            <a:srgbClr val="6C757D"/>
           </a:solidFill>
           <a:ln>
             <a:noFill/>
@@ -4598,8 +7542,8 @@
         </p:nvSpPr>
         <p:spPr>
           <a:xfrm>
-            <a:off x="457200" y="91440"/>
-            <a:ext cx="10972800" cy="640080"/>
+            <a:off x="548640" y="137160"/>
+            <a:ext cx="11094415" cy="502920"/>
           </a:xfrm>
           <a:prstGeom prst="rect">
             <a:avLst/>
@@ -4612,116 +7556,448 @@
           </a:bodyPr>
           <a:lstStyle/>
           <a:p>
+            <a:pPr>
+              <a:defRPr sz="2800" b="1">
+                <a:solidFill>
+                  <a:srgbClr val="FFFFFF"/>
+                </a:solidFill>
+                <a:latin typeface="Meiryo"/>
+              </a:defRPr>
+            </a:pPr>
+            <a:r>
+              <a:t>Other  (6件) (2/3)</a:t>
+            </a:r>
+          </a:p>
+        </p:txBody>
+      </p:sp>
+      <p:sp>
+        <p:nvSpPr>
+          <p:cNvPr id="4" name="TextBox 3"/>
+          <p:cNvSpPr txBox="1"/>
+          <p:nvPr/>
+        </p:nvSpPr>
+        <p:spPr>
+          <a:xfrm>
+            <a:off x="548640" y="6446520"/>
+            <a:ext cx="11094415" cy="320040"/>
+          </a:xfrm>
+          <a:prstGeom prst="rect">
+            <a:avLst/>
+          </a:prstGeom>
+          <a:noFill/>
+        </p:spPr>
+        <p:txBody>
+          <a:bodyPr wrap="none">
+            <a:spAutoFit/>
+          </a:bodyPr>
+          <a:lstStyle/>
+          <a:p>
+            <a:pPr algn="r">
+              <a:defRPr sz="1000">
+                <a:solidFill>
+                  <a:srgbClr val="959595"/>
+                </a:solidFill>
+                <a:latin typeface="Meiryo"/>
+              </a:defRPr>
+            </a:pPr>
+            <a:r>
+              <a:t>AI News Daily Deck  |  2026-02-10  |  Page 7</a:t>
+            </a:r>
+          </a:p>
+        </p:txBody>
+      </p:sp>
+      <p:sp>
+        <p:nvSpPr>
+          <p:cNvPr id="5" name="Rectangle 4"/>
+          <p:cNvSpPr/>
+          <p:nvPr/>
+        </p:nvSpPr>
+        <p:spPr>
+          <a:xfrm>
+            <a:off x="548640" y="1051560"/>
+            <a:ext cx="11094415" cy="2286000"/>
+          </a:xfrm>
+          <a:prstGeom prst="rect">
+            <a:avLst/>
+          </a:prstGeom>
+          <a:solidFill>
+            <a:srgbClr val="F8F9FA"/>
+          </a:solidFill>
+          <a:ln w="6350">
+            <a:solidFill>
+              <a:srgbClr val="E0E0E0"/>
+            </a:solidFill>
+          </a:ln>
+        </p:spPr>
+        <p:style>
+          <a:lnRef idx="1">
+            <a:schemeClr val="accent1"/>
+          </a:lnRef>
+          <a:fillRef idx="3">
+            <a:schemeClr val="accent1"/>
+          </a:fillRef>
+          <a:effectRef idx="2">
+            <a:schemeClr val="accent1"/>
+          </a:effectRef>
+          <a:fontRef idx="minor">
+            <a:schemeClr val="lt1"/>
+          </a:fontRef>
+        </p:style>
+        <p:txBody>
+          <a:bodyPr rtlCol="0" anchor="ctr"/>
+          <a:lstStyle/>
+          <a:p>
+            <a:pPr algn="ctr"/>
+          </a:p>
+        </p:txBody>
+      </p:sp>
+      <p:sp>
+        <p:nvSpPr>
+          <p:cNvPr id="6" name="Rectangle 5"/>
+          <p:cNvSpPr/>
+          <p:nvPr/>
+        </p:nvSpPr>
+        <p:spPr>
+          <a:xfrm>
+            <a:off x="548640" y="1051560"/>
+            <a:ext cx="64008" cy="2286000"/>
+          </a:xfrm>
+          <a:prstGeom prst="rect">
+            <a:avLst/>
+          </a:prstGeom>
+          <a:solidFill>
+            <a:srgbClr val="6C757D"/>
+          </a:solidFill>
+          <a:ln>
+            <a:noFill/>
+          </a:ln>
+        </p:spPr>
+        <p:style>
+          <a:lnRef idx="1">
+            <a:schemeClr val="accent1"/>
+          </a:lnRef>
+          <a:fillRef idx="3">
+            <a:schemeClr val="accent1"/>
+          </a:fillRef>
+          <a:effectRef idx="2">
+            <a:schemeClr val="accent1"/>
+          </a:effectRef>
+          <a:fontRef idx="minor">
+            <a:schemeClr val="lt1"/>
+          </a:fontRef>
+        </p:style>
+        <p:txBody>
+          <a:bodyPr rtlCol="0" anchor="ctr"/>
+          <a:lstStyle/>
+          <a:p>
+            <a:pPr algn="ctr"/>
+          </a:p>
+        </p:txBody>
+      </p:sp>
+      <p:sp>
+        <p:nvSpPr>
+          <p:cNvPr id="7" name="TextBox 6"/>
+          <p:cNvSpPr txBox="1"/>
+          <p:nvPr/>
+        </p:nvSpPr>
+        <p:spPr>
+          <a:xfrm>
+            <a:off x="777240" y="1188720"/>
+            <a:ext cx="10637215" cy="548640"/>
+          </a:xfrm>
+          <a:prstGeom prst="rect">
+            <a:avLst/>
+          </a:prstGeom>
+          <a:noFill/>
+        </p:spPr>
+        <p:txBody>
+          <a:bodyPr wrap="square">
+            <a:spAutoFit/>
+          </a:bodyPr>
+          <a:lstStyle/>
+          <a:p>
             <a:pPr algn="l">
-              <a:defRPr sz="2600" b="1">
-                <a:solidFill>
-                  <a:srgbClr val="FFFFFF"/>
+              <a:defRPr sz="2000" b="1">
+                <a:solidFill>
+                  <a:srgbClr val="1A1A2E"/>
                 </a:solidFill>
                 <a:latin typeface="Meiryo"/>
               </a:defRPr>
             </a:pPr>
             <a:r>
-              <a:t>インフォグラフィック</a:t>
-            </a:r>
-          </a:p>
-        </p:txBody>
-      </p:sp>
-      <p:pic>
-        <p:nvPicPr>
-          <p:cNvPr id="4" name="Picture 3" descr="company_bar.png"/>
-          <p:cNvPicPr>
-            <a:picLocks noChangeAspect="1"/>
-          </p:cNvPicPr>
-          <p:nvPr/>
-        </p:nvPicPr>
-        <p:blipFill>
-          <a:blip r:embed="rId2"/>
-          <a:stretch>
-            <a:fillRect/>
-          </a:stretch>
-        </p:blipFill>
-        <p:spPr>
-          <a:xfrm>
-            <a:off x="274320" y="1005840"/>
-            <a:ext cx="5760720" cy="2743200"/>
-          </a:xfrm>
-          <a:prstGeom prst="rect">
-            <a:avLst/>
-          </a:prstGeom>
-        </p:spPr>
-      </p:pic>
-      <p:pic>
-        <p:nvPicPr>
-          <p:cNvPr id="5" name="Picture 4" descr="wordcloud.png"/>
-          <p:cNvPicPr>
-            <a:picLocks noChangeAspect="1"/>
-          </p:cNvPicPr>
-          <p:nvPr/>
-        </p:nvPicPr>
-        <p:blipFill>
-          <a:blip r:embed="rId3"/>
-          <a:stretch>
-            <a:fillRect/>
-          </a:stretch>
-        </p:blipFill>
-        <p:spPr>
-          <a:xfrm>
-            <a:off x="6217920" y="1005840"/>
-            <a:ext cx="5760720" cy="2743200"/>
-          </a:xfrm>
-          <a:prstGeom prst="rect">
-            <a:avLst/>
-          </a:prstGeom>
-        </p:spPr>
-      </p:pic>
-      <p:pic>
-        <p:nvPicPr>
-          <p:cNvPr id="6" name="Picture 5" descr="category_radar.png"/>
-          <p:cNvPicPr>
-            <a:picLocks noChangeAspect="1"/>
-          </p:cNvPicPr>
-          <p:nvPr/>
-        </p:nvPicPr>
-        <p:blipFill>
-          <a:blip r:embed="rId4"/>
-          <a:stretch>
-            <a:fillRect/>
-          </a:stretch>
-        </p:blipFill>
-        <p:spPr>
-          <a:xfrm>
-            <a:off x="274320" y="3931920"/>
-            <a:ext cx="5760720" cy="2743200"/>
-          </a:xfrm>
-          <a:prstGeom prst="rect">
-            <a:avLst/>
-          </a:prstGeom>
-        </p:spPr>
-      </p:pic>
-      <p:pic>
-        <p:nvPicPr>
-          <p:cNvPr id="7" name="Picture 6" descr="importance_timeline.png"/>
-          <p:cNvPicPr>
-            <a:picLocks noChangeAspect="1"/>
-          </p:cNvPicPr>
-          <p:nvPr/>
-        </p:nvPicPr>
-        <p:blipFill>
-          <a:blip r:embed="rId5"/>
-          <a:stretch>
-            <a:fillRect/>
-          </a:stretch>
-        </p:blipFill>
-        <p:spPr>
-          <a:xfrm>
-            <a:off x="6217920" y="3931920"/>
-            <a:ext cx="5760720" cy="2743200"/>
-          </a:xfrm>
-          <a:prstGeom prst="rect">
-            <a:avLst/>
-          </a:prstGeom>
-        </p:spPr>
-      </p:pic>
+              <a:t>★★★★☆  中国AI企業の台頭：Moonshot AIとAlibabaが米国モデルに迫る</a:t>
+            </a:r>
+          </a:p>
+        </p:txBody>
+      </p:sp>
+      <p:sp>
+        <p:nvSpPr>
+          <p:cNvPr id="8" name="TextBox 7"/>
+          <p:cNvSpPr txBox="1"/>
+          <p:nvPr/>
+        </p:nvSpPr>
+        <p:spPr>
+          <a:xfrm>
+            <a:off x="777240" y="1737360"/>
+            <a:ext cx="10637215" cy="1188720"/>
+          </a:xfrm>
+          <a:prstGeom prst="rect">
+            <a:avLst/>
+          </a:prstGeom>
+          <a:noFill/>
+        </p:spPr>
+        <p:txBody>
+          <a:bodyPr wrap="square">
+            <a:normAutofit/>
+          </a:bodyPr>
+          <a:lstStyle/>
+          <a:p>
+            <a:pPr algn="l">
+              <a:defRPr sz="1600" b="0">
+                <a:solidFill>
+                  <a:srgbClr val="1A1A2E"/>
+                </a:solidFill>
+                <a:latin typeface="Meiryo"/>
+              </a:defRPr>
+            </a:pPr>
+            <a:r>
+              <a:t>中国Moonshot AIがKimi K2.5をリリース、動画生成とエージェント機能を搭載。Alibaba Qwen3-Max-Thinkingがグローバル基準で優位性を示す。中国モデルのリリース遅延が数ヶ月から数週間、時には数日に短縮。シリコンバレー企業が密かに中国オープンソースモデルを採用開始。</a:t>
+            </a:r>
+          </a:p>
+        </p:txBody>
+      </p:sp>
+      <p:sp>
+        <p:nvSpPr>
+          <p:cNvPr id="9" name="TextBox 8"/>
+          <p:cNvSpPr txBox="1"/>
+          <p:nvPr/>
+        </p:nvSpPr>
+        <p:spPr>
+          <a:xfrm>
+            <a:off x="777240" y="3017520"/>
+            <a:ext cx="10637215" cy="274320"/>
+          </a:xfrm>
+          <a:prstGeom prst="rect">
+            <a:avLst/>
+          </a:prstGeom>
+          <a:noFill/>
+        </p:spPr>
+        <p:txBody>
+          <a:bodyPr wrap="square">
+            <a:spAutoFit/>
+          </a:bodyPr>
+          <a:lstStyle/>
+          <a:p>
+            <a:pPr algn="l">
+              <a:defRPr sz="1100" b="0">
+                <a:solidFill>
+                  <a:srgbClr val="959595"/>
+                </a:solidFill>
+                <a:latin typeface="Meiryo"/>
+              </a:defRPr>
+            </a:pPr>
+            <a:r>
+              <a:t>LLM    |    LLM Stats</a:t>
+            </a:r>
+          </a:p>
+        </p:txBody>
+      </p:sp>
+      <p:sp>
+        <p:nvSpPr>
+          <p:cNvPr id="10" name="Rectangle 9"/>
+          <p:cNvSpPr/>
+          <p:nvPr/>
+        </p:nvSpPr>
+        <p:spPr>
+          <a:xfrm>
+            <a:off x="548640" y="3657600"/>
+            <a:ext cx="11094415" cy="2286000"/>
+          </a:xfrm>
+          <a:prstGeom prst="rect">
+            <a:avLst/>
+          </a:prstGeom>
+          <a:solidFill>
+            <a:srgbClr val="F8F9FA"/>
+          </a:solidFill>
+          <a:ln w="6350">
+            <a:solidFill>
+              <a:srgbClr val="E0E0E0"/>
+            </a:solidFill>
+          </a:ln>
+        </p:spPr>
+        <p:style>
+          <a:lnRef idx="1">
+            <a:schemeClr val="accent1"/>
+          </a:lnRef>
+          <a:fillRef idx="3">
+            <a:schemeClr val="accent1"/>
+          </a:fillRef>
+          <a:effectRef idx="2">
+            <a:schemeClr val="accent1"/>
+          </a:effectRef>
+          <a:fontRef idx="minor">
+            <a:schemeClr val="lt1"/>
+          </a:fontRef>
+        </p:style>
+        <p:txBody>
+          <a:bodyPr rtlCol="0" anchor="ctr"/>
+          <a:lstStyle/>
+          <a:p>
+            <a:pPr algn="ctr"/>
+          </a:p>
+        </p:txBody>
+      </p:sp>
+      <p:sp>
+        <p:nvSpPr>
+          <p:cNvPr id="11" name="Rectangle 10"/>
+          <p:cNvSpPr/>
+          <p:nvPr/>
+        </p:nvSpPr>
+        <p:spPr>
+          <a:xfrm>
+            <a:off x="548640" y="3657600"/>
+            <a:ext cx="64008" cy="2286000"/>
+          </a:xfrm>
+          <a:prstGeom prst="rect">
+            <a:avLst/>
+          </a:prstGeom>
+          <a:solidFill>
+            <a:srgbClr val="6C757D"/>
+          </a:solidFill>
+          <a:ln>
+            <a:noFill/>
+          </a:ln>
+        </p:spPr>
+        <p:style>
+          <a:lnRef idx="1">
+            <a:schemeClr val="accent1"/>
+          </a:lnRef>
+          <a:fillRef idx="3">
+            <a:schemeClr val="accent1"/>
+          </a:fillRef>
+          <a:effectRef idx="2">
+            <a:schemeClr val="accent1"/>
+          </a:effectRef>
+          <a:fontRef idx="minor">
+            <a:schemeClr val="lt1"/>
+          </a:fontRef>
+        </p:style>
+        <p:txBody>
+          <a:bodyPr rtlCol="0" anchor="ctr"/>
+          <a:lstStyle/>
+          <a:p>
+            <a:pPr algn="ctr"/>
+          </a:p>
+        </p:txBody>
+      </p:sp>
+      <p:sp>
+        <p:nvSpPr>
+          <p:cNvPr id="12" name="TextBox 11"/>
+          <p:cNvSpPr txBox="1"/>
+          <p:nvPr/>
+        </p:nvSpPr>
+        <p:spPr>
+          <a:xfrm>
+            <a:off x="777240" y="3794760"/>
+            <a:ext cx="10637215" cy="548640"/>
+          </a:xfrm>
+          <a:prstGeom prst="rect">
+            <a:avLst/>
+          </a:prstGeom>
+          <a:noFill/>
+        </p:spPr>
+        <p:txBody>
+          <a:bodyPr wrap="square">
+            <a:spAutoFit/>
+          </a:bodyPr>
+          <a:lstStyle/>
+          <a:p>
+            <a:pPr algn="l">
+              <a:defRPr sz="2000" b="1">
+                <a:solidFill>
+                  <a:srgbClr val="1A1A2E"/>
+                </a:solidFill>
+                <a:latin typeface="Meiryo"/>
+              </a:defRPr>
+            </a:pPr>
+            <a:r>
+              <a:t>★★★★☆  量子コンピューティング実用化元年：IBM 2026年に古典超越を宣言</a:t>
+            </a:r>
+          </a:p>
+        </p:txBody>
+      </p:sp>
+      <p:sp>
+        <p:nvSpPr>
+          <p:cNvPr id="13" name="TextBox 12"/>
+          <p:cNvSpPr txBox="1"/>
+          <p:nvPr/>
+        </p:nvSpPr>
+        <p:spPr>
+          <a:xfrm>
+            <a:off x="777240" y="4343400"/>
+            <a:ext cx="10637215" cy="1188720"/>
+          </a:xfrm>
+          <a:prstGeom prst="rect">
+            <a:avLst/>
+          </a:prstGeom>
+          <a:noFill/>
+        </p:spPr>
+        <p:txBody>
+          <a:bodyPr wrap="square">
+            <a:normAutofit/>
+          </a:bodyPr>
+          <a:lstStyle/>
+          <a:p>
+            <a:pPr algn="l">
+              <a:defRPr sz="1600" b="0">
+                <a:solidFill>
+                  <a:srgbClr val="1A1A2E"/>
+                </a:solidFill>
+                <a:latin typeface="Meiryo"/>
+              </a:defRPr>
+            </a:pPr>
+            <a:r>
+              <a:t>IBMが2026年を量子コンピュータが初めて古典コンピュータを上回る性能を達成する年と公式宣言。MicrosoftがMajorana 1トポロジカル量子ビットチップをリリース、単一チップに数百万量子ビットの搭載が可能なアーキテクチャを実現。AIと量子の融合が加速。</a:t>
+            </a:r>
+          </a:p>
+        </p:txBody>
+      </p:sp>
+      <p:sp>
+        <p:nvSpPr>
+          <p:cNvPr id="14" name="TextBox 13"/>
+          <p:cNvSpPr txBox="1"/>
+          <p:nvPr/>
+        </p:nvSpPr>
+        <p:spPr>
+          <a:xfrm>
+            <a:off x="777240" y="5623560"/>
+            <a:ext cx="10637215" cy="274320"/>
+          </a:xfrm>
+          <a:prstGeom prst="rect">
+            <a:avLst/>
+          </a:prstGeom>
+          <a:noFill/>
+        </p:spPr>
+        <p:txBody>
+          <a:bodyPr wrap="square">
+            <a:spAutoFit/>
+          </a:bodyPr>
+          <a:lstStyle/>
+          <a:p>
+            <a:pPr algn="l">
+              <a:defRPr sz="1100" b="0">
+                <a:solidFill>
+                  <a:srgbClr val="959595"/>
+                </a:solidFill>
+                <a:latin typeface="Meiryo"/>
+              </a:defRPr>
+            </a:pPr>
+            <a:r>
+              <a:t>Business    |    MIT Technology Review</a:t>
+            </a:r>
+          </a:p>
+        </p:txBody>
+      </p:sp>
     </p:spTree>
   </p:cSld>
   <p:clrMapOvr>
@@ -4749,13 +8025,13 @@
         <p:spPr>
           <a:xfrm>
             <a:off x="0" y="0"/>
-            <a:ext cx="12191695" cy="822960"/>
+            <a:ext cx="12191695" cy="777240"/>
           </a:xfrm>
           <a:prstGeom prst="rect">
             <a:avLst/>
           </a:prstGeom>
           <a:solidFill>
-            <a:srgbClr val="005BAB"/>
+            <a:srgbClr val="6C757D"/>
           </a:solidFill>
           <a:ln>
             <a:noFill/>
@@ -4791,8 +8067,8 @@
         </p:nvSpPr>
         <p:spPr>
           <a:xfrm>
-            <a:off x="457200" y="91440"/>
-            <a:ext cx="10972800" cy="640080"/>
+            <a:off x="548640" y="137160"/>
+            <a:ext cx="11094415" cy="502920"/>
           </a:xfrm>
           <a:prstGeom prst="rect">
             <a:avLst/>
@@ -4805,8 +8081,8 @@
           </a:bodyPr>
           <a:lstStyle/>
           <a:p>
-            <a:pPr algn="l">
-              <a:defRPr sz="2600" b="1">
+            <a:pPr>
+              <a:defRPr sz="2800" b="1">
                 <a:solidFill>
                   <a:srgbClr val="FFFFFF"/>
                 </a:solidFill>
@@ -4814,7 +8090,7 @@
               </a:defRPr>
             </a:pPr>
             <a:r>
-              <a:t>Sources (引用元一覧)</a:t>
+              <a:t>Other  (6件) (3/3)</a:t>
             </a:r>
           </a:p>
         </p:txBody>
@@ -4827,8 +8103,132 @@
         </p:nvSpPr>
         <p:spPr>
           <a:xfrm>
-            <a:off x="640080" y="1097280"/>
-            <a:ext cx="10515600" cy="5303520"/>
+            <a:off x="548640" y="6446520"/>
+            <a:ext cx="11094415" cy="320040"/>
+          </a:xfrm>
+          <a:prstGeom prst="rect">
+            <a:avLst/>
+          </a:prstGeom>
+          <a:noFill/>
+        </p:spPr>
+        <p:txBody>
+          <a:bodyPr wrap="none">
+            <a:spAutoFit/>
+          </a:bodyPr>
+          <a:lstStyle/>
+          <a:p>
+            <a:pPr algn="r">
+              <a:defRPr sz="1000">
+                <a:solidFill>
+                  <a:srgbClr val="959595"/>
+                </a:solidFill>
+                <a:latin typeface="Meiryo"/>
+              </a:defRPr>
+            </a:pPr>
+            <a:r>
+              <a:t>AI News Daily Deck  |  2026-02-10  |  Page 8</a:t>
+            </a:r>
+          </a:p>
+        </p:txBody>
+      </p:sp>
+      <p:sp>
+        <p:nvSpPr>
+          <p:cNvPr id="5" name="Rectangle 4"/>
+          <p:cNvSpPr/>
+          <p:nvPr/>
+        </p:nvSpPr>
+        <p:spPr>
+          <a:xfrm>
+            <a:off x="548640" y="1051560"/>
+            <a:ext cx="11094415" cy="2286000"/>
+          </a:xfrm>
+          <a:prstGeom prst="rect">
+            <a:avLst/>
+          </a:prstGeom>
+          <a:solidFill>
+            <a:srgbClr val="F8F9FA"/>
+          </a:solidFill>
+          <a:ln w="6350">
+            <a:solidFill>
+              <a:srgbClr val="E0E0E0"/>
+            </a:solidFill>
+          </a:ln>
+        </p:spPr>
+        <p:style>
+          <a:lnRef idx="1">
+            <a:schemeClr val="accent1"/>
+          </a:lnRef>
+          <a:fillRef idx="3">
+            <a:schemeClr val="accent1"/>
+          </a:fillRef>
+          <a:effectRef idx="2">
+            <a:schemeClr val="accent1"/>
+          </a:effectRef>
+          <a:fontRef idx="minor">
+            <a:schemeClr val="lt1"/>
+          </a:fontRef>
+        </p:style>
+        <p:txBody>
+          <a:bodyPr rtlCol="0" anchor="ctr"/>
+          <a:lstStyle/>
+          <a:p>
+            <a:pPr algn="ctr"/>
+          </a:p>
+        </p:txBody>
+      </p:sp>
+      <p:sp>
+        <p:nvSpPr>
+          <p:cNvPr id="6" name="Rectangle 5"/>
+          <p:cNvSpPr/>
+          <p:nvPr/>
+        </p:nvSpPr>
+        <p:spPr>
+          <a:xfrm>
+            <a:off x="548640" y="1051560"/>
+            <a:ext cx="64008" cy="2286000"/>
+          </a:xfrm>
+          <a:prstGeom prst="rect">
+            <a:avLst/>
+          </a:prstGeom>
+          <a:solidFill>
+            <a:srgbClr val="6C757D"/>
+          </a:solidFill>
+          <a:ln>
+            <a:noFill/>
+          </a:ln>
+        </p:spPr>
+        <p:style>
+          <a:lnRef idx="1">
+            <a:schemeClr val="accent1"/>
+          </a:lnRef>
+          <a:fillRef idx="3">
+            <a:schemeClr val="accent1"/>
+          </a:fillRef>
+          <a:effectRef idx="2">
+            <a:schemeClr val="accent1"/>
+          </a:effectRef>
+          <a:fontRef idx="minor">
+            <a:schemeClr val="lt1"/>
+          </a:fontRef>
+        </p:style>
+        <p:txBody>
+          <a:bodyPr rtlCol="0" anchor="ctr"/>
+          <a:lstStyle/>
+          <a:p>
+            <a:pPr algn="ctr"/>
+          </a:p>
+        </p:txBody>
+      </p:sp>
+      <p:sp>
+        <p:nvSpPr>
+          <p:cNvPr id="7" name="TextBox 6"/>
+          <p:cNvSpPr txBox="1"/>
+          <p:nvPr/>
+        </p:nvSpPr>
+        <p:spPr>
+          <a:xfrm>
+            <a:off x="777240" y="1188720"/>
+            <a:ext cx="10637215" cy="548640"/>
           </a:xfrm>
           <a:prstGeom prst="rect">
             <a:avLst/>
@@ -4842,186 +8242,65 @@
           <a:lstStyle/>
           <a:p>
             <a:pPr algn="l">
-              <a:defRPr sz="1100" b="0">
-                <a:solidFill>
-                  <a:srgbClr val="4A4A6A"/>
+              <a:defRPr sz="2000" b="1">
+                <a:solidFill>
+                  <a:srgbClr val="1A1A2E"/>
                 </a:solidFill>
                 <a:latin typeface="Meiryo"/>
               </a:defRPr>
             </a:pPr>
-          </a:p>
-          <a:p>
-            <a:pPr>
-              <a:spcBef>
-                <a:spcPts val="300"/>
-              </a:spcBef>
-              <a:defRPr sz="1100" b="0">
-                <a:solidFill>
-                  <a:srgbClr val="4A4A6A"/>
+            <a:r>
+              <a:t>★★★★☆  エッジAIとオンデバイスAI、2026年に主流化へ</a:t>
+            </a:r>
+          </a:p>
+        </p:txBody>
+      </p:sp>
+      <p:sp>
+        <p:nvSpPr>
+          <p:cNvPr id="8" name="TextBox 7"/>
+          <p:cNvSpPr txBox="1"/>
+          <p:nvPr/>
+        </p:nvSpPr>
+        <p:spPr>
+          <a:xfrm>
+            <a:off x="777240" y="1737360"/>
+            <a:ext cx="10637215" cy="1188720"/>
+          </a:xfrm>
+          <a:prstGeom prst="rect">
+            <a:avLst/>
+          </a:prstGeom>
+          <a:noFill/>
+        </p:spPr>
+        <p:txBody>
+          <a:bodyPr wrap="square">
+            <a:normAutofit/>
+          </a:bodyPr>
+          <a:lstStyle/>
+          <a:p>
+            <a:pPr algn="l">
+              <a:defRPr sz="1600" b="0">
+                <a:solidFill>
+                  <a:srgbClr val="1A1A2E"/>
                 </a:solidFill>
                 <a:latin typeface="Meiryo"/>
               </a:defRPr>
             </a:pPr>
             <a:r>
-              <a:t>MIT Technology Review: https://www.technologyreview.com/2026/01/12/1130027/generative-coding-ai-software-2026-breakthrough-technology</a:t>
-            </a:r>
-          </a:p>
-          <a:p>
-            <a:pPr>
-              <a:spcBef>
-                <a:spcPts val="300"/>
-              </a:spcBef>
-              <a:defRPr sz="1100" b="0">
-                <a:solidFill>
-                  <a:srgbClr val="4A4A6A"/>
-                </a:solidFill>
-                <a:latin typeface="Meiryo"/>
-              </a:defRPr>
-            </a:pPr>
-            <a:r>
-              <a:t>LLM Stats: https://llm-stats.com/llm-updates</a:t>
-            </a:r>
-          </a:p>
-          <a:p>
-            <a:pPr>
-              <a:spcBef>
-                <a:spcPts val="300"/>
-              </a:spcBef>
-              <a:defRPr sz="1100" b="0">
-                <a:solidFill>
-                  <a:srgbClr val="4A4A6A"/>
-                </a:solidFill>
-                <a:latin typeface="Meiryo"/>
-              </a:defRPr>
-            </a:pPr>
-            <a:r>
-              <a:t>Axios: https://www.axios.com/2026/02/06/amazon-microsoft-meta-ai-investment</a:t>
-            </a:r>
-          </a:p>
-          <a:p>
-            <a:pPr>
-              <a:spcBef>
-                <a:spcPts val="300"/>
-              </a:spcBef>
-              <a:defRPr sz="1100" b="0">
-                <a:solidFill>
-                  <a:srgbClr val="4A4A6A"/>
-                </a:solidFill>
-                <a:latin typeface="Meiryo"/>
-              </a:defRPr>
-            </a:pPr>
-            <a:r>
-              <a:t>National Law Review: https://natlawreview.com/article/2026-outlook-artificial-intelligence</a:t>
-            </a:r>
-          </a:p>
-          <a:p>
-            <a:pPr>
-              <a:spcBef>
-                <a:spcPts val="300"/>
-              </a:spcBef>
-              <a:defRPr sz="1100" b="0">
-                <a:solidFill>
-                  <a:srgbClr val="4A4A6A"/>
-                </a:solidFill>
-                <a:latin typeface="Meiryo"/>
-              </a:defRPr>
-            </a:pPr>
-            <a:r>
-              <a:t>Tech Startups: https://techstartups.com/2026/02/05/top-startup-and-tech-funding-news-february-5-2025/</a:t>
-            </a:r>
-          </a:p>
-          <a:p>
-            <a:pPr>
-              <a:spcBef>
-                <a:spcPts val="300"/>
-              </a:spcBef>
-              <a:defRPr sz="1100" b="0">
-                <a:solidFill>
-                  <a:srgbClr val="4A4A6A"/>
-                </a:solidFill>
-                <a:latin typeface="Meiryo"/>
-              </a:defRPr>
-            </a:pPr>
-            <a:r>
-              <a:t>MIT Sloan Management Review: https://sloanreview.mit.edu/article/five-trends-in-ai-and-data-science-for-2026/</a:t>
-            </a:r>
-          </a:p>
-          <a:p>
-            <a:pPr>
-              <a:spcBef>
-                <a:spcPts val="300"/>
-              </a:spcBef>
-              <a:defRPr sz="1100" b="0">
-                <a:solidFill>
-                  <a:srgbClr val="4A4A6A"/>
-                </a:solidFill>
-                <a:latin typeface="Meiryo"/>
-              </a:defRPr>
-            </a:pPr>
-            <a:r>
-              <a:t>TechCrunch: https://techcrunch.com/2026/02/05/openai-launches-new-agentic-coding-model-only-minutes-after-anthropic-drops-its-own/</a:t>
-            </a:r>
-          </a:p>
-          <a:p>
-            <a:pPr>
-              <a:spcBef>
-                <a:spcPts val="300"/>
-              </a:spcBef>
-              <a:defRPr sz="1100" b="0">
-                <a:solidFill>
-                  <a:srgbClr val="4A4A6A"/>
-                </a:solidFill>
-                <a:latin typeface="Meiryo"/>
-              </a:defRPr>
-            </a:pPr>
-            <a:r>
-              <a:t>MIT Technology Review: https://www.technologyreview.com/2026/01/05/1130662/whats-next-for-ai-in-2026/</a:t>
-            </a:r>
-          </a:p>
-          <a:p>
-            <a:pPr>
-              <a:spcBef>
-                <a:spcPts val="300"/>
-              </a:spcBef>
-              <a:defRPr sz="1100" b="0">
-                <a:solidFill>
-                  <a:srgbClr val="4A4A6A"/>
-                </a:solidFill>
-                <a:latin typeface="Meiryo"/>
-              </a:defRPr>
-            </a:pPr>
-            <a:r>
-              <a:t>CNN Business: https://www.cnn.com/2026/02/05/tech/anthropic-opus-update-software-stocks</a:t>
-            </a:r>
-          </a:p>
-          <a:p>
-            <a:pPr>
-              <a:spcBef>
-                <a:spcPts val="300"/>
-              </a:spcBef>
-              <a:defRPr sz="1100" b="0">
-                <a:solidFill>
-                  <a:srgbClr val="4A4A6A"/>
-                </a:solidFill>
-                <a:latin typeface="Meiryo"/>
-              </a:defRPr>
-            </a:pPr>
-            <a:r>
-              <a:t>IBM: https://www.ibm.com/think/news/ai-tech-trends-predictions-2026</a:t>
-            </a:r>
-          </a:p>
-        </p:txBody>
-      </p:sp>
-      <p:sp>
-        <p:nvSpPr>
-          <p:cNvPr id="5" name="TextBox 4"/>
+              <a:t>2026年はオンデバイスAIとエッジインテリジェンスが主流化する年。業界はスケールアップ（H200/B200/GB200スーパーチップ）とスケールアウト（エッジ最適化、量子化、小型LLM）の戦略分岐。効率性重視のモデルクラスが純粋なスケーリングを上回る重要性。</a:t>
+            </a:r>
+          </a:p>
+        </p:txBody>
+      </p:sp>
+      <p:sp>
+        <p:nvSpPr>
+          <p:cNvPr id="9" name="TextBox 8"/>
           <p:cNvSpPr txBox="1"/>
           <p:nvPr/>
         </p:nvSpPr>
         <p:spPr>
           <a:xfrm>
-            <a:off x="914400" y="6400800"/>
-            <a:ext cx="10058400" cy="365760"/>
+            <a:off x="777240" y="3017520"/>
+            <a:ext cx="10637215" cy="274320"/>
           </a:xfrm>
           <a:prstGeom prst="rect">
             <a:avLst/>
@@ -5034,16 +8313,212 @@
           </a:bodyPr>
           <a:lstStyle/>
           <a:p>
-            <a:pPr algn="ctr">
-              <a:defRPr sz="1000" b="0">
-                <a:solidFill>
-                  <a:srgbClr val="4A4A6A"/>
+            <a:pPr algn="l">
+              <a:defRPr sz="1100" b="0">
+                <a:solidFill>
+                  <a:srgbClr val="959595"/>
                 </a:solidFill>
                 <a:latin typeface="Meiryo"/>
               </a:defRPr>
             </a:pPr>
             <a:r>
-              <a:t>AI News Daily Deck - Generated by Claude Code | 情報の正確性は各ソースをご確認ください</a:t>
+              <a:t>Business    |    IBM</a:t>
+            </a:r>
+          </a:p>
+        </p:txBody>
+      </p:sp>
+      <p:sp>
+        <p:nvSpPr>
+          <p:cNvPr id="10" name="Rectangle 9"/>
+          <p:cNvSpPr/>
+          <p:nvPr/>
+        </p:nvSpPr>
+        <p:spPr>
+          <a:xfrm>
+            <a:off x="548640" y="3657600"/>
+            <a:ext cx="11094415" cy="2286000"/>
+          </a:xfrm>
+          <a:prstGeom prst="rect">
+            <a:avLst/>
+          </a:prstGeom>
+          <a:solidFill>
+            <a:srgbClr val="F8F9FA"/>
+          </a:solidFill>
+          <a:ln w="6350">
+            <a:solidFill>
+              <a:srgbClr val="E0E0E0"/>
+            </a:solidFill>
+          </a:ln>
+        </p:spPr>
+        <p:style>
+          <a:lnRef idx="1">
+            <a:schemeClr val="accent1"/>
+          </a:lnRef>
+          <a:fillRef idx="3">
+            <a:schemeClr val="accent1"/>
+          </a:fillRef>
+          <a:effectRef idx="2">
+            <a:schemeClr val="accent1"/>
+          </a:effectRef>
+          <a:fontRef idx="minor">
+            <a:schemeClr val="lt1"/>
+          </a:fontRef>
+        </p:style>
+        <p:txBody>
+          <a:bodyPr rtlCol="0" anchor="ctr"/>
+          <a:lstStyle/>
+          <a:p>
+            <a:pPr algn="ctr"/>
+          </a:p>
+        </p:txBody>
+      </p:sp>
+      <p:sp>
+        <p:nvSpPr>
+          <p:cNvPr id="11" name="Rectangle 10"/>
+          <p:cNvSpPr/>
+          <p:nvPr/>
+        </p:nvSpPr>
+        <p:spPr>
+          <a:xfrm>
+            <a:off x="548640" y="3657600"/>
+            <a:ext cx="64008" cy="2286000"/>
+          </a:xfrm>
+          <a:prstGeom prst="rect">
+            <a:avLst/>
+          </a:prstGeom>
+          <a:solidFill>
+            <a:srgbClr val="6C757D"/>
+          </a:solidFill>
+          <a:ln>
+            <a:noFill/>
+          </a:ln>
+        </p:spPr>
+        <p:style>
+          <a:lnRef idx="1">
+            <a:schemeClr val="accent1"/>
+          </a:lnRef>
+          <a:fillRef idx="3">
+            <a:schemeClr val="accent1"/>
+          </a:fillRef>
+          <a:effectRef idx="2">
+            <a:schemeClr val="accent1"/>
+          </a:effectRef>
+          <a:fontRef idx="minor">
+            <a:schemeClr val="lt1"/>
+          </a:fontRef>
+        </p:style>
+        <p:txBody>
+          <a:bodyPr rtlCol="0" anchor="ctr"/>
+          <a:lstStyle/>
+          <a:p>
+            <a:pPr algn="ctr"/>
+          </a:p>
+        </p:txBody>
+      </p:sp>
+      <p:sp>
+        <p:nvSpPr>
+          <p:cNvPr id="12" name="TextBox 11"/>
+          <p:cNvSpPr txBox="1"/>
+          <p:nvPr/>
+        </p:nvSpPr>
+        <p:spPr>
+          <a:xfrm>
+            <a:off x="777240" y="3794760"/>
+            <a:ext cx="10637215" cy="548640"/>
+          </a:xfrm>
+          <a:prstGeom prst="rect">
+            <a:avLst/>
+          </a:prstGeom>
+          <a:noFill/>
+        </p:spPr>
+        <p:txBody>
+          <a:bodyPr wrap="square">
+            <a:spAutoFit/>
+          </a:bodyPr>
+          <a:lstStyle/>
+          <a:p>
+            <a:pPr algn="l">
+              <a:defRPr sz="2000" b="1">
+                <a:solidFill>
+                  <a:srgbClr val="1A1A2E"/>
+                </a:solidFill>
+                <a:latin typeface="Meiryo"/>
+              </a:defRPr>
+            </a:pPr>
+            <a:r>
+              <a:t>★★★★☆  AIが科学研究のパートナーに：仮説生成から実験制御まで</a:t>
+            </a:r>
+          </a:p>
+        </p:txBody>
+      </p:sp>
+      <p:sp>
+        <p:nvSpPr>
+          <p:cNvPr id="13" name="TextBox 12"/>
+          <p:cNvSpPr txBox="1"/>
+          <p:nvPr/>
+        </p:nvSpPr>
+        <p:spPr>
+          <a:xfrm>
+            <a:off x="777240" y="4343400"/>
+            <a:ext cx="10637215" cy="1188720"/>
+          </a:xfrm>
+          <a:prstGeom prst="rect">
+            <a:avLst/>
+          </a:prstGeom>
+          <a:noFill/>
+        </p:spPr>
+        <p:txBody>
+          <a:bodyPr wrap="square">
+            <a:normAutofit/>
+          </a:bodyPr>
+          <a:lstStyle/>
+          <a:p>
+            <a:pPr algn="l">
+              <a:defRPr sz="1600" b="0">
+                <a:solidFill>
+                  <a:srgbClr val="1A1A2E"/>
+                </a:solidFill>
+                <a:latin typeface="Meiryo"/>
+              </a:defRPr>
+            </a:pPr>
+            <a:r>
+              <a:t>2026年、AIが論文要約や質問応答を超えて、物理・化学・生物学での発見プロセスに積極参加。仮説生成、科学実験制御ツール使用、人間・AIコラボレーションを実現。エネルギー省は7月22日までにロボット研究所とAI主導実験・製造施設の能力評価を実施予定。</a:t>
+            </a:r>
+          </a:p>
+        </p:txBody>
+      </p:sp>
+      <p:sp>
+        <p:nvSpPr>
+          <p:cNvPr id="14" name="TextBox 13"/>
+          <p:cNvSpPr txBox="1"/>
+          <p:nvPr/>
+        </p:nvSpPr>
+        <p:spPr>
+          <a:xfrm>
+            <a:off x="777240" y="5623560"/>
+            <a:ext cx="10637215" cy="274320"/>
+          </a:xfrm>
+          <a:prstGeom prst="rect">
+            <a:avLst/>
+          </a:prstGeom>
+          <a:noFill/>
+        </p:spPr>
+        <p:txBody>
+          <a:bodyPr wrap="square">
+            <a:spAutoFit/>
+          </a:bodyPr>
+          <a:lstStyle/>
+          <a:p>
+            <a:pPr algn="l">
+              <a:defRPr sz="1100" b="0">
+                <a:solidFill>
+                  <a:srgbClr val="959595"/>
+                </a:solidFill>
+                <a:latin typeface="Meiryo"/>
+              </a:defRPr>
+            </a:pPr>
+            <a:r>
+              <a:t>Business    |    MIT Sloan Management Review</a:t>
             </a:r>
           </a:p>
         </p:txBody>

--- a/2026-02-10/report.pptx
+++ b/2026-02-10/report.pptx
@@ -4270,7 +4270,7 @@
               </a:defRPr>
             </a:pPr>
             <a:r>
-              <a:t>Tech Startups: https://techstartups.com/2026/02/05/top-startup-and-tech-funding-news-february-5-2025/</a:t>
+              <a:t>CNN Business: https://www.cnn.com/2026/02/05/tech/anthropic-opus-update-software-stocks</a:t>
             </a:r>
           </a:p>
           <a:p>
@@ -4318,7 +4318,7 @@
               </a:defRPr>
             </a:pPr>
             <a:r>
-              <a:t>TechCrunch: https://techcrunch.com/2026/02/05/openai-launches-new-agentic-coding-model-only-minutes-after-anthropic-drops-its-own/</a:t>
+              <a:t>MIT Sloan Management Review: https://sloanreview.mit.edu/article/five-trends-in-ai-and-data-science-for-2026/</a:t>
             </a:r>
           </a:p>
           <a:p>
@@ -4334,7 +4334,7 @@
               </a:defRPr>
             </a:pPr>
             <a:r>
-              <a:t>LLM Stats: https://llm-stats.com/llm-updates</a:t>
+              <a:t>Tech Startups: https://techstartups.com/2026/02/05/top-startup-and-tech-funding-news-february-5-2025/</a:t>
             </a:r>
           </a:p>
           <a:p>
@@ -4350,7 +4350,7 @@
               </a:defRPr>
             </a:pPr>
             <a:r>
-              <a:t>National Law Review: https://natlawreview.com/article/2026-outlook-artificial-intelligence</a:t>
+              <a:t>LLM Stats: https://llm-stats.com/llm-updates</a:t>
             </a:r>
           </a:p>
           <a:p>
@@ -4366,7 +4366,7 @@
               </a:defRPr>
             </a:pPr>
             <a:r>
-              <a:t>Axios: https://www.axios.com/2026/02/06/amazon-microsoft-meta-ai-investment</a:t>
+              <a:t>National Law Review: https://natlawreview.com/article/2026-outlook-artificial-intelligence</a:t>
             </a:r>
           </a:p>
           <a:p>
@@ -4382,7 +4382,7 @@
               </a:defRPr>
             </a:pPr>
             <a:r>
-              <a:t>MIT Sloan Management Review: https://sloanreview.mit.edu/article/five-trends-in-ai-and-data-science-for-2026/</a:t>
+              <a:t>MIT Technology Review: https://www.technologyreview.com/2026/01/05/1130662/whats-next-for-ai-in-2026/</a:t>
             </a:r>
           </a:p>
           <a:p>
@@ -4398,7 +4398,7 @@
               </a:defRPr>
             </a:pPr>
             <a:r>
-              <a:t>CNN Business: https://www.cnn.com/2026/02/05/tech/anthropic-opus-update-software-stocks</a:t>
+              <a:t>TechCrunch: https://techcrunch.com/2026/02/05/openai-launches-new-agentic-coding-model-only-minutes-after-anthropic-drops-its-own/</a:t>
             </a:r>
           </a:p>
           <a:p>
@@ -4414,7 +4414,7 @@
               </a:defRPr>
             </a:pPr>
             <a:r>
-              <a:t>MIT Technology Review: https://www.technologyreview.com/2026/01/05/1130662/whats-next-for-ai-in-2026/</a:t>
+              <a:t>Axios: https://www.axios.com/2026/02/06/amazon-microsoft-meta-ai-investment</a:t>
             </a:r>
           </a:p>
         </p:txBody>

--- a/2026-02-10/report.pptx
+++ b/2026-02-10/report.pptx
@@ -4013,7 +4013,7 @@
               </a:defRPr>
             </a:pPr>
             <a:r>
-              <a:t>► LLM Stats: https://llm-stats.com/llm-updates</a:t>
+              <a:t>► National Law Review: https://natlawreview.com/article/2026-outlook-artificial-intelligence</a:t>
             </a:r>
           </a:p>
           <a:p>
@@ -4061,7 +4061,7 @@
               </a:defRPr>
             </a:pPr>
             <a:r>
-              <a:t>► IBM: https://www.ibm.com/think/news/ai-tech-trends-predictions-2026</a:t>
+              <a:t>► LLM Stats: https://llm-stats.com/llm-updates</a:t>
             </a:r>
           </a:p>
           <a:p>
@@ -4077,7 +4077,7 @@
               </a:defRPr>
             </a:pPr>
             <a:r>
-              <a:t>► MIT Sloan Management Review: https://sloanreview.mit.edu/article/five-trends-in-ai-and-data-science-for-2026/</a:t>
+              <a:t>► CNN Business: https://www.cnn.com/2026/02/05/tech/anthropic-opus-update-software-stocks</a:t>
             </a:r>
           </a:p>
         </p:txBody>
@@ -4126,7 +4126,7 @@
               </a:defRPr>
             </a:pPr>
             <a:r>
-              <a:t>► National Law Review: https://natlawreview.com/article/2026-outlook-artificial-intelligence</a:t>
+              <a:t>► TechCrunch: https://techcrunch.com/2026/02/05/openai-launches-new-agentic-coding-model-only-minutes-after-anthropic-drops-its-own/</a:t>
             </a:r>
           </a:p>
           <a:p>
@@ -4142,7 +4142,7 @@
               </a:defRPr>
             </a:pPr>
             <a:r>
-              <a:t>► TechCrunch: https://techcrunch.com/2026/02/05/openai-launches-new-agentic-coding-model-only-minutes-after-anthropic-drops-its-own/</a:t>
+              <a:t>► Axios: https://www.axios.com/2026/02/06/amazon-microsoft-meta-ai-investment</a:t>
             </a:r>
           </a:p>
           <a:p>
@@ -4158,7 +4158,7 @@
               </a:defRPr>
             </a:pPr>
             <a:r>
-              <a:t>► CNN Business: https://www.cnn.com/2026/02/05/tech/anthropic-opus-update-software-stocks</a:t>
+              <a:t>► MIT Sloan Management Review: https://sloanreview.mit.edu/article/five-trends-in-ai-and-data-science-for-2026/</a:t>
             </a:r>
           </a:p>
           <a:p>
@@ -4174,7 +4174,7 @@
               </a:defRPr>
             </a:pPr>
             <a:r>
-              <a:t>► MIT Technology Review: https://www.technologyreview.com/2026/01/12/1130027/generative-coding-ai-software-2026-breakthrough-technology</a:t>
+              <a:t>► IBM: https://www.ibm.com/think/news/ai-tech-trends-predictions-2026</a:t>
             </a:r>
           </a:p>
           <a:p>
@@ -4190,7 +4190,7 @@
               </a:defRPr>
             </a:pPr>
             <a:r>
-              <a:t>► Axios: https://www.axios.com/2026/02/06/amazon-microsoft-meta-ai-investment</a:t>
+              <a:t>► MIT Technology Review: https://www.technologyreview.com/2026/01/12/1130027/generative-coding-ai-software-2026-breakthrough-technology</a:t>
             </a:r>
           </a:p>
         </p:txBody>
@@ -13443,7 +13443,7 @@
                         </a:defRPr>
                       </a:pPr>
                       <a:r>
-                        <a:t>MCP</a:t>
+                        <a:t>UCP</a:t>
                       </a:r>
                     </a:p>
                   </a:txBody>
@@ -13467,7 +13467,7 @@
                         </a:defRPr>
                       </a:pPr>
                       <a:r>
-                        <a:t>Anthropic</a:t>
+                        <a:t>Google</a:t>
                       </a:r>
                     </a:p>
                   </a:txBody>
@@ -13491,7 +13491,7 @@
                         </a:defRPr>
                       </a:pPr>
                       <a:r>
-                        <a:t>Agent-Tool</a:t>
+                        <a:t>Commerce</a:t>
                       </a:r>
                     </a:p>
                   </a:txBody>
@@ -13515,7 +13515,7 @@
                         </a:defRPr>
                       </a:pPr>
                       <a:r>
-                        <a:t>2024-11</a:t>
+                        <a:t>2026-01</a:t>
                       </a:r>
                     </a:p>
                   </a:txBody>
@@ -13539,7 +13539,495 @@
                         </a:defRPr>
                       </a:pPr>
                       <a:r>
-                        <a:t>AIモデルを外部データソース・ツールに接続するオープン標準。10,000以上のMCPサーバーが公開済み。OpenAI・Google・Microsoft等が採用。</a:t>
+                        <a:t>AIエージェント経由の商取引を標準化。A2A・MCP・AP2を統合オーケストレーションする上位プロトコル。Shopify・Walmart等が支持。</a:t>
+                      </a:r>
+                    </a:p>
+                  </a:txBody>
+                  <a:tcPr>
+                    <a:solidFill>
+                      <a:srgbClr val="FFFFFF"/>
+                    </a:solidFill>
+                  </a:tcPr>
+                </a:tc>
+              </a:tr>
+              <a:tr h="594360">
+                <a:tc>
+                  <a:txBody>
+                    <a:bodyPr/>
+                    <a:lstStyle/>
+                    <a:p>
+                      <a:pPr>
+                        <a:defRPr sz="1000" b="1">
+                          <a:solidFill>
+                            <a:srgbClr val="005BAB"/>
+                          </a:solidFill>
+                          <a:latin typeface="Meiryo"/>
+                        </a:defRPr>
+                      </a:pPr>
+                      <a:r>
+                        <a:t>Agent Skills</a:t>
+                      </a:r>
+                    </a:p>
+                  </a:txBody>
+                  <a:tcPr>
+                    <a:solidFill>
+                      <a:srgbClr val="E8F1F8"/>
+                    </a:solidFill>
+                  </a:tcPr>
+                </a:tc>
+                <a:tc>
+                  <a:txBody>
+                    <a:bodyPr/>
+                    <a:lstStyle/>
+                    <a:p>
+                      <a:pPr>
+                        <a:defRPr sz="1000">
+                          <a:solidFill>
+                            <a:srgbClr val="1A1A2E"/>
+                          </a:solidFill>
+                          <a:latin typeface="Meiryo"/>
+                        </a:defRPr>
+                      </a:pPr>
+                      <a:r>
+                        <a:t>Anthropic</a:t>
+                      </a:r>
+                    </a:p>
+                  </a:txBody>
+                  <a:tcPr>
+                    <a:solidFill>
+                      <a:srgbClr val="E8F1F8"/>
+                    </a:solidFill>
+                  </a:tcPr>
+                </a:tc>
+                <a:tc>
+                  <a:txBody>
+                    <a:bodyPr/>
+                    <a:lstStyle/>
+                    <a:p>
+                      <a:pPr algn="ctr">
+                        <a:defRPr sz="1000" b="1">
+                          <a:solidFill>
+                            <a:srgbClr val="5BA4D9"/>
+                          </a:solidFill>
+                          <a:latin typeface="Meiryo"/>
+                        </a:defRPr>
+                      </a:pPr>
+                      <a:r>
+                        <a:t>Agent Capability</a:t>
+                      </a:r>
+                    </a:p>
+                  </a:txBody>
+                  <a:tcPr>
+                    <a:solidFill>
+                      <a:srgbClr val="E8F1F8"/>
+                    </a:solidFill>
+                  </a:tcPr>
+                </a:tc>
+                <a:tc>
+                  <a:txBody>
+                    <a:bodyPr/>
+                    <a:lstStyle/>
+                    <a:p>
+                      <a:pPr algn="ctr">
+                        <a:defRPr sz="1000">
+                          <a:solidFill>
+                            <a:srgbClr val="6C757D"/>
+                          </a:solidFill>
+                          <a:latin typeface="Meiryo"/>
+                        </a:defRPr>
+                      </a:pPr>
+                      <a:r>
+                        <a:t>2025-12</a:t>
+                      </a:r>
+                    </a:p>
+                  </a:txBody>
+                  <a:tcPr>
+                    <a:solidFill>
+                      <a:srgbClr val="E8F1F8"/>
+                    </a:solidFill>
+                  </a:tcPr>
+                </a:tc>
+                <a:tc>
+                  <a:txBody>
+                    <a:bodyPr/>
+                    <a:lstStyle/>
+                    <a:p>
+                      <a:pPr>
+                        <a:defRPr sz="1000">
+                          <a:solidFill>
+                            <a:srgbClr val="1A1A2E"/>
+                          </a:solidFill>
+                          <a:latin typeface="Meiryo"/>
+                        </a:defRPr>
+                      </a:pPr>
+                      <a:r>
+                        <a:t>AIエージェントに再現可能なワークフローを教えるオープン標準。SKILL.mdベースのプログレッシブ・ディスクロージャー方式。Microsoft・OpenAI等が採用。</a:t>
+                      </a:r>
+                    </a:p>
+                  </a:txBody>
+                  <a:tcPr>
+                    <a:solidFill>
+                      <a:srgbClr val="E8F1F8"/>
+                    </a:solidFill>
+                  </a:tcPr>
+                </a:tc>
+              </a:tr>
+              <a:tr h="594360">
+                <a:tc>
+                  <a:txBody>
+                    <a:bodyPr/>
+                    <a:lstStyle/>
+                    <a:p>
+                      <a:pPr>
+                        <a:defRPr sz="1000" b="1">
+                          <a:solidFill>
+                            <a:srgbClr val="005BAB"/>
+                          </a:solidFill>
+                          <a:latin typeface="Meiryo"/>
+                        </a:defRPr>
+                      </a:pPr>
+                      <a:r>
+                        <a:t>ANP</a:t>
+                      </a:r>
+                    </a:p>
+                  </a:txBody>
+                  <a:tcPr>
+                    <a:solidFill>
+                      <a:srgbClr val="FFFFFF"/>
+                    </a:solidFill>
+                  </a:tcPr>
+                </a:tc>
+                <a:tc>
+                  <a:txBody>
+                    <a:bodyPr/>
+                    <a:lstStyle/>
+                    <a:p>
+                      <a:pPr>
+                        <a:defRPr sz="1000">
+                          <a:solidFill>
+                            <a:srgbClr val="1A1A2E"/>
+                          </a:solidFill>
+                          <a:latin typeface="Meiryo"/>
+                        </a:defRPr>
+                      </a:pPr>
+                      <a:r>
+                        <a:t>ANP Community (中国移動/Huawei等)</a:t>
+                      </a:r>
+                    </a:p>
+                  </a:txBody>
+                  <a:tcPr>
+                    <a:solidFill>
+                      <a:srgbClr val="FFFFFF"/>
+                    </a:solidFill>
+                  </a:tcPr>
+                </a:tc>
+                <a:tc>
+                  <a:txBody>
+                    <a:bodyPr/>
+                    <a:lstStyle/>
+                    <a:p>
+                      <a:pPr algn="ctr">
+                        <a:defRPr sz="1000" b="1">
+                          <a:solidFill>
+                            <a:srgbClr val="5BA4D9"/>
+                          </a:solidFill>
+                          <a:latin typeface="Meiryo"/>
+                        </a:defRPr>
+                      </a:pPr>
+                      <a:r>
+                        <a:t>Network Discovery</a:t>
+                      </a:r>
+                    </a:p>
+                  </a:txBody>
+                  <a:tcPr>
+                    <a:solidFill>
+                      <a:srgbClr val="FFFFFF"/>
+                    </a:solidFill>
+                  </a:tcPr>
+                </a:tc>
+                <a:tc>
+                  <a:txBody>
+                    <a:bodyPr/>
+                    <a:lstStyle/>
+                    <a:p>
+                      <a:pPr algn="ctr">
+                        <a:defRPr sz="1000">
+                          <a:solidFill>
+                            <a:srgbClr val="6C757D"/>
+                          </a:solidFill>
+                          <a:latin typeface="Meiryo"/>
+                        </a:defRPr>
+                      </a:pPr>
+                      <a:r>
+                        <a:t>2025-10</a:t>
+                      </a:r>
+                    </a:p>
+                  </a:txBody>
+                  <a:tcPr>
+                    <a:solidFill>
+                      <a:srgbClr val="FFFFFF"/>
+                    </a:solidFill>
+                  </a:tcPr>
+                </a:tc>
+                <a:tc>
+                  <a:txBody>
+                    <a:bodyPr/>
+                    <a:lstStyle/>
+                    <a:p>
+                      <a:pPr>
+                        <a:defRPr sz="1000">
+                          <a:solidFill>
+                            <a:srgbClr val="1A1A2E"/>
+                          </a:solidFill>
+                          <a:latin typeface="Meiryo"/>
+                        </a:defRPr>
+                      </a:pPr>
+                      <a:r>
+                        <a:t>数十億のエージェントのためのネットワークプロトコル。W3C DIDによるID認証、JSON-LDによる能力公開の3層アーキテクチャ。</a:t>
+                      </a:r>
+                    </a:p>
+                  </a:txBody>
+                  <a:tcPr>
+                    <a:solidFill>
+                      <a:srgbClr val="FFFFFF"/>
+                    </a:solidFill>
+                  </a:tcPr>
+                </a:tc>
+              </a:tr>
+              <a:tr h="594360">
+                <a:tc>
+                  <a:txBody>
+                    <a:bodyPr/>
+                    <a:lstStyle/>
+                    <a:p>
+                      <a:pPr>
+                        <a:defRPr sz="1000" b="1">
+                          <a:solidFill>
+                            <a:srgbClr val="005BAB"/>
+                          </a:solidFill>
+                          <a:latin typeface="Meiryo"/>
+                        </a:defRPr>
+                      </a:pPr>
+                      <a:r>
+                        <a:t>ACP</a:t>
+                      </a:r>
+                    </a:p>
+                  </a:txBody>
+                  <a:tcPr>
+                    <a:solidFill>
+                      <a:srgbClr val="E8F1F8"/>
+                    </a:solidFill>
+                  </a:tcPr>
+                </a:tc>
+                <a:tc>
+                  <a:txBody>
+                    <a:bodyPr/>
+                    <a:lstStyle/>
+                    <a:p>
+                      <a:pPr>
+                        <a:defRPr sz="1000">
+                          <a:solidFill>
+                            <a:srgbClr val="1A1A2E"/>
+                          </a:solidFill>
+                          <a:latin typeface="Meiryo"/>
+                        </a:defRPr>
+                      </a:pPr>
+                      <a:r>
+                        <a:t>OpenAI + Stripe</a:t>
+                      </a:r>
+                    </a:p>
+                  </a:txBody>
+                  <a:tcPr>
+                    <a:solidFill>
+                      <a:srgbClr val="E8F1F8"/>
+                    </a:solidFill>
+                  </a:tcPr>
+                </a:tc>
+                <a:tc>
+                  <a:txBody>
+                    <a:bodyPr/>
+                    <a:lstStyle/>
+                    <a:p>
+                      <a:pPr algn="ctr">
+                        <a:defRPr sz="1000" b="1">
+                          <a:solidFill>
+                            <a:srgbClr val="5BA4D9"/>
+                          </a:solidFill>
+                          <a:latin typeface="Meiryo"/>
+                        </a:defRPr>
+                      </a:pPr>
+                      <a:r>
+                        <a:t>Commerce</a:t>
+                      </a:r>
+                    </a:p>
+                  </a:txBody>
+                  <a:tcPr>
+                    <a:solidFill>
+                      <a:srgbClr val="E8F1F8"/>
+                    </a:solidFill>
+                  </a:tcPr>
+                </a:tc>
+                <a:tc>
+                  <a:txBody>
+                    <a:bodyPr/>
+                    <a:lstStyle/>
+                    <a:p>
+                      <a:pPr algn="ctr">
+                        <a:defRPr sz="1000">
+                          <a:solidFill>
+                            <a:srgbClr val="6C757D"/>
+                          </a:solidFill>
+                          <a:latin typeface="Meiryo"/>
+                        </a:defRPr>
+                      </a:pPr>
+                      <a:r>
+                        <a:t>2025-09</a:t>
+                      </a:r>
+                    </a:p>
+                  </a:txBody>
+                  <a:tcPr>
+                    <a:solidFill>
+                      <a:srgbClr val="E8F1F8"/>
+                    </a:solidFill>
+                  </a:tcPr>
+                </a:tc>
+                <a:tc>
+                  <a:txBody>
+                    <a:bodyPr/>
+                    <a:lstStyle/>
+                    <a:p>
+                      <a:pPr>
+                        <a:defRPr sz="1000">
+                          <a:solidFill>
+                            <a:srgbClr val="1A1A2E"/>
+                          </a:solidFill>
+                          <a:latin typeface="Meiryo"/>
+                        </a:defRPr>
+                      </a:pPr>
+                      <a:r>
+                        <a:t>AIエージェント経由の商取引フローを実現するオープン標準。物理/デジタル商品、サブスクリプション対応。ChatGPTで実装済み。</a:t>
+                      </a:r>
+                    </a:p>
+                  </a:txBody>
+                  <a:tcPr>
+                    <a:solidFill>
+                      <a:srgbClr val="E8F1F8"/>
+                    </a:solidFill>
+                  </a:tcPr>
+                </a:tc>
+              </a:tr>
+              <a:tr h="594360">
+                <a:tc>
+                  <a:txBody>
+                    <a:bodyPr/>
+                    <a:lstStyle/>
+                    <a:p>
+                      <a:pPr>
+                        <a:defRPr sz="1000" b="1">
+                          <a:solidFill>
+                            <a:srgbClr val="005BAB"/>
+                          </a:solidFill>
+                          <a:latin typeface="Meiryo"/>
+                        </a:defRPr>
+                      </a:pPr>
+                      <a:r>
+                        <a:t>AGENTS.md</a:t>
+                      </a:r>
+                    </a:p>
+                  </a:txBody>
+                  <a:tcPr>
+                    <a:solidFill>
+                      <a:srgbClr val="FFFFFF"/>
+                    </a:solidFill>
+                  </a:tcPr>
+                </a:tc>
+                <a:tc>
+                  <a:txBody>
+                    <a:bodyPr/>
+                    <a:lstStyle/>
+                    <a:p>
+                      <a:pPr>
+                        <a:defRPr sz="1000">
+                          <a:solidFill>
+                            <a:srgbClr val="1A1A2E"/>
+                          </a:solidFill>
+                          <a:latin typeface="Meiryo"/>
+                        </a:defRPr>
+                      </a:pPr>
+                      <a:r>
+                        <a:t>OpenAI</a:t>
+                      </a:r>
+                    </a:p>
+                  </a:txBody>
+                  <a:tcPr>
+                    <a:solidFill>
+                      <a:srgbClr val="FFFFFF"/>
+                    </a:solidFill>
+                  </a:tcPr>
+                </a:tc>
+                <a:tc>
+                  <a:txBody>
+                    <a:bodyPr/>
+                    <a:lstStyle/>
+                    <a:p>
+                      <a:pPr algn="ctr">
+                        <a:defRPr sz="1000" b="1">
+                          <a:solidFill>
+                            <a:srgbClr val="5BA4D9"/>
+                          </a:solidFill>
+                          <a:latin typeface="Meiryo"/>
+                        </a:defRPr>
+                      </a:pPr>
+                      <a:r>
+                        <a:t>Project Instruction</a:t>
+                      </a:r>
+                    </a:p>
+                  </a:txBody>
+                  <a:tcPr>
+                    <a:solidFill>
+                      <a:srgbClr val="FFFFFF"/>
+                    </a:solidFill>
+                  </a:tcPr>
+                </a:tc>
+                <a:tc>
+                  <a:txBody>
+                    <a:bodyPr/>
+                    <a:lstStyle/>
+                    <a:p>
+                      <a:pPr algn="ctr">
+                        <a:defRPr sz="1000">
+                          <a:solidFill>
+                            <a:srgbClr val="6C757D"/>
+                          </a:solidFill>
+                          <a:latin typeface="Meiryo"/>
+                        </a:defRPr>
+                      </a:pPr>
+                      <a:r>
+                        <a:t>2025-08</a:t>
+                      </a:r>
+                    </a:p>
+                  </a:txBody>
+                  <a:tcPr>
+                    <a:solidFill>
+                      <a:srgbClr val="FFFFFF"/>
+                    </a:solidFill>
+                  </a:tcPr>
+                </a:tc>
+                <a:tc>
+                  <a:txBody>
+                    <a:bodyPr/>
+                    <a:lstStyle/>
+                    <a:p>
+                      <a:pPr>
+                        <a:defRPr sz="1000">
+                          <a:solidFill>
+                            <a:srgbClr val="1A1A2E"/>
+                          </a:solidFill>
+                          <a:latin typeface="Meiryo"/>
+                        </a:defRPr>
+                      </a:pPr>
+                      <a:r>
+                        <a:t>AIコーディングエージェントにプロジェクト固有のガイダンスを提供するMarkdownベース規約。Copilot・Cursor・Gemini CLI等が対応。</a:t>
                       </a:r>
                     </a:p>
                   </a:txBody>
@@ -13687,7 +14175,7 @@
                         </a:defRPr>
                       </a:pPr>
                       <a:r>
-                        <a:t>Agent Skills</a:t>
+                        <a:t>MCP</a:t>
                       </a:r>
                     </a:p>
                   </a:txBody>
@@ -13735,7 +14223,7 @@
                         </a:defRPr>
                       </a:pPr>
                       <a:r>
-                        <a:t>Agent Capability</a:t>
+                        <a:t>Agent-Tool</a:t>
                       </a:r>
                     </a:p>
                   </a:txBody>
@@ -13759,7 +14247,7 @@
                         </a:defRPr>
                       </a:pPr>
                       <a:r>
-                        <a:t>2025-12</a:t>
+                        <a:t>2024-11</a:t>
                       </a:r>
                     </a:p>
                   </a:txBody>
@@ -13783,495 +14271,7 @@
                         </a:defRPr>
                       </a:pPr>
                       <a:r>
-                        <a:t>AIエージェントに再現可能なワークフローを教えるオープン標準。SKILL.mdベースのプログレッシブ・ディスクロージャー方式。Microsoft・OpenAI等が採用。</a:t>
-                      </a:r>
-                    </a:p>
-                  </a:txBody>
-                  <a:tcPr>
-                    <a:solidFill>
-                      <a:srgbClr val="FFFFFF"/>
-                    </a:solidFill>
-                  </a:tcPr>
-                </a:tc>
-              </a:tr>
-              <a:tr h="594360">
-                <a:tc>
-                  <a:txBody>
-                    <a:bodyPr/>
-                    <a:lstStyle/>
-                    <a:p>
-                      <a:pPr>
-                        <a:defRPr sz="1000" b="1">
-                          <a:solidFill>
-                            <a:srgbClr val="005BAB"/>
-                          </a:solidFill>
-                          <a:latin typeface="Meiryo"/>
-                        </a:defRPr>
-                      </a:pPr>
-                      <a:r>
-                        <a:t>UCP</a:t>
-                      </a:r>
-                    </a:p>
-                  </a:txBody>
-                  <a:tcPr>
-                    <a:solidFill>
-                      <a:srgbClr val="E8F1F8"/>
-                    </a:solidFill>
-                  </a:tcPr>
-                </a:tc>
-                <a:tc>
-                  <a:txBody>
-                    <a:bodyPr/>
-                    <a:lstStyle/>
-                    <a:p>
-                      <a:pPr>
-                        <a:defRPr sz="1000">
-                          <a:solidFill>
-                            <a:srgbClr val="1A1A2E"/>
-                          </a:solidFill>
-                          <a:latin typeface="Meiryo"/>
-                        </a:defRPr>
-                      </a:pPr>
-                      <a:r>
-                        <a:t>Google</a:t>
-                      </a:r>
-                    </a:p>
-                  </a:txBody>
-                  <a:tcPr>
-                    <a:solidFill>
-                      <a:srgbClr val="E8F1F8"/>
-                    </a:solidFill>
-                  </a:tcPr>
-                </a:tc>
-                <a:tc>
-                  <a:txBody>
-                    <a:bodyPr/>
-                    <a:lstStyle/>
-                    <a:p>
-                      <a:pPr algn="ctr">
-                        <a:defRPr sz="1000" b="1">
-                          <a:solidFill>
-                            <a:srgbClr val="5BA4D9"/>
-                          </a:solidFill>
-                          <a:latin typeface="Meiryo"/>
-                        </a:defRPr>
-                      </a:pPr>
-                      <a:r>
-                        <a:t>Commerce</a:t>
-                      </a:r>
-                    </a:p>
-                  </a:txBody>
-                  <a:tcPr>
-                    <a:solidFill>
-                      <a:srgbClr val="E8F1F8"/>
-                    </a:solidFill>
-                  </a:tcPr>
-                </a:tc>
-                <a:tc>
-                  <a:txBody>
-                    <a:bodyPr/>
-                    <a:lstStyle/>
-                    <a:p>
-                      <a:pPr algn="ctr">
-                        <a:defRPr sz="1000">
-                          <a:solidFill>
-                            <a:srgbClr val="6C757D"/>
-                          </a:solidFill>
-                          <a:latin typeface="Meiryo"/>
-                        </a:defRPr>
-                      </a:pPr>
-                      <a:r>
-                        <a:t>2026-01</a:t>
-                      </a:r>
-                    </a:p>
-                  </a:txBody>
-                  <a:tcPr>
-                    <a:solidFill>
-                      <a:srgbClr val="E8F1F8"/>
-                    </a:solidFill>
-                  </a:tcPr>
-                </a:tc>
-                <a:tc>
-                  <a:txBody>
-                    <a:bodyPr/>
-                    <a:lstStyle/>
-                    <a:p>
-                      <a:pPr>
-                        <a:defRPr sz="1000">
-                          <a:solidFill>
-                            <a:srgbClr val="1A1A2E"/>
-                          </a:solidFill>
-                          <a:latin typeface="Meiryo"/>
-                        </a:defRPr>
-                      </a:pPr>
-                      <a:r>
-                        <a:t>AIエージェント経由の商取引を標準化。A2A・MCP・AP2を統合オーケストレーションする上位プロトコル。Shopify・Walmart等が支持。</a:t>
-                      </a:r>
-                    </a:p>
-                  </a:txBody>
-                  <a:tcPr>
-                    <a:solidFill>
-                      <a:srgbClr val="E8F1F8"/>
-                    </a:solidFill>
-                  </a:tcPr>
-                </a:tc>
-              </a:tr>
-              <a:tr h="594360">
-                <a:tc>
-                  <a:txBody>
-                    <a:bodyPr/>
-                    <a:lstStyle/>
-                    <a:p>
-                      <a:pPr>
-                        <a:defRPr sz="1000" b="1">
-                          <a:solidFill>
-                            <a:srgbClr val="005BAB"/>
-                          </a:solidFill>
-                          <a:latin typeface="Meiryo"/>
-                        </a:defRPr>
-                      </a:pPr>
-                      <a:r>
-                        <a:t>ACP</a:t>
-                      </a:r>
-                    </a:p>
-                  </a:txBody>
-                  <a:tcPr>
-                    <a:solidFill>
-                      <a:srgbClr val="FFFFFF"/>
-                    </a:solidFill>
-                  </a:tcPr>
-                </a:tc>
-                <a:tc>
-                  <a:txBody>
-                    <a:bodyPr/>
-                    <a:lstStyle/>
-                    <a:p>
-                      <a:pPr>
-                        <a:defRPr sz="1000">
-                          <a:solidFill>
-                            <a:srgbClr val="1A1A2E"/>
-                          </a:solidFill>
-                          <a:latin typeface="Meiryo"/>
-                        </a:defRPr>
-                      </a:pPr>
-                      <a:r>
-                        <a:t>OpenAI + Stripe</a:t>
-                      </a:r>
-                    </a:p>
-                  </a:txBody>
-                  <a:tcPr>
-                    <a:solidFill>
-                      <a:srgbClr val="FFFFFF"/>
-                    </a:solidFill>
-                  </a:tcPr>
-                </a:tc>
-                <a:tc>
-                  <a:txBody>
-                    <a:bodyPr/>
-                    <a:lstStyle/>
-                    <a:p>
-                      <a:pPr algn="ctr">
-                        <a:defRPr sz="1000" b="1">
-                          <a:solidFill>
-                            <a:srgbClr val="5BA4D9"/>
-                          </a:solidFill>
-                          <a:latin typeface="Meiryo"/>
-                        </a:defRPr>
-                      </a:pPr>
-                      <a:r>
-                        <a:t>Commerce</a:t>
-                      </a:r>
-                    </a:p>
-                  </a:txBody>
-                  <a:tcPr>
-                    <a:solidFill>
-                      <a:srgbClr val="FFFFFF"/>
-                    </a:solidFill>
-                  </a:tcPr>
-                </a:tc>
-                <a:tc>
-                  <a:txBody>
-                    <a:bodyPr/>
-                    <a:lstStyle/>
-                    <a:p>
-                      <a:pPr algn="ctr">
-                        <a:defRPr sz="1000">
-                          <a:solidFill>
-                            <a:srgbClr val="6C757D"/>
-                          </a:solidFill>
-                          <a:latin typeface="Meiryo"/>
-                        </a:defRPr>
-                      </a:pPr>
-                      <a:r>
-                        <a:t>2025-09</a:t>
-                      </a:r>
-                    </a:p>
-                  </a:txBody>
-                  <a:tcPr>
-                    <a:solidFill>
-                      <a:srgbClr val="FFFFFF"/>
-                    </a:solidFill>
-                  </a:tcPr>
-                </a:tc>
-                <a:tc>
-                  <a:txBody>
-                    <a:bodyPr/>
-                    <a:lstStyle/>
-                    <a:p>
-                      <a:pPr>
-                        <a:defRPr sz="1000">
-                          <a:solidFill>
-                            <a:srgbClr val="1A1A2E"/>
-                          </a:solidFill>
-                          <a:latin typeface="Meiryo"/>
-                        </a:defRPr>
-                      </a:pPr>
-                      <a:r>
-                        <a:t>AIエージェント経由の商取引フローを実現するオープン標準。物理/デジタル商品、サブスクリプション対応。ChatGPTで実装済み。</a:t>
-                      </a:r>
-                    </a:p>
-                  </a:txBody>
-                  <a:tcPr>
-                    <a:solidFill>
-                      <a:srgbClr val="FFFFFF"/>
-                    </a:solidFill>
-                  </a:tcPr>
-                </a:tc>
-              </a:tr>
-              <a:tr h="594360">
-                <a:tc>
-                  <a:txBody>
-                    <a:bodyPr/>
-                    <a:lstStyle/>
-                    <a:p>
-                      <a:pPr>
-                        <a:defRPr sz="1000" b="1">
-                          <a:solidFill>
-                            <a:srgbClr val="005BAB"/>
-                          </a:solidFill>
-                          <a:latin typeface="Meiryo"/>
-                        </a:defRPr>
-                      </a:pPr>
-                      <a:r>
-                        <a:t>AGENTS.md</a:t>
-                      </a:r>
-                    </a:p>
-                  </a:txBody>
-                  <a:tcPr>
-                    <a:solidFill>
-                      <a:srgbClr val="E8F1F8"/>
-                    </a:solidFill>
-                  </a:tcPr>
-                </a:tc>
-                <a:tc>
-                  <a:txBody>
-                    <a:bodyPr/>
-                    <a:lstStyle/>
-                    <a:p>
-                      <a:pPr>
-                        <a:defRPr sz="1000">
-                          <a:solidFill>
-                            <a:srgbClr val="1A1A2E"/>
-                          </a:solidFill>
-                          <a:latin typeface="Meiryo"/>
-                        </a:defRPr>
-                      </a:pPr>
-                      <a:r>
-                        <a:t>OpenAI</a:t>
-                      </a:r>
-                    </a:p>
-                  </a:txBody>
-                  <a:tcPr>
-                    <a:solidFill>
-                      <a:srgbClr val="E8F1F8"/>
-                    </a:solidFill>
-                  </a:tcPr>
-                </a:tc>
-                <a:tc>
-                  <a:txBody>
-                    <a:bodyPr/>
-                    <a:lstStyle/>
-                    <a:p>
-                      <a:pPr algn="ctr">
-                        <a:defRPr sz="1000" b="1">
-                          <a:solidFill>
-                            <a:srgbClr val="5BA4D9"/>
-                          </a:solidFill>
-                          <a:latin typeface="Meiryo"/>
-                        </a:defRPr>
-                      </a:pPr>
-                      <a:r>
-                        <a:t>Project Instruction</a:t>
-                      </a:r>
-                    </a:p>
-                  </a:txBody>
-                  <a:tcPr>
-                    <a:solidFill>
-                      <a:srgbClr val="E8F1F8"/>
-                    </a:solidFill>
-                  </a:tcPr>
-                </a:tc>
-                <a:tc>
-                  <a:txBody>
-                    <a:bodyPr/>
-                    <a:lstStyle/>
-                    <a:p>
-                      <a:pPr algn="ctr">
-                        <a:defRPr sz="1000">
-                          <a:solidFill>
-                            <a:srgbClr val="6C757D"/>
-                          </a:solidFill>
-                          <a:latin typeface="Meiryo"/>
-                        </a:defRPr>
-                      </a:pPr>
-                      <a:r>
-                        <a:t>2025-08</a:t>
-                      </a:r>
-                    </a:p>
-                  </a:txBody>
-                  <a:tcPr>
-                    <a:solidFill>
-                      <a:srgbClr val="E8F1F8"/>
-                    </a:solidFill>
-                  </a:tcPr>
-                </a:tc>
-                <a:tc>
-                  <a:txBody>
-                    <a:bodyPr/>
-                    <a:lstStyle/>
-                    <a:p>
-                      <a:pPr>
-                        <a:defRPr sz="1000">
-                          <a:solidFill>
-                            <a:srgbClr val="1A1A2E"/>
-                          </a:solidFill>
-                          <a:latin typeface="Meiryo"/>
-                        </a:defRPr>
-                      </a:pPr>
-                      <a:r>
-                        <a:t>AIコーディングエージェントにプロジェクト固有のガイダンスを提供するMarkdownベース規約。Copilot・Cursor・Gemini CLI等が対応。</a:t>
-                      </a:r>
-                    </a:p>
-                  </a:txBody>
-                  <a:tcPr>
-                    <a:solidFill>
-                      <a:srgbClr val="E8F1F8"/>
-                    </a:solidFill>
-                  </a:tcPr>
-                </a:tc>
-              </a:tr>
-              <a:tr h="594360">
-                <a:tc>
-                  <a:txBody>
-                    <a:bodyPr/>
-                    <a:lstStyle/>
-                    <a:p>
-                      <a:pPr>
-                        <a:defRPr sz="1000" b="1">
-                          <a:solidFill>
-                            <a:srgbClr val="005BAB"/>
-                          </a:solidFill>
-                          <a:latin typeface="Meiryo"/>
-                        </a:defRPr>
-                      </a:pPr>
-                      <a:r>
-                        <a:t>ANP</a:t>
-                      </a:r>
-                    </a:p>
-                  </a:txBody>
-                  <a:tcPr>
-                    <a:solidFill>
-                      <a:srgbClr val="FFFFFF"/>
-                    </a:solidFill>
-                  </a:tcPr>
-                </a:tc>
-                <a:tc>
-                  <a:txBody>
-                    <a:bodyPr/>
-                    <a:lstStyle/>
-                    <a:p>
-                      <a:pPr>
-                        <a:defRPr sz="1000">
-                          <a:solidFill>
-                            <a:srgbClr val="1A1A2E"/>
-                          </a:solidFill>
-                          <a:latin typeface="Meiryo"/>
-                        </a:defRPr>
-                      </a:pPr>
-                      <a:r>
-                        <a:t>ANP Community (中国移動/Huawei等)</a:t>
-                      </a:r>
-                    </a:p>
-                  </a:txBody>
-                  <a:tcPr>
-                    <a:solidFill>
-                      <a:srgbClr val="FFFFFF"/>
-                    </a:solidFill>
-                  </a:tcPr>
-                </a:tc>
-                <a:tc>
-                  <a:txBody>
-                    <a:bodyPr/>
-                    <a:lstStyle/>
-                    <a:p>
-                      <a:pPr algn="ctr">
-                        <a:defRPr sz="1000" b="1">
-                          <a:solidFill>
-                            <a:srgbClr val="5BA4D9"/>
-                          </a:solidFill>
-                          <a:latin typeface="Meiryo"/>
-                        </a:defRPr>
-                      </a:pPr>
-                      <a:r>
-                        <a:t>Network Discovery</a:t>
-                      </a:r>
-                    </a:p>
-                  </a:txBody>
-                  <a:tcPr>
-                    <a:solidFill>
-                      <a:srgbClr val="FFFFFF"/>
-                    </a:solidFill>
-                  </a:tcPr>
-                </a:tc>
-                <a:tc>
-                  <a:txBody>
-                    <a:bodyPr/>
-                    <a:lstStyle/>
-                    <a:p>
-                      <a:pPr algn="ctr">
-                        <a:defRPr sz="1000">
-                          <a:solidFill>
-                            <a:srgbClr val="6C757D"/>
-                          </a:solidFill>
-                          <a:latin typeface="Meiryo"/>
-                        </a:defRPr>
-                      </a:pPr>
-                      <a:r>
-                        <a:t>2025-10</a:t>
-                      </a:r>
-                    </a:p>
-                  </a:txBody>
-                  <a:tcPr>
-                    <a:solidFill>
-                      <a:srgbClr val="FFFFFF"/>
-                    </a:solidFill>
-                  </a:tcPr>
-                </a:tc>
-                <a:tc>
-                  <a:txBody>
-                    <a:bodyPr/>
-                    <a:lstStyle/>
-                    <a:p>
-                      <a:pPr>
-                        <a:defRPr sz="1000">
-                          <a:solidFill>
-                            <a:srgbClr val="1A1A2E"/>
-                          </a:solidFill>
-                          <a:latin typeface="Meiryo"/>
-                        </a:defRPr>
-                      </a:pPr>
-                      <a:r>
-                        <a:t>数十億のエージェントのためのネットワークプロトコル。W3C DIDによるID認証、JSON-LDによる能力公開の3層アーキテクチャ。</a:t>
+                        <a:t>AIモデルを外部データソース・ツールに接続するオープン標準。10,000以上のMCPサーバーが公開済み。OpenAI・Google・Microsoft等が採用。</a:t>
                       </a:r>
                     </a:p>
                   </a:txBody>

--- a/2026-02-10/report.pptx
+++ b/2026-02-10/report.pptx
@@ -4029,7 +4029,7 @@
               </a:defRPr>
             </a:pPr>
             <a:r>
-              <a:t>► Tech Startups: https://techstartups.com/2026/02/05/top-startup-and-tech-funding-news-february-5-2025/</a:t>
+              <a:t>► MIT Technology Review: https://www.technologyreview.com/2026/01/05/1130662/whats-next-for-ai-in-2026/</a:t>
             </a:r>
           </a:p>
           <a:p>
@@ -4045,7 +4045,7 @@
               </a:defRPr>
             </a:pPr>
             <a:r>
-              <a:t>► MIT Technology Review: https://www.technologyreview.com/2026/01/05/1130662/whats-next-for-ai-in-2026/</a:t>
+              <a:t>► IBM: https://www.ibm.com/think/news/ai-tech-trends-predictions-2026</a:t>
             </a:r>
           </a:p>
           <a:p>
@@ -4061,7 +4061,7 @@
               </a:defRPr>
             </a:pPr>
             <a:r>
-              <a:t>► LLM Stats: https://llm-stats.com/llm-updates</a:t>
+              <a:t>► Tech Startups: https://techstartups.com/2026/02/05/top-startup-and-tech-funding-news-february-5-2025/</a:t>
             </a:r>
           </a:p>
           <a:p>
@@ -4077,7 +4077,7 @@
               </a:defRPr>
             </a:pPr>
             <a:r>
-              <a:t>► CNN Business: https://www.cnn.com/2026/02/05/tech/anthropic-opus-update-software-stocks</a:t>
+              <a:t>► TechCrunch: https://techcrunch.com/2026/02/05/openai-launches-new-agentic-coding-model-only-minutes-after-anthropic-drops-its-own/</a:t>
             </a:r>
           </a:p>
         </p:txBody>
@@ -4126,7 +4126,7 @@
               </a:defRPr>
             </a:pPr>
             <a:r>
-              <a:t>► TechCrunch: https://techcrunch.com/2026/02/05/openai-launches-new-agentic-coding-model-only-minutes-after-anthropic-drops-its-own/</a:t>
+              <a:t>► Axios: https://www.axios.com/2026/02/06/amazon-microsoft-meta-ai-investment</a:t>
             </a:r>
           </a:p>
           <a:p>
@@ -4142,7 +4142,7 @@
               </a:defRPr>
             </a:pPr>
             <a:r>
-              <a:t>► Axios: https://www.axios.com/2026/02/06/amazon-microsoft-meta-ai-investment</a:t>
+              <a:t>► MIT Sloan Management Review: https://sloanreview.mit.edu/article/five-trends-in-ai-and-data-science-for-2026/</a:t>
             </a:r>
           </a:p>
           <a:p>
@@ -4158,7 +4158,7 @@
               </a:defRPr>
             </a:pPr>
             <a:r>
-              <a:t>► MIT Sloan Management Review: https://sloanreview.mit.edu/article/five-trends-in-ai-and-data-science-for-2026/</a:t>
+              <a:t>► LLM Stats: https://llm-stats.com/llm-updates</a:t>
             </a:r>
           </a:p>
           <a:p>
@@ -4174,7 +4174,7 @@
               </a:defRPr>
             </a:pPr>
             <a:r>
-              <a:t>► IBM: https://www.ibm.com/think/news/ai-tech-trends-predictions-2026</a:t>
+              <a:t>► MIT Technology Review: https://www.technologyreview.com/2026/01/12/1130027/generative-coding-ai-software-2026-breakthrough-technology</a:t>
             </a:r>
           </a:p>
           <a:p>
@@ -4190,7 +4190,7 @@
               </a:defRPr>
             </a:pPr>
             <a:r>
-              <a:t>► MIT Technology Review: https://www.technologyreview.com/2026/01/12/1130027/generative-coding-ai-software-2026-breakthrough-technology</a:t>
+              <a:t>► CNN Business: https://www.cnn.com/2026/02/05/tech/anthropic-opus-update-software-stocks</a:t>
             </a:r>
           </a:p>
         </p:txBody>
